--- a/Lehrveranstaltungsmanagement_Präsentation.pptx
+++ b/Lehrveranstaltungsmanagement_Präsentation.pptx
@@ -17,14 +17,14 @@
     <p:sldId id="268" r:id="rId11"/>
     <p:sldId id="269" r:id="rId12"/>
     <p:sldId id="270" r:id="rId13"/>
-    <p:sldId id="267" r:id="rId14"/>
-    <p:sldId id="271" r:id="rId15"/>
-    <p:sldId id="272" r:id="rId16"/>
-    <p:sldId id="273" r:id="rId17"/>
-    <p:sldId id="279" r:id="rId18"/>
-    <p:sldId id="274" r:id="rId19"/>
-    <p:sldId id="278" r:id="rId20"/>
-    <p:sldId id="275" r:id="rId21"/>
+    <p:sldId id="271" r:id="rId14"/>
+    <p:sldId id="272" r:id="rId15"/>
+    <p:sldId id="273" r:id="rId16"/>
+    <p:sldId id="274" r:id="rId17"/>
+    <p:sldId id="278" r:id="rId18"/>
+    <p:sldId id="275" r:id="rId19"/>
+    <p:sldId id="281" r:id="rId20"/>
+    <p:sldId id="282" r:id="rId21"/>
     <p:sldId id="276" r:id="rId22"/>
     <p:sldId id="277" r:id="rId23"/>
     <p:sldId id="280" r:id="rId24"/>
@@ -7456,7 +7456,7 @@
           <a:p>
             <a:fld id="{A0BB847D-E3E4-4001-A5AC-E94A14F50710}" type="datetimeFigureOut">
               <a:rPr lang="de-DE" smtClean="0"/>
-              <a:t>08.07.2015</a:t>
+              <a:t>09.07.2015</a:t>
             </a:fld>
             <a:endParaRPr lang="de-DE"/>
           </a:p>
@@ -7621,7 +7621,7 @@
           <a:p>
             <a:fld id="{A0BB847D-E3E4-4001-A5AC-E94A14F50710}" type="datetimeFigureOut">
               <a:rPr lang="de-DE" smtClean="0"/>
-              <a:t>08.07.2015</a:t>
+              <a:t>09.07.2015</a:t>
             </a:fld>
             <a:endParaRPr lang="de-DE"/>
           </a:p>
@@ -7796,7 +7796,7 @@
           <a:p>
             <a:fld id="{A0BB847D-E3E4-4001-A5AC-E94A14F50710}" type="datetimeFigureOut">
               <a:rPr lang="de-DE" smtClean="0"/>
-              <a:t>08.07.2015</a:t>
+              <a:t>09.07.2015</a:t>
             </a:fld>
             <a:endParaRPr lang="de-DE"/>
           </a:p>
@@ -7961,7 +7961,7 @@
           <a:p>
             <a:fld id="{A0BB847D-E3E4-4001-A5AC-E94A14F50710}" type="datetimeFigureOut">
               <a:rPr lang="de-DE" smtClean="0"/>
-              <a:t>08.07.2015</a:t>
+              <a:t>09.07.2015</a:t>
             </a:fld>
             <a:endParaRPr lang="de-DE"/>
           </a:p>
@@ -8203,7 +8203,7 @@
           <a:p>
             <a:fld id="{A0BB847D-E3E4-4001-A5AC-E94A14F50710}" type="datetimeFigureOut">
               <a:rPr lang="de-DE" smtClean="0"/>
-              <a:t>08.07.2015</a:t>
+              <a:t>09.07.2015</a:t>
             </a:fld>
             <a:endParaRPr lang="de-DE"/>
           </a:p>
@@ -8467,7 +8467,7 @@
           <a:p>
             <a:fld id="{A0BB847D-E3E4-4001-A5AC-E94A14F50710}" type="datetimeFigureOut">
               <a:rPr lang="de-DE" smtClean="0"/>
-              <a:t>08.07.2015</a:t>
+              <a:t>09.07.2015</a:t>
             </a:fld>
             <a:endParaRPr lang="de-DE"/>
           </a:p>
@@ -8845,7 +8845,7 @@
           <a:p>
             <a:fld id="{A0BB847D-E3E4-4001-A5AC-E94A14F50710}" type="datetimeFigureOut">
               <a:rPr lang="de-DE" smtClean="0"/>
-              <a:t>08.07.2015</a:t>
+              <a:t>09.07.2015</a:t>
             </a:fld>
             <a:endParaRPr lang="de-DE"/>
           </a:p>
@@ -8995,7 +8995,7 @@
           <a:p>
             <a:fld id="{A0BB847D-E3E4-4001-A5AC-E94A14F50710}" type="datetimeFigureOut">
               <a:rPr lang="de-DE" smtClean="0"/>
-              <a:t>08.07.2015</a:t>
+              <a:t>09.07.2015</a:t>
             </a:fld>
             <a:endParaRPr lang="de-DE"/>
           </a:p>
@@ -9085,7 +9085,7 @@
           <a:p>
             <a:fld id="{A0BB847D-E3E4-4001-A5AC-E94A14F50710}" type="datetimeFigureOut">
               <a:rPr lang="de-DE" smtClean="0"/>
-              <a:t>08.07.2015</a:t>
+              <a:t>09.07.2015</a:t>
             </a:fld>
             <a:endParaRPr lang="de-DE"/>
           </a:p>
@@ -9346,7 +9346,7 @@
           <a:p>
             <a:fld id="{A0BB847D-E3E4-4001-A5AC-E94A14F50710}" type="datetimeFigureOut">
               <a:rPr lang="de-DE" smtClean="0"/>
-              <a:t>08.07.2015</a:t>
+              <a:t>09.07.2015</a:t>
             </a:fld>
             <a:endParaRPr lang="de-DE"/>
           </a:p>
@@ -9634,7 +9634,7 @@
           <a:p>
             <a:fld id="{A0BB847D-E3E4-4001-A5AC-E94A14F50710}" type="datetimeFigureOut">
               <a:rPr lang="de-DE" smtClean="0"/>
-              <a:t>08.07.2015</a:t>
+              <a:t>09.07.2015</a:t>
             </a:fld>
             <a:endParaRPr lang="de-DE"/>
           </a:p>
@@ -10405,7 +10405,7 @@
           <a:p>
             <a:fld id="{A0BB847D-E3E4-4001-A5AC-E94A14F50710}" type="datetimeFigureOut">
               <a:rPr lang="de-DE" smtClean="0"/>
-              <a:t>08.07.2015</a:t>
+              <a:t>09.07.2015</a:t>
             </a:fld>
             <a:endParaRPr lang="de-DE"/>
           </a:p>
@@ -11152,6 +11152,51 @@
           <a:chExt cx="0" cy="0"/>
         </a:xfrm>
       </p:grpSpPr>
+      <p:pic>
+        <p:nvPicPr>
+          <p:cNvPr id="8" name="Picture 3" descr="D:\studium\semester_5\WFPR_Klippel\presentation\01_div_nutzer_anlegen.PNG"/>
+          <p:cNvPicPr>
+            <a:picLocks noChangeAspect="1" noChangeArrowheads="1"/>
+          </p:cNvPicPr>
+          <p:nvPr/>
+        </p:nvPicPr>
+        <p:blipFill>
+          <a:blip r:embed="rId2">
+            <a:extLst>
+              <a:ext uri="{28A0092B-C50C-407E-A947-70E740481C1C}">
+                <a14:useLocalDpi xmlns:a14="http://schemas.microsoft.com/office/drawing/2010/main" val="0"/>
+              </a:ext>
+            </a:extLst>
+          </a:blip>
+          <a:srcRect/>
+          <a:stretch>
+            <a:fillRect/>
+          </a:stretch>
+        </p:blipFill>
+        <p:spPr bwMode="auto">
+          <a:xfrm>
+            <a:off x="164403" y="1897342"/>
+            <a:ext cx="4949302" cy="1538413"/>
+          </a:xfrm>
+          <a:prstGeom prst="rect">
+            <a:avLst/>
+          </a:prstGeom>
+        </p:spPr>
+        <p:style>
+          <a:lnRef idx="1">
+            <a:schemeClr val="accent1"/>
+          </a:lnRef>
+          <a:fillRef idx="3">
+            <a:schemeClr val="accent1"/>
+          </a:fillRef>
+          <a:effectRef idx="2">
+            <a:schemeClr val="accent1"/>
+          </a:effectRef>
+          <a:fontRef idx="minor">
+            <a:schemeClr val="lt1"/>
+          </a:fontRef>
+        </p:style>
+      </p:pic>
       <p:sp>
         <p:nvSpPr>
           <p:cNvPr id="5" name="Titel 1"/>
@@ -11230,7 +11275,7 @@
           <p:nvPr/>
         </p:nvPicPr>
         <p:blipFill>
-          <a:blip r:embed="rId2">
+          <a:blip r:embed="rId3">
             <a:extLst>
               <a:ext uri="{28A0092B-C50C-407E-A947-70E740481C1C}">
                 <a14:useLocalDpi xmlns:a14="http://schemas.microsoft.com/office/drawing/2010/main" val="0"/>
@@ -11244,7 +11289,7 @@
         </p:blipFill>
         <p:spPr bwMode="auto">
           <a:xfrm>
-            <a:off x="611560" y="2708920"/>
+            <a:off x="157444" y="3890062"/>
             <a:ext cx="8311137" cy="2592288"/>
           </a:xfrm>
           <a:prstGeom prst="rect">
@@ -11366,6 +11411,51 @@
           </a:p>
         </p:txBody>
       </p:sp>
+      <p:pic>
+        <p:nvPicPr>
+          <p:cNvPr id="3074" name="Picture 2" descr="D:\studium\semester_5\WFPR_Klippel\presentation\view_matrikel_studiengaenge.PNG"/>
+          <p:cNvPicPr>
+            <a:picLocks noChangeAspect="1" noChangeArrowheads="1"/>
+          </p:cNvPicPr>
+          <p:nvPr/>
+        </p:nvPicPr>
+        <p:blipFill>
+          <a:blip r:embed="rId4">
+            <a:extLst>
+              <a:ext uri="{28A0092B-C50C-407E-A947-70E740481C1C}">
+                <a14:useLocalDpi xmlns:a14="http://schemas.microsoft.com/office/drawing/2010/main" val="0"/>
+              </a:ext>
+            </a:extLst>
+          </a:blip>
+          <a:srcRect/>
+          <a:stretch>
+            <a:fillRect/>
+          </a:stretch>
+        </p:blipFill>
+        <p:spPr bwMode="auto">
+          <a:xfrm>
+            <a:off x="4693861" y="1506712"/>
+            <a:ext cx="2436574" cy="4108733"/>
+          </a:xfrm>
+          <a:prstGeom prst="rect">
+            <a:avLst/>
+          </a:prstGeom>
+        </p:spPr>
+        <p:style>
+          <a:lnRef idx="1">
+            <a:schemeClr val="accent1"/>
+          </a:lnRef>
+          <a:fillRef idx="3">
+            <a:schemeClr val="accent1"/>
+          </a:fillRef>
+          <a:effectRef idx="2">
+            <a:schemeClr val="accent1"/>
+          </a:effectRef>
+          <a:fontRef idx="minor">
+            <a:schemeClr val="lt1"/>
+          </a:fontRef>
+        </p:style>
+      </p:pic>
     </p:spTree>
     <p:extLst>
       <p:ext uri="{BB962C8B-B14F-4D97-AF65-F5344CB8AC3E}">
@@ -11590,7 +11680,7 @@
         </p:blipFill>
         <p:spPr bwMode="auto">
           <a:xfrm>
-            <a:off x="2843808" y="3501008"/>
+            <a:off x="2647760" y="3417878"/>
             <a:ext cx="6212847" cy="2857939"/>
           </a:xfrm>
           <a:prstGeom prst="rect">
@@ -11742,26 +11832,26 @@
           </a:lstStyle>
           <a:p>
             <a:r>
-              <a:rPr lang="de-DE" sz="2000" smtClean="0"/>
+              <a:rPr lang="de-DE" sz="2000" dirty="0" smtClean="0"/>
               <a:t>User Story  </a:t>
             </a:r>
             <a:r>
-              <a:rPr lang="de-DE" sz="2000" b="1" smtClean="0"/>
+              <a:rPr lang="de-DE" sz="2000" b="1" dirty="0" smtClean="0"/>
               <a:t>Nr.: xxx</a:t>
             </a:r>
             <a:r>
-              <a:rPr lang="de-DE" sz="2000" smtClean="0"/>
+              <a:rPr lang="de-DE" sz="2000" dirty="0" smtClean="0"/>
               <a:t>, Als Mitarbeiter möchte ich div. Nutzer anlegen können</a:t>
             </a:r>
             <a:br>
-              <a:rPr lang="de-DE" sz="2000" smtClean="0"/>
+              <a:rPr lang="de-DE" sz="2000" dirty="0" smtClean="0"/>
             </a:br>
             <a:r>
-              <a:rPr lang="de-DE" sz="2000" smtClean="0"/>
+              <a:rPr lang="de-DE" sz="2000" dirty="0" smtClean="0"/>
               <a:t> </a:t>
             </a:r>
             <a:r>
-              <a:rPr lang="de-DE" sz="1600" b="1" smtClean="0"/>
+              <a:rPr lang="de-DE" sz="1600" b="1" dirty="0" smtClean="0"/>
               <a:t>  </a:t>
             </a:r>
             <a:endParaRPr lang="de-DE" sz="1600" b="1" dirty="0"/>
@@ -11791,8 +11881,8 @@
         </p:blipFill>
         <p:spPr bwMode="auto">
           <a:xfrm>
-            <a:off x="323528" y="1556792"/>
-            <a:ext cx="7088038" cy="4416024"/>
+            <a:off x="125897" y="1412776"/>
+            <a:ext cx="6587949" cy="4104456"/>
           </a:xfrm>
           <a:prstGeom prst="rect">
             <a:avLst/>
@@ -11836,8 +11926,8 @@
         </p:blipFill>
         <p:spPr bwMode="auto">
           <a:xfrm>
-            <a:off x="2445310" y="5279918"/>
-            <a:ext cx="6383337" cy="981075"/>
+            <a:off x="179512" y="5552152"/>
+            <a:ext cx="5786482" cy="889342"/>
           </a:xfrm>
           <a:prstGeom prst="rect">
             <a:avLst/>
@@ -11868,7 +11958,7 @@
         </p:nvSpPr>
         <p:spPr>
           <a:xfrm>
-            <a:off x="7380312" y="1882133"/>
+            <a:off x="7370783" y="1882133"/>
             <a:ext cx="1676343" cy="298264"/>
           </a:xfrm>
           <a:prstGeom prst="rect">
@@ -11958,6 +12048,51 @@
           </a:p>
         </p:txBody>
       </p:sp>
+      <p:pic>
+        <p:nvPicPr>
+          <p:cNvPr id="2053" name="Picture 5" descr="D:\studium\semester_5\WFPR_Klippel\presentation\view_javascript_student_anlegen.PNG"/>
+          <p:cNvPicPr>
+            <a:picLocks noChangeAspect="1" noChangeArrowheads="1"/>
+          </p:cNvPicPr>
+          <p:nvPr/>
+        </p:nvPicPr>
+        <p:blipFill>
+          <a:blip r:embed="rId4">
+            <a:extLst>
+              <a:ext uri="{28A0092B-C50C-407E-A947-70E740481C1C}">
+                <a14:useLocalDpi xmlns:a14="http://schemas.microsoft.com/office/drawing/2010/main" val="0"/>
+              </a:ext>
+            </a:extLst>
+          </a:blip>
+          <a:srcRect/>
+          <a:stretch>
+            <a:fillRect/>
+          </a:stretch>
+        </p:blipFill>
+        <p:spPr bwMode="auto">
+          <a:xfrm>
+            <a:off x="5965994" y="2453849"/>
+            <a:ext cx="2253790" cy="4116884"/>
+          </a:xfrm>
+          <a:prstGeom prst="rect">
+            <a:avLst/>
+          </a:prstGeom>
+        </p:spPr>
+        <p:style>
+          <a:lnRef idx="1">
+            <a:schemeClr val="accent1"/>
+          </a:lnRef>
+          <a:fillRef idx="3">
+            <a:schemeClr val="accent1"/>
+          </a:fillRef>
+          <a:effectRef idx="2">
+            <a:schemeClr val="accent1"/>
+          </a:effectRef>
+          <a:fontRef idx="minor">
+            <a:schemeClr val="lt1"/>
+          </a:fontRef>
+        </p:style>
+      </p:pic>
     </p:spTree>
     <p:extLst>
       <p:ext uri="{BB962C8B-B14F-4D97-AF65-F5344CB8AC3E}">
@@ -11979,303 +12114,6 @@
 </file>
 
 <file path=ppt/slides/slide13.xml><?xml version="1.0" encoding="utf-8"?>
-<p:sld xmlns:a="http://schemas.openxmlformats.org/drawingml/2006/main" xmlns:r="http://schemas.openxmlformats.org/officeDocument/2006/relationships" xmlns:p="http://schemas.openxmlformats.org/presentationml/2006/main">
-  <p:cSld>
-    <p:spTree>
-      <p:nvGrpSpPr>
-        <p:cNvPr id="1" name=""/>
-        <p:cNvGrpSpPr/>
-        <p:nvPr/>
-      </p:nvGrpSpPr>
-      <p:grpSpPr>
-        <a:xfrm>
-          <a:off x="0" y="0"/>
-          <a:ext cx="0" cy="0"/>
-          <a:chOff x="0" y="0"/>
-          <a:chExt cx="0" cy="0"/>
-        </a:xfrm>
-      </p:grpSpPr>
-      <p:sp>
-        <p:nvSpPr>
-          <p:cNvPr id="5" name="Titel 1"/>
-          <p:cNvSpPr txBox="1">
-            <a:spLocks/>
-          </p:cNvSpPr>
-          <p:nvPr/>
-        </p:nvSpPr>
-        <p:spPr>
-          <a:xfrm>
-            <a:off x="179512" y="980728"/>
-            <a:ext cx="8640960" cy="720080"/>
-          </a:xfrm>
-          <a:prstGeom prst="rect">
-            <a:avLst/>
-          </a:prstGeom>
-        </p:spPr>
-        <p:txBody>
-          <a:bodyPr vert="horz" lIns="0" rIns="0" bIns="0" anchor="b">
-            <a:normAutofit/>
-          </a:bodyPr>
-          <a:lstStyle>
-            <a:lvl1pPr algn="l" rtl="0" eaLnBrk="1" latinLnBrk="0" hangingPunct="1">
-              <a:spcBef>
-                <a:spcPct val="0"/>
-              </a:spcBef>
-              <a:buNone/>
-              <a:defRPr kumimoji="0" sz="5000" b="0" kern="1200">
-                <a:ln>
-                  <a:noFill/>
-                </a:ln>
-                <a:solidFill>
-                  <a:schemeClr val="tx2"/>
-                </a:solidFill>
-                <a:effectLst/>
-                <a:latin typeface="+mj-lt"/>
-                <a:ea typeface="+mj-ea"/>
-                <a:cs typeface="+mj-cs"/>
-              </a:defRPr>
-            </a:lvl1pPr>
-          </a:lstStyle>
-          <a:p>
-            <a:r>
-              <a:rPr lang="de-DE" sz="2000" smtClean="0"/>
-              <a:t>User Story  </a:t>
-            </a:r>
-            <a:r>
-              <a:rPr lang="de-DE" sz="2000" b="1" smtClean="0"/>
-              <a:t>Nr.: xxx</a:t>
-            </a:r>
-            <a:r>
-              <a:rPr lang="de-DE" sz="2000" smtClean="0"/>
-              <a:t>, Als Mitarbeiter möchte ich div. Nutzer anlegen können</a:t>
-            </a:r>
-            <a:br>
-              <a:rPr lang="de-DE" sz="2000" smtClean="0"/>
-            </a:br>
-            <a:r>
-              <a:rPr lang="de-DE" sz="2000" smtClean="0"/>
-              <a:t> </a:t>
-            </a:r>
-            <a:r>
-              <a:rPr lang="de-DE" sz="1600" b="1" smtClean="0"/>
-              <a:t>  </a:t>
-            </a:r>
-            <a:endParaRPr lang="de-DE" sz="1600" b="1" dirty="0"/>
-          </a:p>
-        </p:txBody>
-      </p:sp>
-      <p:pic>
-        <p:nvPicPr>
-          <p:cNvPr id="2051" name="Picture 3" descr="D:\studium\semester_5\WFPR_Klippel\presentation\01_div_nutzer_anlegen.PNG"/>
-          <p:cNvPicPr>
-            <a:picLocks noChangeAspect="1" noChangeArrowheads="1"/>
-          </p:cNvPicPr>
-          <p:nvPr/>
-        </p:nvPicPr>
-        <p:blipFill>
-          <a:blip r:embed="rId2">
-            <a:extLst>
-              <a:ext uri="{28A0092B-C50C-407E-A947-70E740481C1C}">
-                <a14:useLocalDpi xmlns:a14="http://schemas.microsoft.com/office/drawing/2010/main" val="0"/>
-              </a:ext>
-            </a:extLst>
-          </a:blip>
-          <a:srcRect/>
-          <a:stretch>
-            <a:fillRect/>
-          </a:stretch>
-        </p:blipFill>
-        <p:spPr bwMode="auto">
-          <a:xfrm>
-            <a:off x="323528" y="2564904"/>
-            <a:ext cx="7300454" cy="2269232"/>
-          </a:xfrm>
-          <a:prstGeom prst="rect">
-            <a:avLst/>
-          </a:prstGeom>
-        </p:spPr>
-        <p:style>
-          <a:lnRef idx="1">
-            <a:schemeClr val="accent1"/>
-          </a:lnRef>
-          <a:fillRef idx="3">
-            <a:schemeClr val="accent1"/>
-          </a:fillRef>
-          <a:effectRef idx="2">
-            <a:schemeClr val="accent1"/>
-          </a:effectRef>
-          <a:fontRef idx="minor">
-            <a:schemeClr val="lt1"/>
-          </a:fontRef>
-        </p:style>
-      </p:pic>
-      <p:pic>
-        <p:nvPicPr>
-          <p:cNvPr id="2052" name="Picture 4" descr="D:\studium\semester_5\WFPR_Klippel\presentation\matrikel.PNG"/>
-          <p:cNvPicPr>
-            <a:picLocks noChangeAspect="1" noChangeArrowheads="1"/>
-          </p:cNvPicPr>
-          <p:nvPr/>
-        </p:nvPicPr>
-        <p:blipFill>
-          <a:blip r:embed="rId3">
-            <a:extLst>
-              <a:ext uri="{28A0092B-C50C-407E-A947-70E740481C1C}">
-                <a14:useLocalDpi xmlns:a14="http://schemas.microsoft.com/office/drawing/2010/main" val="0"/>
-              </a:ext>
-            </a:extLst>
-          </a:blip>
-          <a:srcRect/>
-          <a:stretch>
-            <a:fillRect/>
-          </a:stretch>
-        </p:blipFill>
-        <p:spPr bwMode="auto">
-          <a:xfrm>
-            <a:off x="4067944" y="5229200"/>
-            <a:ext cx="3267075" cy="695325"/>
-          </a:xfrm>
-          <a:prstGeom prst="rect">
-            <a:avLst/>
-          </a:prstGeom>
-          <a:extLst/>
-        </p:spPr>
-        <p:style>
-          <a:lnRef idx="1">
-            <a:schemeClr val="accent1"/>
-          </a:lnRef>
-          <a:fillRef idx="3">
-            <a:schemeClr val="accent1"/>
-          </a:fillRef>
-          <a:effectRef idx="2">
-            <a:schemeClr val="accent1"/>
-          </a:effectRef>
-          <a:fontRef idx="minor">
-            <a:schemeClr val="lt1"/>
-          </a:fontRef>
-        </p:style>
-      </p:pic>
-      <p:sp>
-        <p:nvSpPr>
-          <p:cNvPr id="10" name="Titel 1"/>
-          <p:cNvSpPr txBox="1">
-            <a:spLocks/>
-          </p:cNvSpPr>
-          <p:nvPr/>
-        </p:nvSpPr>
-        <p:spPr>
-          <a:xfrm>
-            <a:off x="7380312" y="1882133"/>
-            <a:ext cx="1676343" cy="298264"/>
-          </a:xfrm>
-          <a:prstGeom prst="rect">
-            <a:avLst/>
-          </a:prstGeom>
-        </p:spPr>
-        <p:txBody>
-          <a:bodyPr vert="horz" lIns="0" rIns="0" bIns="0" anchor="b">
-            <a:normAutofit fontScale="92500" lnSpcReduction="20000"/>
-          </a:bodyPr>
-          <a:lstStyle>
-            <a:lvl1pPr algn="l" rtl="0" eaLnBrk="1" latinLnBrk="0" hangingPunct="1">
-              <a:spcBef>
-                <a:spcPct val="0"/>
-              </a:spcBef>
-              <a:buNone/>
-              <a:defRPr kumimoji="0" sz="5000" b="0" kern="1200">
-                <a:ln>
-                  <a:noFill/>
-                </a:ln>
-                <a:solidFill>
-                  <a:schemeClr val="tx2"/>
-                </a:solidFill>
-                <a:effectLst/>
-                <a:latin typeface="+mj-lt"/>
-                <a:ea typeface="+mj-ea"/>
-                <a:cs typeface="+mj-cs"/>
-              </a:defRPr>
-            </a:lvl1pPr>
-          </a:lstStyle>
-          <a:p>
-            <a:r>
-              <a:rPr lang="de-DE" sz="2000" b="1" dirty="0" smtClean="0"/>
-              <a:t>&gt; VIEW</a:t>
-            </a:r>
-            <a:endParaRPr lang="de-DE" sz="2000" b="1" dirty="0"/>
-          </a:p>
-        </p:txBody>
-      </p:sp>
-      <p:sp>
-        <p:nvSpPr>
-          <p:cNvPr id="11" name="Titel 1"/>
-          <p:cNvSpPr txBox="1">
-            <a:spLocks/>
-          </p:cNvSpPr>
-          <p:nvPr/>
-        </p:nvSpPr>
-        <p:spPr>
-          <a:xfrm>
-            <a:off x="3419872" y="6453336"/>
-            <a:ext cx="1800200" cy="298264"/>
-          </a:xfrm>
-          <a:prstGeom prst="rect">
-            <a:avLst/>
-          </a:prstGeom>
-        </p:spPr>
-        <p:txBody>
-          <a:bodyPr vert="horz" lIns="0" rIns="0" bIns="0" anchor="b">
-            <a:noAutofit/>
-          </a:bodyPr>
-          <a:lstStyle>
-            <a:lvl1pPr algn="l" rtl="0" eaLnBrk="1" latinLnBrk="0" hangingPunct="1">
-              <a:spcBef>
-                <a:spcPct val="0"/>
-              </a:spcBef>
-              <a:buNone/>
-              <a:defRPr kumimoji="0" sz="5000" b="0" kern="1200">
-                <a:ln>
-                  <a:noFill/>
-                </a:ln>
-                <a:solidFill>
-                  <a:schemeClr val="tx2"/>
-                </a:solidFill>
-                <a:effectLst/>
-                <a:latin typeface="+mj-lt"/>
-                <a:ea typeface="+mj-ea"/>
-                <a:cs typeface="+mj-cs"/>
-              </a:defRPr>
-            </a:lvl1pPr>
-          </a:lstStyle>
-          <a:p>
-            <a:r>
-              <a:rPr lang="de-DE" sz="1600" b="1" dirty="0" smtClean="0"/>
-              <a:t>Damian Wysocki</a:t>
-            </a:r>
-            <a:endParaRPr lang="de-DE" sz="1600" b="1" dirty="0"/>
-          </a:p>
-        </p:txBody>
-      </p:sp>
-    </p:spTree>
-    <p:extLst>
-      <p:ext uri="{BB962C8B-B14F-4D97-AF65-F5344CB8AC3E}">
-        <p14:creationId xmlns:p14="http://schemas.microsoft.com/office/powerpoint/2010/main" val="1893079725"/>
-      </p:ext>
-    </p:extLst>
-  </p:cSld>
-  <p:clrMapOvr>
-    <a:masterClrMapping/>
-  </p:clrMapOvr>
-  <p:timing>
-    <p:tnLst>
-      <p:par>
-        <p:cTn id="1" dur="indefinite" restart="never" nodeType="tmRoot"/>
-      </p:par>
-    </p:tnLst>
-  </p:timing>
-</p:sld>
-</file>
-
-<file path=ppt/slides/slide14.xml><?xml version="1.0" encoding="utf-8"?>
 <p:sld xmlns:a="http://schemas.openxmlformats.org/drawingml/2006/main" xmlns:r="http://schemas.openxmlformats.org/officeDocument/2006/relationships" xmlns:p="http://schemas.openxmlformats.org/presentationml/2006/main">
   <p:cSld>
     <p:spTree>
@@ -12516,7 +12354,7 @@
         </p:nvSpPr>
         <p:spPr>
           <a:xfrm>
-            <a:off x="5148064" y="2996952"/>
+            <a:off x="5128818" y="2348880"/>
             <a:ext cx="3312368" cy="2232248"/>
           </a:xfrm>
           <a:prstGeom prst="rect">
@@ -12642,6 +12480,51 @@
           </a:p>
         </p:txBody>
       </p:sp>
+      <p:pic>
+        <p:nvPicPr>
+          <p:cNvPr id="4098" name="Picture 2" descr="D:\studium\semester_5\WFPR_Klippel\presentation\view_button_student_anlegen.PNG"/>
+          <p:cNvPicPr>
+            <a:picLocks noChangeAspect="1" noChangeArrowheads="1"/>
+          </p:cNvPicPr>
+          <p:nvPr/>
+        </p:nvPicPr>
+        <p:blipFill>
+          <a:blip r:embed="rId3">
+            <a:extLst>
+              <a:ext uri="{28A0092B-C50C-407E-A947-70E740481C1C}">
+                <a14:useLocalDpi xmlns:a14="http://schemas.microsoft.com/office/drawing/2010/main" val="0"/>
+              </a:ext>
+            </a:extLst>
+          </a:blip>
+          <a:srcRect/>
+          <a:stretch>
+            <a:fillRect/>
+          </a:stretch>
+        </p:blipFill>
+        <p:spPr bwMode="auto">
+          <a:xfrm>
+            <a:off x="5128818" y="4757886"/>
+            <a:ext cx="3600450" cy="1695450"/>
+          </a:xfrm>
+          <a:prstGeom prst="rect">
+            <a:avLst/>
+          </a:prstGeom>
+        </p:spPr>
+        <p:style>
+          <a:lnRef idx="1">
+            <a:schemeClr val="accent1"/>
+          </a:lnRef>
+          <a:fillRef idx="3">
+            <a:schemeClr val="accent1"/>
+          </a:fillRef>
+          <a:effectRef idx="2">
+            <a:schemeClr val="accent1"/>
+          </a:effectRef>
+          <a:fontRef idx="minor">
+            <a:schemeClr val="lt1"/>
+          </a:fontRef>
+        </p:style>
+      </p:pic>
     </p:spTree>
     <p:extLst>
       <p:ext uri="{BB962C8B-B14F-4D97-AF65-F5344CB8AC3E}">
@@ -12662,7 +12545,7 @@
 </p:sld>
 </file>
 
-<file path=ppt/slides/slide15.xml><?xml version="1.0" encoding="utf-8"?>
+<file path=ppt/slides/slide14.xml><?xml version="1.0" encoding="utf-8"?>
 <p:sld xmlns:a="http://schemas.openxmlformats.org/drawingml/2006/main" xmlns:r="http://schemas.openxmlformats.org/officeDocument/2006/relationships" xmlns:p="http://schemas.openxmlformats.org/presentationml/2006/main">
   <p:cSld>
     <p:spTree>
@@ -12850,7 +12733,7 @@
       </p:sp>
       <p:pic>
         <p:nvPicPr>
-          <p:cNvPr id="2050" name="Picture 2" descr="D:\studium\semester_5\WFPR_Klippel\presentation\model_getRightUsername.PNG"/>
+          <p:cNvPr id="1026" name="Picture 2" descr="D:\studium\semester_5\WFPR_Klippel\presentation\model_getRightUsername.PNG"/>
           <p:cNvPicPr>
             <a:picLocks noChangeAspect="1" noChangeArrowheads="1"/>
           </p:cNvPicPr>
@@ -12871,8 +12754,53 @@
         </p:blipFill>
         <p:spPr bwMode="auto">
           <a:xfrm>
-            <a:off x="827584" y="1624465"/>
-            <a:ext cx="5546378" cy="4828871"/>
+            <a:off x="899592" y="1770192"/>
+            <a:ext cx="4250605" cy="4673201"/>
+          </a:xfrm>
+          <a:prstGeom prst="rect">
+            <a:avLst/>
+          </a:prstGeom>
+        </p:spPr>
+        <p:style>
+          <a:lnRef idx="1">
+            <a:schemeClr val="accent1"/>
+          </a:lnRef>
+          <a:fillRef idx="3">
+            <a:schemeClr val="accent1"/>
+          </a:fillRef>
+          <a:effectRef idx="2">
+            <a:schemeClr val="accent1"/>
+          </a:effectRef>
+          <a:fontRef idx="minor">
+            <a:schemeClr val="lt1"/>
+          </a:fontRef>
+        </p:style>
+      </p:pic>
+      <p:pic>
+        <p:nvPicPr>
+          <p:cNvPr id="1027" name="Picture 3" descr="D:\studium\semester_5\WFPR_Klippel\presentation\nutzer_anlegen_doppelt.PNG"/>
+          <p:cNvPicPr>
+            <a:picLocks noChangeAspect="1" noChangeArrowheads="1"/>
+          </p:cNvPicPr>
+          <p:nvPr/>
+        </p:nvPicPr>
+        <p:blipFill>
+          <a:blip r:embed="rId3">
+            <a:extLst>
+              <a:ext uri="{28A0092B-C50C-407E-A947-70E740481C1C}">
+                <a14:useLocalDpi xmlns:a14="http://schemas.microsoft.com/office/drawing/2010/main" val="0"/>
+              </a:ext>
+            </a:extLst>
+          </a:blip>
+          <a:srcRect/>
+          <a:stretch>
+            <a:fillRect/>
+          </a:stretch>
+        </p:blipFill>
+        <p:spPr bwMode="auto">
+          <a:xfrm>
+            <a:off x="4139952" y="4106792"/>
+            <a:ext cx="4552950" cy="1362075"/>
           </a:xfrm>
           <a:prstGeom prst="rect">
             <a:avLst/>
@@ -12913,7 +12841,7 @@
 </p:sld>
 </file>
 
-<file path=ppt/slides/slide16.xml><?xml version="1.0" encoding="utf-8"?>
+<file path=ppt/slides/slide15.xml><?xml version="1.0" encoding="utf-8"?>
 <p:sld xmlns:a="http://schemas.openxmlformats.org/drawingml/2006/main" xmlns:r="http://schemas.openxmlformats.org/officeDocument/2006/relationships" xmlns:p="http://schemas.openxmlformats.org/presentationml/2006/main">
   <p:cSld>
     <p:spTree>
@@ -13259,7 +13187,7 @@
 </p:sld>
 </file>
 
-<file path=ppt/slides/slide17.xml><?xml version="1.0" encoding="utf-8"?>
+<file path=ppt/slides/slide16.xml><?xml version="1.0" encoding="utf-8"?>
 <p:sld xmlns:a="http://schemas.openxmlformats.org/drawingml/2006/main" xmlns:r="http://schemas.openxmlformats.org/officeDocument/2006/relationships" xmlns:p="http://schemas.openxmlformats.org/presentationml/2006/main">
   <p:cSld>
     <p:spTree>
@@ -13324,324 +13252,15 @@
             </a:r>
             <a:r>
               <a:rPr lang="de-DE" sz="2000" b="1" dirty="0" smtClean="0"/>
-              <a:t>Nr.: xxx, Als Mitarbeiter möchte ich Noten für Teilnehmer eintragen können</a:t>
+              <a:t>Nr.: xxx</a:t>
             </a:r>
             <a:r>
               <a:rPr lang="de-DE" sz="2000" dirty="0" smtClean="0"/>
-              <a:t/>
-            </a:r>
-            <a:br>
-              <a:rPr lang="de-DE" sz="2000" dirty="0" smtClean="0"/>
-            </a:br>
-            <a:r>
-              <a:rPr lang="de-DE" sz="2000" dirty="0" smtClean="0"/>
-              <a:t> </a:t>
-            </a:r>
-            <a:r>
-              <a:rPr lang="de-DE" sz="1600" dirty="0" smtClean="0"/>
-              <a:t>  </a:t>
-            </a:r>
-            <a:endParaRPr lang="de-DE" sz="1600" dirty="0"/>
-          </a:p>
-        </p:txBody>
-      </p:sp>
-      <p:sp>
-        <p:nvSpPr>
-          <p:cNvPr id="6" name="Titel 1"/>
-          <p:cNvSpPr txBox="1">
-            <a:spLocks/>
-          </p:cNvSpPr>
-          <p:nvPr/>
-        </p:nvSpPr>
-        <p:spPr>
-          <a:xfrm>
-            <a:off x="7380312" y="1882133"/>
-            <a:ext cx="1676343" cy="298264"/>
-          </a:xfrm>
-          <a:prstGeom prst="rect">
-            <a:avLst/>
-          </a:prstGeom>
-        </p:spPr>
-        <p:txBody>
-          <a:bodyPr vert="horz" lIns="0" rIns="0" bIns="0" anchor="b">
-            <a:normAutofit fontScale="92500" lnSpcReduction="20000"/>
-          </a:bodyPr>
-          <a:lstStyle>
-            <a:lvl1pPr algn="l" rtl="0" eaLnBrk="1" latinLnBrk="0" hangingPunct="1">
-              <a:spcBef>
-                <a:spcPct val="0"/>
-              </a:spcBef>
-              <a:buNone/>
-              <a:defRPr kumimoji="0" sz="5000" b="0" kern="1200">
-                <a:ln>
-                  <a:noFill/>
-                </a:ln>
-                <a:solidFill>
-                  <a:schemeClr val="tx2"/>
-                </a:solidFill>
-                <a:effectLst/>
-                <a:latin typeface="+mj-lt"/>
-                <a:ea typeface="+mj-ea"/>
-                <a:cs typeface="+mj-cs"/>
-              </a:defRPr>
-            </a:lvl1pPr>
-          </a:lstStyle>
-          <a:p>
+              <a:t>, </a:t>
+            </a:r>
             <a:r>
               <a:rPr lang="de-DE" sz="2000" b="1" dirty="0" smtClean="0"/>
-              <a:t>&gt; </a:t>
-            </a:r>
-            <a:r>
-              <a:rPr lang="de-DE" sz="2000" b="1" dirty="0" smtClean="0"/>
-              <a:t>VIEW</a:t>
-            </a:r>
-            <a:endParaRPr lang="de-DE" sz="2000" b="1" dirty="0"/>
-          </a:p>
-        </p:txBody>
-      </p:sp>
-      <p:sp>
-        <p:nvSpPr>
-          <p:cNvPr id="10" name="Titel 1"/>
-          <p:cNvSpPr txBox="1">
-            <a:spLocks/>
-          </p:cNvSpPr>
-          <p:nvPr/>
-        </p:nvSpPr>
-        <p:spPr>
-          <a:xfrm>
-            <a:off x="6418283" y="6453336"/>
-            <a:ext cx="1800200" cy="298264"/>
-          </a:xfrm>
-          <a:prstGeom prst="rect">
-            <a:avLst/>
-          </a:prstGeom>
-        </p:spPr>
-        <p:txBody>
-          <a:bodyPr vert="horz" lIns="0" rIns="0" bIns="0" anchor="b">
-            <a:noAutofit/>
-          </a:bodyPr>
-          <a:lstStyle>
-            <a:lvl1pPr algn="l" rtl="0" eaLnBrk="1" latinLnBrk="0" hangingPunct="1">
-              <a:spcBef>
-                <a:spcPct val="0"/>
-              </a:spcBef>
-              <a:buNone/>
-              <a:defRPr kumimoji="0" sz="5000" b="0" kern="1200">
-                <a:ln>
-                  <a:noFill/>
-                </a:ln>
-                <a:solidFill>
-                  <a:schemeClr val="tx2"/>
-                </a:solidFill>
-                <a:effectLst/>
-                <a:latin typeface="+mj-lt"/>
-                <a:ea typeface="+mj-ea"/>
-                <a:cs typeface="+mj-cs"/>
-              </a:defRPr>
-            </a:lvl1pPr>
-          </a:lstStyle>
-          <a:p>
-            <a:r>
-              <a:rPr lang="de-DE" sz="1600" b="1" dirty="0" smtClean="0"/>
-              <a:t>Damian Wysocki</a:t>
-            </a:r>
-            <a:endParaRPr lang="de-DE" sz="1600" b="1" dirty="0"/>
-          </a:p>
-        </p:txBody>
-      </p:sp>
-      <p:pic>
-        <p:nvPicPr>
-          <p:cNvPr id="7170" name="Picture 2" descr="D:\studium\semester_5\WFPR_Klippel\presentation\view_einzelnnote.PNG"/>
-          <p:cNvPicPr>
-            <a:picLocks noChangeAspect="1" noChangeArrowheads="1"/>
-          </p:cNvPicPr>
-          <p:nvPr/>
-        </p:nvPicPr>
-        <p:blipFill>
-          <a:blip r:embed="rId2">
-            <a:extLst>
-              <a:ext uri="{28A0092B-C50C-407E-A947-70E740481C1C}">
-                <a14:useLocalDpi xmlns:a14="http://schemas.microsoft.com/office/drawing/2010/main" val="0"/>
-              </a:ext>
-            </a:extLst>
-          </a:blip>
-          <a:srcRect/>
-          <a:stretch>
-            <a:fillRect/>
-          </a:stretch>
-        </p:blipFill>
-        <p:spPr bwMode="auto">
-          <a:xfrm>
-            <a:off x="683568" y="1435197"/>
-            <a:ext cx="4017233" cy="5304191"/>
-          </a:xfrm>
-          <a:prstGeom prst="rect">
-            <a:avLst/>
-          </a:prstGeom>
-          <a:noFill/>
-          <a:extLst>
-            <a:ext uri="{909E8E84-426E-40DD-AFC4-6F175D3DCCD1}">
-              <a14:hiddenFill xmlns:a14="http://schemas.microsoft.com/office/drawing/2010/main">
-                <a:solidFill>
-                  <a:srgbClr val="FFFFFF"/>
-                </a:solidFill>
-              </a14:hiddenFill>
-            </a:ext>
-          </a:extLst>
-        </p:spPr>
-      </p:pic>
-      <p:sp>
-        <p:nvSpPr>
-          <p:cNvPr id="7" name="Titel 1"/>
-          <p:cNvSpPr txBox="1">
-            <a:spLocks/>
-          </p:cNvSpPr>
-          <p:nvPr/>
-        </p:nvSpPr>
-        <p:spPr>
-          <a:xfrm>
-            <a:off x="5220072" y="3573016"/>
-            <a:ext cx="2448272" cy="936104"/>
-          </a:xfrm>
-          <a:prstGeom prst="rect">
-            <a:avLst/>
-          </a:prstGeom>
-        </p:spPr>
-        <p:txBody>
-          <a:bodyPr vert="horz" lIns="0" rIns="0" bIns="0" anchor="b">
-            <a:normAutofit lnSpcReduction="10000"/>
-          </a:bodyPr>
-          <a:lstStyle>
-            <a:lvl1pPr algn="l" rtl="0" eaLnBrk="1" latinLnBrk="0" hangingPunct="1">
-              <a:spcBef>
-                <a:spcPct val="0"/>
-              </a:spcBef>
-              <a:buNone/>
-              <a:defRPr kumimoji="0" sz="5000" b="0" kern="1200">
-                <a:ln>
-                  <a:noFill/>
-                </a:ln>
-                <a:solidFill>
-                  <a:schemeClr val="tx2"/>
-                </a:solidFill>
-                <a:effectLst/>
-                <a:latin typeface="+mj-lt"/>
-                <a:ea typeface="+mj-ea"/>
-                <a:cs typeface="+mj-cs"/>
-              </a:defRPr>
-            </a:lvl1pPr>
-          </a:lstStyle>
-          <a:p>
-            <a:r>
-              <a:rPr lang="de-DE" sz="2000" b="1" dirty="0" smtClean="0">
-                <a:solidFill>
-                  <a:srgbClr val="00B050"/>
-                </a:solidFill>
-              </a:rPr>
-              <a:t>&gt; Tabelle wird generisch erstellt mit Table2.php Klasse</a:t>
-            </a:r>
-            <a:endParaRPr lang="de-DE" sz="2000" b="1" dirty="0">
-              <a:solidFill>
-                <a:srgbClr val="00B050"/>
-              </a:solidFill>
-            </a:endParaRPr>
-          </a:p>
-        </p:txBody>
-      </p:sp>
-    </p:spTree>
-    <p:extLst>
-      <p:ext uri="{BB962C8B-B14F-4D97-AF65-F5344CB8AC3E}">
-        <p14:creationId xmlns:p14="http://schemas.microsoft.com/office/powerpoint/2010/main" val="405592027"/>
-      </p:ext>
-    </p:extLst>
-  </p:cSld>
-  <p:clrMapOvr>
-    <a:masterClrMapping/>
-  </p:clrMapOvr>
-  <p:timing>
-    <p:tnLst>
-      <p:par>
-        <p:cTn id="1" dur="indefinite" restart="never" nodeType="tmRoot"/>
-      </p:par>
-    </p:tnLst>
-  </p:timing>
-</p:sld>
-</file>
-
-<file path=ppt/slides/slide18.xml><?xml version="1.0" encoding="utf-8"?>
-<p:sld xmlns:a="http://schemas.openxmlformats.org/drawingml/2006/main" xmlns:r="http://schemas.openxmlformats.org/officeDocument/2006/relationships" xmlns:p="http://schemas.openxmlformats.org/presentationml/2006/main">
-  <p:cSld>
-    <p:spTree>
-      <p:nvGrpSpPr>
-        <p:cNvPr id="1" name=""/>
-        <p:cNvGrpSpPr/>
-        <p:nvPr/>
-      </p:nvGrpSpPr>
-      <p:grpSpPr>
-        <a:xfrm>
-          <a:off x="0" y="0"/>
-          <a:ext cx="0" cy="0"/>
-          <a:chOff x="0" y="0"/>
-          <a:chExt cx="0" cy="0"/>
-        </a:xfrm>
-      </p:grpSpPr>
-      <p:sp>
-        <p:nvSpPr>
-          <p:cNvPr id="5" name="Titel 1"/>
-          <p:cNvSpPr txBox="1">
-            <a:spLocks/>
-          </p:cNvSpPr>
-          <p:nvPr/>
-        </p:nvSpPr>
-        <p:spPr>
-          <a:xfrm>
-            <a:off x="179512" y="908720"/>
-            <a:ext cx="8784976" cy="792088"/>
-          </a:xfrm>
-          <a:prstGeom prst="rect">
-            <a:avLst/>
-          </a:prstGeom>
-        </p:spPr>
-        <p:txBody>
-          <a:bodyPr vert="horz" lIns="0" rIns="0" bIns="0" anchor="b">
-            <a:normAutofit fontScale="92500"/>
-          </a:bodyPr>
-          <a:lstStyle>
-            <a:lvl1pPr algn="l" rtl="0" eaLnBrk="1" latinLnBrk="0" hangingPunct="1">
-              <a:spcBef>
-                <a:spcPct val="0"/>
-              </a:spcBef>
-              <a:buNone/>
-              <a:defRPr kumimoji="0" sz="5000" b="0" kern="1200">
-                <a:ln>
-                  <a:noFill/>
-                </a:ln>
-                <a:solidFill>
-                  <a:schemeClr val="tx2"/>
-                </a:solidFill>
-                <a:effectLst/>
-                <a:latin typeface="+mj-lt"/>
-                <a:ea typeface="+mj-ea"/>
-                <a:cs typeface="+mj-cs"/>
-              </a:defRPr>
-            </a:lvl1pPr>
-          </a:lstStyle>
-          <a:p>
-            <a:r>
-              <a:rPr lang="de-DE" sz="2000" dirty="0" smtClean="0"/>
-              <a:t>User Story  </a:t>
-            </a:r>
-            <a:r>
-              <a:rPr lang="de-DE" sz="2000" b="1" dirty="0" smtClean="0"/>
-              <a:t>Nr.: xxx</a:t>
-            </a:r>
-            <a:r>
-              <a:rPr lang="de-DE" sz="2000" dirty="0" smtClean="0"/>
-              <a:t>, Als Mitarbeiter möchte ich Noten für Teilnehmer eintragen können</a:t>
-            </a:r>
-            <a:r>
-              <a:rPr lang="de-DE" sz="2000" b="1" dirty="0" smtClean="0"/>
-              <a:t/>
+              <a:t>Als Mitarbeiter möchte ich Noten für Teilnehmer eintragen können</a:t>
             </a:r>
             <a:br>
               <a:rPr lang="de-DE" sz="2000" b="1" dirty="0" smtClean="0"/>
@@ -13891,15 +13510,7 @@
                   <a:srgbClr val="00B050"/>
                 </a:solidFill>
               </a:rPr>
-              <a:t>&gt; </a:t>
-            </a:r>
-            <a:r>
-              <a:rPr lang="de-DE" sz="3200" b="1" dirty="0" smtClean="0">
-                <a:solidFill>
-                  <a:srgbClr val="00B050"/>
-                </a:solidFill>
-              </a:rPr>
-              <a:t>1</a:t>
+              <a:t>&gt; 1</a:t>
             </a:r>
             <a:endParaRPr lang="de-DE" sz="3200" b="1" dirty="0">
               <a:solidFill>
@@ -13957,15 +13568,7 @@
                   <a:srgbClr val="FFC000"/>
                 </a:solidFill>
               </a:rPr>
-              <a:t>&gt; </a:t>
-            </a:r>
-            <a:r>
-              <a:rPr lang="de-DE" sz="3200" b="1" dirty="0" smtClean="0">
-                <a:solidFill>
-                  <a:srgbClr val="FFC000"/>
-                </a:solidFill>
-              </a:rPr>
-              <a:t>2</a:t>
+              <a:t>&gt; 2</a:t>
             </a:r>
             <a:endParaRPr lang="de-DE" sz="3200" b="1" dirty="0">
               <a:solidFill>
@@ -14025,17 +13628,7 @@
                   </a:schemeClr>
                 </a:solidFill>
               </a:rPr>
-              <a:t>&gt; </a:t>
-            </a:r>
-            <a:r>
-              <a:rPr lang="de-DE" sz="3200" b="1" dirty="0" smtClean="0">
-                <a:solidFill>
-                  <a:schemeClr val="bg2">
-                    <a:lumMod val="50000"/>
-                  </a:schemeClr>
-                </a:solidFill>
-              </a:rPr>
-              <a:t>3</a:t>
+              <a:t>&gt; 3</a:t>
             </a:r>
             <a:endParaRPr lang="de-DE" sz="3200" b="1" dirty="0">
               <a:solidFill>
@@ -14095,19 +13688,69 @@
                   <a:srgbClr val="7030A0"/>
                 </a:solidFill>
               </a:rPr>
-              <a:t>&gt; </a:t>
-            </a:r>
-            <a:r>
-              <a:rPr lang="de-DE" sz="3200" b="1" dirty="0" smtClean="0">
-                <a:solidFill>
-                  <a:srgbClr val="7030A0"/>
-                </a:solidFill>
-              </a:rPr>
-              <a:t>4</a:t>
+              <a:t>&gt; 4</a:t>
             </a:r>
             <a:endParaRPr lang="de-DE" sz="3200" b="1" dirty="0">
               <a:solidFill>
                 <a:srgbClr val="7030A0"/>
+              </a:solidFill>
+            </a:endParaRPr>
+          </a:p>
+        </p:txBody>
+      </p:sp>
+      <p:sp>
+        <p:nvSpPr>
+          <p:cNvPr id="15" name="Titel 1"/>
+          <p:cNvSpPr txBox="1">
+            <a:spLocks/>
+          </p:cNvSpPr>
+          <p:nvPr/>
+        </p:nvSpPr>
+        <p:spPr>
+          <a:xfrm>
+            <a:off x="6484256" y="5394529"/>
+            <a:ext cx="2448272" cy="936104"/>
+          </a:xfrm>
+          <a:prstGeom prst="rect">
+            <a:avLst/>
+          </a:prstGeom>
+        </p:spPr>
+        <p:txBody>
+          <a:bodyPr vert="horz" lIns="0" rIns="0" bIns="0" anchor="b">
+            <a:normAutofit lnSpcReduction="10000"/>
+          </a:bodyPr>
+          <a:lstStyle>
+            <a:lvl1pPr algn="l" rtl="0" eaLnBrk="1" latinLnBrk="0" hangingPunct="1">
+              <a:spcBef>
+                <a:spcPct val="0"/>
+              </a:spcBef>
+              <a:buNone/>
+              <a:defRPr kumimoji="0" sz="5000" b="0" kern="1200">
+                <a:ln>
+                  <a:noFill/>
+                </a:ln>
+                <a:solidFill>
+                  <a:schemeClr val="tx2"/>
+                </a:solidFill>
+                <a:effectLst/>
+                <a:latin typeface="+mj-lt"/>
+                <a:ea typeface="+mj-ea"/>
+                <a:cs typeface="+mj-cs"/>
+              </a:defRPr>
+            </a:lvl1pPr>
+          </a:lstStyle>
+          <a:p>
+            <a:r>
+              <a:rPr lang="de-DE" sz="2000" b="1" dirty="0" smtClean="0">
+                <a:solidFill>
+                  <a:srgbClr val="00B050"/>
+                </a:solidFill>
+              </a:rPr>
+              <a:t>&gt; Tabelle wird generisch erstellt mit Table2.php Klasse</a:t>
+            </a:r>
+            <a:endParaRPr lang="de-DE" sz="2000" b="1" dirty="0">
+              <a:solidFill>
+                <a:srgbClr val="00B050"/>
               </a:solidFill>
             </a:endParaRPr>
           </a:p>
@@ -14133,7 +13776,7 @@
 </p:sld>
 </file>
 
-<file path=ppt/slides/slide19.xml><?xml version="1.0" encoding="utf-8"?>
+<file path=ppt/slides/slide17.xml><?xml version="1.0" encoding="utf-8"?>
 <p:sld xmlns:a="http://schemas.openxmlformats.org/drawingml/2006/main" xmlns:r="http://schemas.openxmlformats.org/officeDocument/2006/relationships" xmlns:p="http://schemas.openxmlformats.org/presentationml/2006/main">
   <p:cSld>
     <p:spTree>
@@ -14152,7 +13795,7 @@
       </p:grpSpPr>
       <p:pic>
         <p:nvPicPr>
-          <p:cNvPr id="5122" name="Picture 2" descr="D:\studium\semester_5\WFPR_Klippel\presentation\controller_showEvents.PNG"/>
+          <p:cNvPr id="5124" name="Picture 4" descr="D:\studium\semester_5\WFPR_Klippel\presentation\controller_startNotenListe.PNG"/>
           <p:cNvPicPr>
             <a:picLocks noChangeAspect="1" noChangeArrowheads="1"/>
           </p:cNvPicPr>
@@ -14173,97 +13816,7 @@
         </p:blipFill>
         <p:spPr bwMode="auto">
           <a:xfrm>
-            <a:off x="2349729" y="4222626"/>
-            <a:ext cx="5916613" cy="2228850"/>
-          </a:xfrm>
-          <a:prstGeom prst="rect">
-            <a:avLst/>
-          </a:prstGeom>
-        </p:spPr>
-        <p:style>
-          <a:lnRef idx="1">
-            <a:schemeClr val="accent1"/>
-          </a:lnRef>
-          <a:fillRef idx="3">
-            <a:schemeClr val="accent1"/>
-          </a:fillRef>
-          <a:effectRef idx="2">
-            <a:schemeClr val="accent1"/>
-          </a:effectRef>
-          <a:fontRef idx="minor">
-            <a:schemeClr val="lt1"/>
-          </a:fontRef>
-        </p:style>
-      </p:pic>
-      <p:pic>
-        <p:nvPicPr>
-          <p:cNvPr id="5123" name="Picture 3" descr="D:\studium\semester_5\WFPR_Klippel\presentation\controller_showStudents.PNG"/>
-          <p:cNvPicPr>
-            <a:picLocks noChangeAspect="1" noChangeArrowheads="1"/>
-          </p:cNvPicPr>
-          <p:nvPr/>
-        </p:nvPicPr>
-        <p:blipFill>
-          <a:blip r:embed="rId3">
-            <a:extLst>
-              <a:ext uri="{28A0092B-C50C-407E-A947-70E740481C1C}">
-                <a14:useLocalDpi xmlns:a14="http://schemas.microsoft.com/office/drawing/2010/main" val="0"/>
-              </a:ext>
-            </a:extLst>
-          </a:blip>
-          <a:srcRect/>
-          <a:stretch>
-            <a:fillRect/>
-          </a:stretch>
-        </p:blipFill>
-        <p:spPr bwMode="auto">
-          <a:xfrm>
-            <a:off x="467544" y="3079192"/>
-            <a:ext cx="5983287" cy="2019300"/>
-          </a:xfrm>
-          <a:prstGeom prst="rect">
-            <a:avLst/>
-          </a:prstGeom>
-        </p:spPr>
-        <p:style>
-          <a:lnRef idx="1">
-            <a:schemeClr val="accent1"/>
-          </a:lnRef>
-          <a:fillRef idx="3">
-            <a:schemeClr val="accent1"/>
-          </a:fillRef>
-          <a:effectRef idx="2">
-            <a:schemeClr val="accent1"/>
-          </a:effectRef>
-          <a:fontRef idx="minor">
-            <a:schemeClr val="lt1"/>
-          </a:fontRef>
-        </p:style>
-      </p:pic>
-      <p:pic>
-        <p:nvPicPr>
-          <p:cNvPr id="5124" name="Picture 4" descr="D:\studium\semester_5\WFPR_Klippel\presentation\controller_startNotenListe.PNG"/>
-          <p:cNvPicPr>
-            <a:picLocks noChangeAspect="1" noChangeArrowheads="1"/>
-          </p:cNvPicPr>
-          <p:nvPr/>
-        </p:nvPicPr>
-        <p:blipFill>
-          <a:blip r:embed="rId4">
-            <a:extLst>
-              <a:ext uri="{28A0092B-C50C-407E-A947-70E740481C1C}">
-                <a14:useLocalDpi xmlns:a14="http://schemas.microsoft.com/office/drawing/2010/main" val="0"/>
-              </a:ext>
-            </a:extLst>
-          </a:blip>
-          <a:srcRect/>
-          <a:stretch>
-            <a:fillRect/>
-          </a:stretch>
-        </p:blipFill>
-        <p:spPr bwMode="auto">
-          <a:xfrm>
-            <a:off x="136614" y="1463603"/>
+            <a:off x="212964" y="4015630"/>
             <a:ext cx="6488113" cy="2447925"/>
           </a:xfrm>
           <a:prstGeom prst="rect">
@@ -14398,11 +13951,7 @@
           <a:p>
             <a:r>
               <a:rPr lang="de-DE" sz="2000" b="1" dirty="0" smtClean="0"/>
-              <a:t>&gt; </a:t>
-            </a:r>
-            <a:r>
-              <a:rPr lang="de-DE" sz="2000" b="1" dirty="0" smtClean="0"/>
-              <a:t>CONTROLLER</a:t>
+              <a:t>&gt; CONTROLLER</a:t>
             </a:r>
             <a:endParaRPr lang="de-DE" sz="2000" b="1" dirty="0"/>
           </a:p>
@@ -14458,6 +14007,51 @@
           </a:p>
         </p:txBody>
       </p:sp>
+      <p:pic>
+        <p:nvPicPr>
+          <p:cNvPr id="13" name="Picture 4" descr="D:\studium\semester_5\WFPR_Klippel\presentation\verwalten_notenliste.PNG"/>
+          <p:cNvPicPr>
+            <a:picLocks noChangeAspect="1" noChangeArrowheads="1"/>
+          </p:cNvPicPr>
+          <p:nvPr/>
+        </p:nvPicPr>
+        <p:blipFill>
+          <a:blip r:embed="rId3">
+            <a:extLst>
+              <a:ext uri="{28A0092B-C50C-407E-A947-70E740481C1C}">
+                <a14:useLocalDpi xmlns:a14="http://schemas.microsoft.com/office/drawing/2010/main" val="0"/>
+              </a:ext>
+            </a:extLst>
+          </a:blip>
+          <a:srcRect/>
+          <a:stretch>
+            <a:fillRect/>
+          </a:stretch>
+        </p:blipFill>
+        <p:spPr bwMode="auto">
+          <a:xfrm>
+            <a:off x="2979382" y="1681875"/>
+            <a:ext cx="3526101" cy="3396071"/>
+          </a:xfrm>
+          <a:prstGeom prst="rect">
+            <a:avLst/>
+          </a:prstGeom>
+        </p:spPr>
+        <p:style>
+          <a:lnRef idx="1">
+            <a:schemeClr val="accent1"/>
+          </a:lnRef>
+          <a:fillRef idx="3">
+            <a:schemeClr val="accent1"/>
+          </a:fillRef>
+          <a:effectRef idx="2">
+            <a:schemeClr val="accent1"/>
+          </a:effectRef>
+          <a:fontRef idx="minor">
+            <a:schemeClr val="lt1"/>
+          </a:fontRef>
+        </p:style>
+      </p:pic>
       <p:sp>
         <p:nvSpPr>
           <p:cNvPr id="8" name="Titel 1"/>
@@ -14468,7 +14062,7 @@
         </p:nvSpPr>
         <p:spPr>
           <a:xfrm>
-            <a:off x="996073" y="3234178"/>
+            <a:off x="5921562" y="3234040"/>
             <a:ext cx="769027" cy="658304"/>
           </a:xfrm>
           <a:prstGeom prst="rect">
@@ -14506,15 +14100,7 @@
                   <a:srgbClr val="00B050"/>
                 </a:solidFill>
               </a:rPr>
-              <a:t>&gt; </a:t>
-            </a:r>
-            <a:r>
-              <a:rPr lang="de-DE" sz="3200" b="1" dirty="0" smtClean="0">
-                <a:solidFill>
-                  <a:srgbClr val="00B050"/>
-                </a:solidFill>
-              </a:rPr>
-              <a:t>1</a:t>
+              <a:t>&gt; 1</a:t>
             </a:r>
             <a:endParaRPr lang="de-DE" sz="3200" b="1" dirty="0">
               <a:solidFill>
@@ -14534,7 +14120,7 @@
         </p:nvSpPr>
         <p:spPr>
           <a:xfrm>
-            <a:off x="4047960" y="2492896"/>
+            <a:off x="5921562" y="4178696"/>
             <a:ext cx="583921" cy="586296"/>
           </a:xfrm>
           <a:prstGeom prst="rect">
@@ -14572,157 +14158,11 @@
                   <a:srgbClr val="FFC000"/>
                 </a:solidFill>
               </a:rPr>
-              <a:t>&gt; </a:t>
-            </a:r>
-            <a:r>
-              <a:rPr lang="de-DE" sz="3200" b="1" dirty="0" smtClean="0">
-                <a:solidFill>
-                  <a:srgbClr val="FFC000"/>
-                </a:solidFill>
-              </a:rPr>
-              <a:t>2</a:t>
+              <a:t>&gt; 2</a:t>
             </a:r>
             <a:endParaRPr lang="de-DE" sz="3200" b="1" dirty="0">
               <a:solidFill>
                 <a:srgbClr val="FFC000"/>
-              </a:solidFill>
-            </a:endParaRPr>
-          </a:p>
-        </p:txBody>
-      </p:sp>
-      <p:sp>
-        <p:nvSpPr>
-          <p:cNvPr id="11" name="Titel 1"/>
-          <p:cNvSpPr txBox="1">
-            <a:spLocks/>
-          </p:cNvSpPr>
-          <p:nvPr/>
-        </p:nvSpPr>
-        <p:spPr>
-          <a:xfrm>
-            <a:off x="4936140" y="5245571"/>
-            <a:ext cx="648072" cy="446756"/>
-          </a:xfrm>
-          <a:prstGeom prst="rect">
-            <a:avLst/>
-          </a:prstGeom>
-        </p:spPr>
-        <p:txBody>
-          <a:bodyPr vert="horz" lIns="0" rIns="0" bIns="0" anchor="b">
-            <a:noAutofit/>
-          </a:bodyPr>
-          <a:lstStyle>
-            <a:lvl1pPr algn="l" rtl="0" eaLnBrk="1" latinLnBrk="0" hangingPunct="1">
-              <a:spcBef>
-                <a:spcPct val="0"/>
-              </a:spcBef>
-              <a:buNone/>
-              <a:defRPr kumimoji="0" sz="5000" b="0" kern="1200">
-                <a:ln>
-                  <a:noFill/>
-                </a:ln>
-                <a:solidFill>
-                  <a:schemeClr val="tx2"/>
-                </a:solidFill>
-                <a:effectLst/>
-                <a:latin typeface="+mj-lt"/>
-                <a:ea typeface="+mj-ea"/>
-                <a:cs typeface="+mj-cs"/>
-              </a:defRPr>
-            </a:lvl1pPr>
-          </a:lstStyle>
-          <a:p>
-            <a:r>
-              <a:rPr lang="de-DE" sz="3200" b="1" dirty="0" smtClean="0">
-                <a:solidFill>
-                  <a:srgbClr val="7030A0"/>
-                </a:solidFill>
-              </a:rPr>
-              <a:t>&gt; </a:t>
-            </a:r>
-            <a:r>
-              <a:rPr lang="de-DE" sz="3200" b="1" dirty="0" smtClean="0">
-                <a:solidFill>
-                  <a:srgbClr val="7030A0"/>
-                </a:solidFill>
-              </a:rPr>
-              <a:t>4</a:t>
-            </a:r>
-            <a:endParaRPr lang="de-DE" sz="3200" b="1" dirty="0">
-              <a:solidFill>
-                <a:srgbClr val="7030A0"/>
-              </a:solidFill>
-            </a:endParaRPr>
-          </a:p>
-        </p:txBody>
-      </p:sp>
-      <p:sp>
-        <p:nvSpPr>
-          <p:cNvPr id="12" name="Titel 1"/>
-          <p:cNvSpPr txBox="1">
-            <a:spLocks/>
-          </p:cNvSpPr>
-          <p:nvPr/>
-        </p:nvSpPr>
-        <p:spPr>
-          <a:xfrm>
-            <a:off x="3379216" y="3777744"/>
-            <a:ext cx="1019642" cy="622196"/>
-          </a:xfrm>
-          <a:prstGeom prst="rect">
-            <a:avLst/>
-          </a:prstGeom>
-        </p:spPr>
-        <p:txBody>
-          <a:bodyPr vert="horz" lIns="0" rIns="0" bIns="0" anchor="b">
-            <a:normAutofit/>
-          </a:bodyPr>
-          <a:lstStyle>
-            <a:lvl1pPr algn="l" rtl="0" eaLnBrk="1" latinLnBrk="0" hangingPunct="1">
-              <a:spcBef>
-                <a:spcPct val="0"/>
-              </a:spcBef>
-              <a:buNone/>
-              <a:defRPr kumimoji="0" sz="5000" b="0" kern="1200">
-                <a:ln>
-                  <a:noFill/>
-                </a:ln>
-                <a:solidFill>
-                  <a:schemeClr val="tx2"/>
-                </a:solidFill>
-                <a:effectLst/>
-                <a:latin typeface="+mj-lt"/>
-                <a:ea typeface="+mj-ea"/>
-                <a:cs typeface="+mj-cs"/>
-              </a:defRPr>
-            </a:lvl1pPr>
-          </a:lstStyle>
-          <a:p>
-            <a:r>
-              <a:rPr lang="de-DE" sz="3200" b="1" dirty="0" smtClean="0">
-                <a:solidFill>
-                  <a:schemeClr val="bg2">
-                    <a:lumMod val="50000"/>
-                  </a:schemeClr>
-                </a:solidFill>
-              </a:rPr>
-              <a:t>&gt; </a:t>
-            </a:r>
-            <a:r>
-              <a:rPr lang="de-DE" sz="3200" b="1" dirty="0" smtClean="0">
-                <a:solidFill>
-                  <a:schemeClr val="bg2">
-                    <a:lumMod val="50000"/>
-                  </a:schemeClr>
-                </a:solidFill>
-              </a:rPr>
-              <a:t>3</a:t>
-            </a:r>
-            <a:endParaRPr lang="de-DE" sz="3200" b="1" dirty="0">
-              <a:solidFill>
-                <a:schemeClr val="bg2">
-                  <a:lumMod val="50000"/>
-                </a:schemeClr>
               </a:solidFill>
             </a:endParaRPr>
           </a:p>
@@ -14748,157 +14188,7 @@
 </p:sld>
 </file>
 
-<file path=ppt/slides/slide2.xml><?xml version="1.0" encoding="utf-8"?>
-<p:sld xmlns:a="http://schemas.openxmlformats.org/drawingml/2006/main" xmlns:r="http://schemas.openxmlformats.org/officeDocument/2006/relationships" xmlns:p="http://schemas.openxmlformats.org/presentationml/2006/main">
-  <p:cSld>
-    <p:spTree>
-      <p:nvGrpSpPr>
-        <p:cNvPr id="1" name=""/>
-        <p:cNvGrpSpPr/>
-        <p:nvPr/>
-      </p:nvGrpSpPr>
-      <p:grpSpPr>
-        <a:xfrm>
-          <a:off x="0" y="0"/>
-          <a:ext cx="0" cy="0"/>
-          <a:chOff x="0" y="0"/>
-          <a:chExt cx="0" cy="0"/>
-        </a:xfrm>
-      </p:grpSpPr>
-      <p:sp>
-        <p:nvSpPr>
-          <p:cNvPr id="2" name="Titel 1"/>
-          <p:cNvSpPr>
-            <a:spLocks noGrp="1"/>
-          </p:cNvSpPr>
-          <p:nvPr>
-            <p:ph type="title"/>
-          </p:nvPr>
-        </p:nvSpPr>
-        <p:spPr/>
-        <p:txBody>
-          <a:bodyPr/>
-          <a:lstStyle/>
-          <a:p>
-            <a:r>
-              <a:rPr lang="de-DE" dirty="0" smtClean="0"/>
-              <a:t>Agenda	</a:t>
-            </a:r>
-            <a:endParaRPr lang="de-DE" dirty="0"/>
-          </a:p>
-        </p:txBody>
-      </p:sp>
-      <p:sp>
-        <p:nvSpPr>
-          <p:cNvPr id="3" name="Inhaltsplatzhalter 2"/>
-          <p:cNvSpPr>
-            <a:spLocks noGrp="1"/>
-          </p:cNvSpPr>
-          <p:nvPr>
-            <p:ph idx="1"/>
-          </p:nvPr>
-        </p:nvSpPr>
-        <p:spPr/>
-        <p:txBody>
-          <a:bodyPr>
-            <a:normAutofit fontScale="92500" lnSpcReduction="20000"/>
-          </a:bodyPr>
-          <a:lstStyle/>
-          <a:p>
-            <a:r>
-              <a:rPr lang="de-DE" dirty="0" smtClean="0"/>
-              <a:t>Einführung </a:t>
-            </a:r>
-          </a:p>
-          <a:p>
-            <a:pPr lvl="1"/>
-            <a:r>
-              <a:rPr lang="de-DE" dirty="0" err="1" smtClean="0"/>
-              <a:t>Functionscope</a:t>
-            </a:r>
-            <a:endParaRPr lang="de-DE" dirty="0" smtClean="0"/>
-          </a:p>
-          <a:p>
-            <a:pPr lvl="1"/>
-            <a:r>
-              <a:rPr lang="de-DE" dirty="0" err="1" smtClean="0"/>
-              <a:t>Scrum</a:t>
-            </a:r>
-            <a:endParaRPr lang="de-DE" dirty="0" smtClean="0"/>
-          </a:p>
-          <a:p>
-            <a:pPr lvl="1"/>
-            <a:r>
-              <a:rPr lang="de-DE" dirty="0" smtClean="0"/>
-              <a:t>MVC-Pattern</a:t>
-            </a:r>
-          </a:p>
-          <a:p>
-            <a:r>
-              <a:rPr lang="de-DE" dirty="0" smtClean="0"/>
-              <a:t>ER-Model</a:t>
-            </a:r>
-          </a:p>
-          <a:p>
-            <a:r>
-              <a:rPr lang="de-DE" dirty="0" smtClean="0"/>
-              <a:t>Programmcode</a:t>
-            </a:r>
-          </a:p>
-          <a:p>
-            <a:pPr lvl="1"/>
-            <a:r>
-              <a:rPr lang="de-DE" dirty="0" smtClean="0"/>
-              <a:t>Kraus</a:t>
-            </a:r>
-          </a:p>
-          <a:p>
-            <a:pPr lvl="1"/>
-            <a:r>
-              <a:rPr lang="de-DE" dirty="0" smtClean="0"/>
-              <a:t>Wysocki</a:t>
-            </a:r>
-          </a:p>
-          <a:p>
-            <a:pPr lvl="1"/>
-            <a:r>
-              <a:rPr lang="de-DE" dirty="0" err="1" smtClean="0"/>
-              <a:t>Klamser</a:t>
-            </a:r>
-            <a:endParaRPr lang="de-DE" dirty="0" smtClean="0"/>
-          </a:p>
-          <a:p>
-            <a:pPr lvl="1"/>
-            <a:r>
-              <a:rPr lang="de-DE" dirty="0" smtClean="0"/>
-              <a:t>Mayer</a:t>
-            </a:r>
-          </a:p>
-          <a:p>
-            <a:pPr lvl="1"/>
-            <a:r>
-              <a:rPr lang="de-DE" dirty="0" smtClean="0"/>
-              <a:t>Schmid</a:t>
-            </a:r>
-          </a:p>
-          <a:p>
-            <a:r>
-              <a:rPr lang="de-DE" dirty="0" smtClean="0"/>
-              <a:t>Live Demonstration</a:t>
-            </a:r>
-            <a:endParaRPr lang="de-DE" dirty="0"/>
-          </a:p>
-        </p:txBody>
-      </p:sp>
-    </p:spTree>
-  </p:cSld>
-  <p:clrMapOvr>
-    <a:masterClrMapping/>
-  </p:clrMapOvr>
-</p:sld>
-</file>
-
-<file path=ppt/slides/slide20.xml><?xml version="1.0" encoding="utf-8"?>
+<file path=ppt/slides/slide18.xml><?xml version="1.0" encoding="utf-8"?>
 <p:sld xmlns:a="http://schemas.openxmlformats.org/drawingml/2006/main" xmlns:r="http://schemas.openxmlformats.org/officeDocument/2006/relationships" xmlns:p="http://schemas.openxmlformats.org/presentationml/2006/main">
   <p:cSld>
     <p:spTree>
@@ -15222,15 +14512,7 @@
                   <a:srgbClr val="FFC000"/>
                 </a:solidFill>
               </a:rPr>
-              <a:t>&gt; </a:t>
-            </a:r>
-            <a:r>
-              <a:rPr lang="de-DE" sz="3200" b="1" dirty="0" smtClean="0">
-                <a:solidFill>
-                  <a:srgbClr val="FFC000"/>
-                </a:solidFill>
-              </a:rPr>
-              <a:t>2</a:t>
+              <a:t>&gt; 2</a:t>
             </a:r>
             <a:endParaRPr lang="de-DE" sz="3200" b="1" dirty="0">
               <a:solidFill>
@@ -15288,15 +14570,7 @@
                   <a:srgbClr val="00B050"/>
                 </a:solidFill>
               </a:rPr>
-              <a:t>&gt; </a:t>
-            </a:r>
-            <a:r>
-              <a:rPr lang="de-DE" sz="3200" b="1" dirty="0" smtClean="0">
-                <a:solidFill>
-                  <a:srgbClr val="00B050"/>
-                </a:solidFill>
-              </a:rPr>
-              <a:t>1</a:t>
+              <a:t>&gt; 1</a:t>
             </a:r>
             <a:endParaRPr lang="de-DE" sz="3200" b="1" dirty="0">
               <a:solidFill>
@@ -15326,7 +14600,7 @@
 </p:sld>
 </file>
 
-<file path=ppt/slides/slide21.xml><?xml version="1.0" encoding="utf-8"?>
+<file path=ppt/slides/slide19.xml><?xml version="1.0" encoding="utf-8"?>
 <p:sld xmlns:a="http://schemas.openxmlformats.org/drawingml/2006/main" xmlns:r="http://schemas.openxmlformats.org/officeDocument/2006/relationships" xmlns:p="http://schemas.openxmlformats.org/presentationml/2006/main">
   <p:cSld>
     <p:spTree>
@@ -15343,6 +14617,51 @@
           <a:chExt cx="0" cy="0"/>
         </a:xfrm>
       </p:grpSpPr>
+      <p:pic>
+        <p:nvPicPr>
+          <p:cNvPr id="5123" name="Picture 3" descr="D:\studium\semester_5\WFPR_Klippel\presentation\controller_showStudents.PNG"/>
+          <p:cNvPicPr>
+            <a:picLocks noChangeAspect="1" noChangeArrowheads="1"/>
+          </p:cNvPicPr>
+          <p:nvPr/>
+        </p:nvPicPr>
+        <p:blipFill>
+          <a:blip r:embed="rId2">
+            <a:extLst>
+              <a:ext uri="{28A0092B-C50C-407E-A947-70E740481C1C}">
+                <a14:useLocalDpi xmlns:a14="http://schemas.microsoft.com/office/drawing/2010/main" val="0"/>
+              </a:ext>
+            </a:extLst>
+          </a:blip>
+          <a:srcRect/>
+          <a:stretch>
+            <a:fillRect/>
+          </a:stretch>
+        </p:blipFill>
+        <p:spPr bwMode="auto">
+          <a:xfrm>
+            <a:off x="1580356" y="4365104"/>
+            <a:ext cx="5983287" cy="2019300"/>
+          </a:xfrm>
+          <a:prstGeom prst="rect">
+            <a:avLst/>
+          </a:prstGeom>
+        </p:spPr>
+        <p:style>
+          <a:lnRef idx="1">
+            <a:schemeClr val="accent1"/>
+          </a:lnRef>
+          <a:fillRef idx="3">
+            <a:schemeClr val="accent1"/>
+          </a:fillRef>
+          <a:effectRef idx="2">
+            <a:schemeClr val="accent1"/>
+          </a:effectRef>
+          <a:fontRef idx="minor">
+            <a:schemeClr val="lt1"/>
+          </a:fontRef>
+        </p:style>
+      </p:pic>
       <p:sp>
         <p:nvSpPr>
           <p:cNvPr id="5" name="Titel 1"/>
@@ -15456,7 +14775,7 @@
           <a:p>
             <a:r>
               <a:rPr lang="de-DE" sz="2000" b="1" dirty="0" smtClean="0"/>
-              <a:t>&gt; MODEL</a:t>
+              <a:t>&gt; CONTROLLER</a:t>
             </a:r>
             <a:endParaRPr lang="de-DE" sz="2000" b="1" dirty="0"/>
           </a:p>
@@ -15514,14 +14833,14 @@
       </p:sp>
       <p:pic>
         <p:nvPicPr>
-          <p:cNvPr id="4099" name="Picture 3" descr="D:\studium\semester_5\WFPR_Klippel\presentation\model_getSpecificStudents.PNG"/>
+          <p:cNvPr id="16" name="Picture 2" descr="D:\studium\semester_5\WFPR_Klippel\presentation\noten_auswahl_einzeln.PNG"/>
           <p:cNvPicPr>
             <a:picLocks noChangeAspect="1" noChangeArrowheads="1"/>
           </p:cNvPicPr>
           <p:nvPr/>
         </p:nvPicPr>
         <p:blipFill>
-          <a:blip r:embed="rId2">
+          <a:blip r:embed="rId3">
             <a:extLst>
               <a:ext uri="{28A0092B-C50C-407E-A947-70E740481C1C}">
                 <a14:useLocalDpi xmlns:a14="http://schemas.microsoft.com/office/drawing/2010/main" val="0"/>
@@ -15535,8 +14854,8 @@
         </p:blipFill>
         <p:spPr bwMode="auto">
           <a:xfrm>
-            <a:off x="185958" y="1628800"/>
-            <a:ext cx="4536662" cy="4205115"/>
+            <a:off x="827584" y="2005962"/>
+            <a:ext cx="6083598" cy="2102741"/>
           </a:xfrm>
           <a:prstGeom prst="rect">
             <a:avLst/>
@@ -15559,6 +14878,823 @@
       </p:pic>
       <p:sp>
         <p:nvSpPr>
+          <p:cNvPr id="17" name="Titel 1"/>
+          <p:cNvSpPr txBox="1">
+            <a:spLocks/>
+          </p:cNvSpPr>
+          <p:nvPr/>
+        </p:nvSpPr>
+        <p:spPr>
+          <a:xfrm>
+            <a:off x="5220072" y="2348880"/>
+            <a:ext cx="1019642" cy="622196"/>
+          </a:xfrm>
+          <a:prstGeom prst="rect">
+            <a:avLst/>
+          </a:prstGeom>
+        </p:spPr>
+        <p:txBody>
+          <a:bodyPr vert="horz" lIns="0" rIns="0" bIns="0" anchor="b">
+            <a:normAutofit/>
+          </a:bodyPr>
+          <a:lstStyle>
+            <a:lvl1pPr algn="l" rtl="0" eaLnBrk="1" latinLnBrk="0" hangingPunct="1">
+              <a:spcBef>
+                <a:spcPct val="0"/>
+              </a:spcBef>
+              <a:buNone/>
+              <a:defRPr kumimoji="0" sz="5000" b="0" kern="1200">
+                <a:ln>
+                  <a:noFill/>
+                </a:ln>
+                <a:solidFill>
+                  <a:schemeClr val="tx2"/>
+                </a:solidFill>
+                <a:effectLst/>
+                <a:latin typeface="+mj-lt"/>
+                <a:ea typeface="+mj-ea"/>
+                <a:cs typeface="+mj-cs"/>
+              </a:defRPr>
+            </a:lvl1pPr>
+          </a:lstStyle>
+          <a:p>
+            <a:r>
+              <a:rPr lang="de-DE" sz="3200" b="1" dirty="0" smtClean="0">
+                <a:solidFill>
+                  <a:schemeClr val="bg2">
+                    <a:lumMod val="50000"/>
+                  </a:schemeClr>
+                </a:solidFill>
+              </a:rPr>
+              <a:t>&gt; 3</a:t>
+            </a:r>
+            <a:endParaRPr lang="de-DE" sz="3200" b="1" dirty="0">
+              <a:solidFill>
+                <a:schemeClr val="bg2">
+                  <a:lumMod val="50000"/>
+                </a:schemeClr>
+              </a:solidFill>
+            </a:endParaRPr>
+          </a:p>
+        </p:txBody>
+      </p:sp>
+    </p:spTree>
+    <p:extLst>
+      <p:ext uri="{BB962C8B-B14F-4D97-AF65-F5344CB8AC3E}">
+        <p14:creationId xmlns:p14="http://schemas.microsoft.com/office/powerpoint/2010/main" val="3917555897"/>
+      </p:ext>
+    </p:extLst>
+  </p:cSld>
+  <p:clrMapOvr>
+    <a:masterClrMapping/>
+  </p:clrMapOvr>
+  <p:timing>
+    <p:tnLst>
+      <p:par>
+        <p:cTn id="1" dur="indefinite" restart="never" nodeType="tmRoot"/>
+      </p:par>
+    </p:tnLst>
+  </p:timing>
+</p:sld>
+</file>
+
+<file path=ppt/slides/slide2.xml><?xml version="1.0" encoding="utf-8"?>
+<p:sld xmlns:a="http://schemas.openxmlformats.org/drawingml/2006/main" xmlns:r="http://schemas.openxmlformats.org/officeDocument/2006/relationships" xmlns:p="http://schemas.openxmlformats.org/presentationml/2006/main">
+  <p:cSld>
+    <p:spTree>
+      <p:nvGrpSpPr>
+        <p:cNvPr id="1" name=""/>
+        <p:cNvGrpSpPr/>
+        <p:nvPr/>
+      </p:nvGrpSpPr>
+      <p:grpSpPr>
+        <a:xfrm>
+          <a:off x="0" y="0"/>
+          <a:ext cx="0" cy="0"/>
+          <a:chOff x="0" y="0"/>
+          <a:chExt cx="0" cy="0"/>
+        </a:xfrm>
+      </p:grpSpPr>
+      <p:sp>
+        <p:nvSpPr>
+          <p:cNvPr id="2" name="Titel 1"/>
+          <p:cNvSpPr>
+            <a:spLocks noGrp="1"/>
+          </p:cNvSpPr>
+          <p:nvPr>
+            <p:ph type="title"/>
+          </p:nvPr>
+        </p:nvSpPr>
+        <p:spPr/>
+        <p:txBody>
+          <a:bodyPr/>
+          <a:lstStyle/>
+          <a:p>
+            <a:r>
+              <a:rPr lang="de-DE" dirty="0" smtClean="0"/>
+              <a:t>Agenda	</a:t>
+            </a:r>
+            <a:endParaRPr lang="de-DE" dirty="0"/>
+          </a:p>
+        </p:txBody>
+      </p:sp>
+      <p:sp>
+        <p:nvSpPr>
+          <p:cNvPr id="3" name="Inhaltsplatzhalter 2"/>
+          <p:cNvSpPr>
+            <a:spLocks noGrp="1"/>
+          </p:cNvSpPr>
+          <p:nvPr>
+            <p:ph idx="1"/>
+          </p:nvPr>
+        </p:nvSpPr>
+        <p:spPr/>
+        <p:txBody>
+          <a:bodyPr>
+            <a:normAutofit fontScale="92500" lnSpcReduction="20000"/>
+          </a:bodyPr>
+          <a:lstStyle/>
+          <a:p>
+            <a:r>
+              <a:rPr lang="de-DE" dirty="0" smtClean="0"/>
+              <a:t>Einführung </a:t>
+            </a:r>
+          </a:p>
+          <a:p>
+            <a:pPr lvl="1"/>
+            <a:r>
+              <a:rPr lang="de-DE" dirty="0" err="1" smtClean="0"/>
+              <a:t>Functionscope</a:t>
+            </a:r>
+            <a:endParaRPr lang="de-DE" dirty="0" smtClean="0"/>
+          </a:p>
+          <a:p>
+            <a:pPr lvl="1"/>
+            <a:r>
+              <a:rPr lang="de-DE" dirty="0" err="1" smtClean="0"/>
+              <a:t>Scrum</a:t>
+            </a:r>
+            <a:endParaRPr lang="de-DE" dirty="0" smtClean="0"/>
+          </a:p>
+          <a:p>
+            <a:pPr lvl="1"/>
+            <a:r>
+              <a:rPr lang="de-DE" dirty="0" smtClean="0"/>
+              <a:t>MVC-Pattern</a:t>
+            </a:r>
+          </a:p>
+          <a:p>
+            <a:r>
+              <a:rPr lang="de-DE" dirty="0" smtClean="0"/>
+              <a:t>ER-Model</a:t>
+            </a:r>
+          </a:p>
+          <a:p>
+            <a:r>
+              <a:rPr lang="de-DE" dirty="0" smtClean="0"/>
+              <a:t>Programmcode</a:t>
+            </a:r>
+          </a:p>
+          <a:p>
+            <a:pPr lvl="1"/>
+            <a:r>
+              <a:rPr lang="de-DE" dirty="0" smtClean="0"/>
+              <a:t>Kraus</a:t>
+            </a:r>
+          </a:p>
+          <a:p>
+            <a:pPr lvl="1"/>
+            <a:r>
+              <a:rPr lang="de-DE" dirty="0" smtClean="0"/>
+              <a:t>Wysocki</a:t>
+            </a:r>
+          </a:p>
+          <a:p>
+            <a:pPr lvl="1"/>
+            <a:r>
+              <a:rPr lang="de-DE" dirty="0" err="1" smtClean="0"/>
+              <a:t>Klamser</a:t>
+            </a:r>
+            <a:endParaRPr lang="de-DE" dirty="0" smtClean="0"/>
+          </a:p>
+          <a:p>
+            <a:pPr lvl="1"/>
+            <a:r>
+              <a:rPr lang="de-DE" dirty="0" smtClean="0"/>
+              <a:t>Mayer</a:t>
+            </a:r>
+          </a:p>
+          <a:p>
+            <a:pPr lvl="1"/>
+            <a:r>
+              <a:rPr lang="de-DE" dirty="0" smtClean="0"/>
+              <a:t>Schmid</a:t>
+            </a:r>
+          </a:p>
+          <a:p>
+            <a:r>
+              <a:rPr lang="de-DE" dirty="0" smtClean="0"/>
+              <a:t>Live Demonstration</a:t>
+            </a:r>
+            <a:endParaRPr lang="de-DE" dirty="0"/>
+          </a:p>
+        </p:txBody>
+      </p:sp>
+    </p:spTree>
+  </p:cSld>
+  <p:clrMapOvr>
+    <a:masterClrMapping/>
+  </p:clrMapOvr>
+</p:sld>
+</file>
+
+<file path=ppt/slides/slide20.xml><?xml version="1.0" encoding="utf-8"?>
+<p:sld xmlns:a="http://schemas.openxmlformats.org/drawingml/2006/main" xmlns:r="http://schemas.openxmlformats.org/officeDocument/2006/relationships" xmlns:p="http://schemas.openxmlformats.org/presentationml/2006/main">
+  <p:cSld>
+    <p:spTree>
+      <p:nvGrpSpPr>
+        <p:cNvPr id="1" name=""/>
+        <p:cNvGrpSpPr/>
+        <p:nvPr/>
+      </p:nvGrpSpPr>
+      <p:grpSpPr>
+        <a:xfrm>
+          <a:off x="0" y="0"/>
+          <a:ext cx="0" cy="0"/>
+          <a:chOff x="0" y="0"/>
+          <a:chExt cx="0" cy="0"/>
+        </a:xfrm>
+      </p:grpSpPr>
+      <p:pic>
+        <p:nvPicPr>
+          <p:cNvPr id="5122" name="Picture 2" descr="D:\studium\semester_5\WFPR_Klippel\presentation\controller_showEvents.PNG"/>
+          <p:cNvPicPr>
+            <a:picLocks noChangeAspect="1" noChangeArrowheads="1"/>
+          </p:cNvPicPr>
+          <p:nvPr/>
+        </p:nvPicPr>
+        <p:blipFill>
+          <a:blip r:embed="rId2">
+            <a:extLst>
+              <a:ext uri="{28A0092B-C50C-407E-A947-70E740481C1C}">
+                <a14:useLocalDpi xmlns:a14="http://schemas.microsoft.com/office/drawing/2010/main" val="0"/>
+              </a:ext>
+            </a:extLst>
+          </a:blip>
+          <a:srcRect/>
+          <a:stretch>
+            <a:fillRect/>
+          </a:stretch>
+        </p:blipFill>
+        <p:spPr bwMode="auto">
+          <a:xfrm>
+            <a:off x="1463699" y="4005064"/>
+            <a:ext cx="5916613" cy="2228850"/>
+          </a:xfrm>
+          <a:prstGeom prst="rect">
+            <a:avLst/>
+          </a:prstGeom>
+        </p:spPr>
+        <p:style>
+          <a:lnRef idx="1">
+            <a:schemeClr val="accent1"/>
+          </a:lnRef>
+          <a:fillRef idx="3">
+            <a:schemeClr val="accent1"/>
+          </a:fillRef>
+          <a:effectRef idx="2">
+            <a:schemeClr val="accent1"/>
+          </a:effectRef>
+          <a:fontRef idx="minor">
+            <a:schemeClr val="lt1"/>
+          </a:fontRef>
+        </p:style>
+      </p:pic>
+      <p:sp>
+        <p:nvSpPr>
+          <p:cNvPr id="5" name="Titel 1"/>
+          <p:cNvSpPr txBox="1">
+            <a:spLocks/>
+          </p:cNvSpPr>
+          <p:nvPr/>
+        </p:nvSpPr>
+        <p:spPr>
+          <a:xfrm>
+            <a:off x="179512" y="908720"/>
+            <a:ext cx="8784976" cy="792088"/>
+          </a:xfrm>
+          <a:prstGeom prst="rect">
+            <a:avLst/>
+          </a:prstGeom>
+        </p:spPr>
+        <p:txBody>
+          <a:bodyPr vert="horz" lIns="0" rIns="0" bIns="0" anchor="b">
+            <a:normAutofit fontScale="92500"/>
+          </a:bodyPr>
+          <a:lstStyle>
+            <a:lvl1pPr algn="l" rtl="0" eaLnBrk="1" latinLnBrk="0" hangingPunct="1">
+              <a:spcBef>
+                <a:spcPct val="0"/>
+              </a:spcBef>
+              <a:buNone/>
+              <a:defRPr kumimoji="0" sz="5000" b="0" kern="1200">
+                <a:ln>
+                  <a:noFill/>
+                </a:ln>
+                <a:solidFill>
+                  <a:schemeClr val="tx2"/>
+                </a:solidFill>
+                <a:effectLst/>
+                <a:latin typeface="+mj-lt"/>
+                <a:ea typeface="+mj-ea"/>
+                <a:cs typeface="+mj-cs"/>
+              </a:defRPr>
+            </a:lvl1pPr>
+          </a:lstStyle>
+          <a:p>
+            <a:r>
+              <a:rPr lang="de-DE" sz="2000" dirty="0" smtClean="0"/>
+              <a:t>User Story  </a:t>
+            </a:r>
+            <a:r>
+              <a:rPr lang="de-DE" sz="2000" b="1" dirty="0" smtClean="0"/>
+              <a:t>Nr.: xxx</a:t>
+            </a:r>
+            <a:r>
+              <a:rPr lang="de-DE" sz="2000" dirty="0" smtClean="0"/>
+              <a:t>, Als Mitarbeiter möchte ich Noten für Teilnehmer eintragen können</a:t>
+            </a:r>
+            <a:br>
+              <a:rPr lang="de-DE" sz="2000" dirty="0" smtClean="0"/>
+            </a:br>
+            <a:r>
+              <a:rPr lang="de-DE" sz="2000" dirty="0" smtClean="0"/>
+              <a:t> </a:t>
+            </a:r>
+            <a:r>
+              <a:rPr lang="de-DE" sz="1600" dirty="0" smtClean="0"/>
+              <a:t>  </a:t>
+            </a:r>
+            <a:endParaRPr lang="de-DE" sz="1600" dirty="0"/>
+          </a:p>
+        </p:txBody>
+      </p:sp>
+      <p:sp>
+        <p:nvSpPr>
+          <p:cNvPr id="6" name="Titel 1"/>
+          <p:cNvSpPr txBox="1">
+            <a:spLocks/>
+          </p:cNvSpPr>
+          <p:nvPr/>
+        </p:nvSpPr>
+        <p:spPr>
+          <a:xfrm>
+            <a:off x="7380312" y="1882133"/>
+            <a:ext cx="1676343" cy="298264"/>
+          </a:xfrm>
+          <a:prstGeom prst="rect">
+            <a:avLst/>
+          </a:prstGeom>
+        </p:spPr>
+        <p:txBody>
+          <a:bodyPr vert="horz" lIns="0" rIns="0" bIns="0" anchor="b">
+            <a:normAutofit fontScale="92500" lnSpcReduction="20000"/>
+          </a:bodyPr>
+          <a:lstStyle>
+            <a:lvl1pPr algn="l" rtl="0" eaLnBrk="1" latinLnBrk="0" hangingPunct="1">
+              <a:spcBef>
+                <a:spcPct val="0"/>
+              </a:spcBef>
+              <a:buNone/>
+              <a:defRPr kumimoji="0" sz="5000" b="0" kern="1200">
+                <a:ln>
+                  <a:noFill/>
+                </a:ln>
+                <a:solidFill>
+                  <a:schemeClr val="tx2"/>
+                </a:solidFill>
+                <a:effectLst/>
+                <a:latin typeface="+mj-lt"/>
+                <a:ea typeface="+mj-ea"/>
+                <a:cs typeface="+mj-cs"/>
+              </a:defRPr>
+            </a:lvl1pPr>
+          </a:lstStyle>
+          <a:p>
+            <a:r>
+              <a:rPr lang="de-DE" sz="2000" b="1" dirty="0" smtClean="0"/>
+              <a:t>&gt; CONTROLLER</a:t>
+            </a:r>
+            <a:endParaRPr lang="de-DE" sz="2000" b="1" dirty="0"/>
+          </a:p>
+        </p:txBody>
+      </p:sp>
+      <p:sp>
+        <p:nvSpPr>
+          <p:cNvPr id="10" name="Titel 1"/>
+          <p:cNvSpPr txBox="1">
+            <a:spLocks/>
+          </p:cNvSpPr>
+          <p:nvPr/>
+        </p:nvSpPr>
+        <p:spPr>
+          <a:xfrm>
+            <a:off x="3419872" y="6453336"/>
+            <a:ext cx="1800200" cy="298264"/>
+          </a:xfrm>
+          <a:prstGeom prst="rect">
+            <a:avLst/>
+          </a:prstGeom>
+        </p:spPr>
+        <p:txBody>
+          <a:bodyPr vert="horz" lIns="0" rIns="0" bIns="0" anchor="b">
+            <a:noAutofit/>
+          </a:bodyPr>
+          <a:lstStyle>
+            <a:lvl1pPr algn="l" rtl="0" eaLnBrk="1" latinLnBrk="0" hangingPunct="1">
+              <a:spcBef>
+                <a:spcPct val="0"/>
+              </a:spcBef>
+              <a:buNone/>
+              <a:defRPr kumimoji="0" sz="5000" b="0" kern="1200">
+                <a:ln>
+                  <a:noFill/>
+                </a:ln>
+                <a:solidFill>
+                  <a:schemeClr val="tx2"/>
+                </a:solidFill>
+                <a:effectLst/>
+                <a:latin typeface="+mj-lt"/>
+                <a:ea typeface="+mj-ea"/>
+                <a:cs typeface="+mj-cs"/>
+              </a:defRPr>
+            </a:lvl1pPr>
+          </a:lstStyle>
+          <a:p>
+            <a:r>
+              <a:rPr lang="de-DE" sz="1600" b="1" dirty="0" smtClean="0"/>
+              <a:t>Damian Wysocki</a:t>
+            </a:r>
+            <a:endParaRPr lang="de-DE" sz="1600" b="1" dirty="0"/>
+          </a:p>
+        </p:txBody>
+      </p:sp>
+      <p:pic>
+        <p:nvPicPr>
+          <p:cNvPr id="14" name="Picture 3" descr="D:\studium\semester_5\WFPR_Klippel\presentation\noten_auswahl_gesamt.PNG"/>
+          <p:cNvPicPr>
+            <a:picLocks noChangeAspect="1" noChangeArrowheads="1"/>
+          </p:cNvPicPr>
+          <p:nvPr/>
+        </p:nvPicPr>
+        <p:blipFill>
+          <a:blip r:embed="rId3">
+            <a:extLst>
+              <a:ext uri="{28A0092B-C50C-407E-A947-70E740481C1C}">
+                <a14:useLocalDpi xmlns:a14="http://schemas.microsoft.com/office/drawing/2010/main" val="0"/>
+              </a:ext>
+            </a:extLst>
+          </a:blip>
+          <a:srcRect/>
+          <a:stretch>
+            <a:fillRect/>
+          </a:stretch>
+        </p:blipFill>
+        <p:spPr bwMode="auto">
+          <a:xfrm>
+            <a:off x="827584" y="1882986"/>
+            <a:ext cx="4896544" cy="1857731"/>
+          </a:xfrm>
+          <a:prstGeom prst="rect">
+            <a:avLst/>
+          </a:prstGeom>
+        </p:spPr>
+        <p:style>
+          <a:lnRef idx="1">
+            <a:schemeClr val="accent1"/>
+          </a:lnRef>
+          <a:fillRef idx="3">
+            <a:schemeClr val="accent1"/>
+          </a:fillRef>
+          <a:effectRef idx="2">
+            <a:schemeClr val="accent1"/>
+          </a:effectRef>
+          <a:fontRef idx="minor">
+            <a:schemeClr val="lt1"/>
+          </a:fontRef>
+        </p:style>
+      </p:pic>
+      <p:sp>
+        <p:nvSpPr>
+          <p:cNvPr id="15" name="Titel 1"/>
+          <p:cNvSpPr txBox="1">
+            <a:spLocks/>
+          </p:cNvSpPr>
+          <p:nvPr/>
+        </p:nvSpPr>
+        <p:spPr>
+          <a:xfrm>
+            <a:off x="5004048" y="2356799"/>
+            <a:ext cx="648072" cy="446756"/>
+          </a:xfrm>
+          <a:prstGeom prst="rect">
+            <a:avLst/>
+          </a:prstGeom>
+        </p:spPr>
+        <p:txBody>
+          <a:bodyPr vert="horz" lIns="0" rIns="0" bIns="0" anchor="b">
+            <a:noAutofit/>
+          </a:bodyPr>
+          <a:lstStyle>
+            <a:lvl1pPr algn="l" rtl="0" eaLnBrk="1" latinLnBrk="0" hangingPunct="1">
+              <a:spcBef>
+                <a:spcPct val="0"/>
+              </a:spcBef>
+              <a:buNone/>
+              <a:defRPr kumimoji="0" sz="5000" b="0" kern="1200">
+                <a:ln>
+                  <a:noFill/>
+                </a:ln>
+                <a:solidFill>
+                  <a:schemeClr val="tx2"/>
+                </a:solidFill>
+                <a:effectLst/>
+                <a:latin typeface="+mj-lt"/>
+                <a:ea typeface="+mj-ea"/>
+                <a:cs typeface="+mj-cs"/>
+              </a:defRPr>
+            </a:lvl1pPr>
+          </a:lstStyle>
+          <a:p>
+            <a:r>
+              <a:rPr lang="de-DE" sz="3200" b="1" dirty="0" smtClean="0">
+                <a:solidFill>
+                  <a:srgbClr val="7030A0"/>
+                </a:solidFill>
+              </a:rPr>
+              <a:t>&gt; 4</a:t>
+            </a:r>
+            <a:endParaRPr lang="de-DE" sz="3200" b="1" dirty="0">
+              <a:solidFill>
+                <a:srgbClr val="7030A0"/>
+              </a:solidFill>
+            </a:endParaRPr>
+          </a:p>
+        </p:txBody>
+      </p:sp>
+    </p:spTree>
+    <p:extLst>
+      <p:ext uri="{BB962C8B-B14F-4D97-AF65-F5344CB8AC3E}">
+        <p14:creationId xmlns:p14="http://schemas.microsoft.com/office/powerpoint/2010/main" val="622502290"/>
+      </p:ext>
+    </p:extLst>
+  </p:cSld>
+  <p:clrMapOvr>
+    <a:masterClrMapping/>
+  </p:clrMapOvr>
+  <p:timing>
+    <p:tnLst>
+      <p:par>
+        <p:cTn id="1" dur="indefinite" restart="never" nodeType="tmRoot"/>
+      </p:par>
+    </p:tnLst>
+  </p:timing>
+</p:sld>
+</file>
+
+<file path=ppt/slides/slide21.xml><?xml version="1.0" encoding="utf-8"?>
+<p:sld xmlns:a="http://schemas.openxmlformats.org/drawingml/2006/main" xmlns:r="http://schemas.openxmlformats.org/officeDocument/2006/relationships" xmlns:p="http://schemas.openxmlformats.org/presentationml/2006/main">
+  <p:cSld>
+    <p:spTree>
+      <p:nvGrpSpPr>
+        <p:cNvPr id="1" name=""/>
+        <p:cNvGrpSpPr/>
+        <p:nvPr/>
+      </p:nvGrpSpPr>
+      <p:grpSpPr>
+        <a:xfrm>
+          <a:off x="0" y="0"/>
+          <a:ext cx="0" cy="0"/>
+          <a:chOff x="0" y="0"/>
+          <a:chExt cx="0" cy="0"/>
+        </a:xfrm>
+      </p:grpSpPr>
+      <p:pic>
+        <p:nvPicPr>
+          <p:cNvPr id="1027" name="Picture 3" descr="D:\studium\semester_5\WFPR_Klippel\presentation\model_getSpecificStudents.PNG"/>
+          <p:cNvPicPr>
+            <a:picLocks noChangeAspect="1" noChangeArrowheads="1"/>
+          </p:cNvPicPr>
+          <p:nvPr/>
+        </p:nvPicPr>
+        <p:blipFill>
+          <a:blip r:embed="rId2">
+            <a:extLst>
+              <a:ext uri="{28A0092B-C50C-407E-A947-70E740481C1C}">
+                <a14:useLocalDpi xmlns:a14="http://schemas.microsoft.com/office/drawing/2010/main" val="0"/>
+              </a:ext>
+            </a:extLst>
+          </a:blip>
+          <a:srcRect/>
+          <a:stretch>
+            <a:fillRect/>
+          </a:stretch>
+        </p:blipFill>
+        <p:spPr bwMode="auto">
+          <a:xfrm>
+            <a:off x="109165" y="1414266"/>
+            <a:ext cx="5110907" cy="4154007"/>
+          </a:xfrm>
+          <a:prstGeom prst="rect">
+            <a:avLst/>
+          </a:prstGeom>
+        </p:spPr>
+        <p:style>
+          <a:lnRef idx="1">
+            <a:schemeClr val="accent1"/>
+          </a:lnRef>
+          <a:fillRef idx="3">
+            <a:schemeClr val="accent1"/>
+          </a:fillRef>
+          <a:effectRef idx="2">
+            <a:schemeClr val="accent1"/>
+          </a:effectRef>
+          <a:fontRef idx="minor">
+            <a:schemeClr val="lt1"/>
+          </a:fontRef>
+        </p:style>
+      </p:pic>
+      <p:sp>
+        <p:nvSpPr>
+          <p:cNvPr id="5" name="Titel 1"/>
+          <p:cNvSpPr txBox="1">
+            <a:spLocks/>
+          </p:cNvSpPr>
+          <p:nvPr/>
+        </p:nvSpPr>
+        <p:spPr>
+          <a:xfrm>
+            <a:off x="179512" y="908720"/>
+            <a:ext cx="8784976" cy="792088"/>
+          </a:xfrm>
+          <a:prstGeom prst="rect">
+            <a:avLst/>
+          </a:prstGeom>
+        </p:spPr>
+        <p:txBody>
+          <a:bodyPr vert="horz" lIns="0" rIns="0" bIns="0" anchor="b">
+            <a:normAutofit fontScale="92500"/>
+          </a:bodyPr>
+          <a:lstStyle>
+            <a:lvl1pPr algn="l" rtl="0" eaLnBrk="1" latinLnBrk="0" hangingPunct="1">
+              <a:spcBef>
+                <a:spcPct val="0"/>
+              </a:spcBef>
+              <a:buNone/>
+              <a:defRPr kumimoji="0" sz="5000" b="0" kern="1200">
+                <a:ln>
+                  <a:noFill/>
+                </a:ln>
+                <a:solidFill>
+                  <a:schemeClr val="tx2"/>
+                </a:solidFill>
+                <a:effectLst/>
+                <a:latin typeface="+mj-lt"/>
+                <a:ea typeface="+mj-ea"/>
+                <a:cs typeface="+mj-cs"/>
+              </a:defRPr>
+            </a:lvl1pPr>
+          </a:lstStyle>
+          <a:p>
+            <a:r>
+              <a:rPr lang="de-DE" sz="2000" dirty="0" smtClean="0"/>
+              <a:t>User Story  </a:t>
+            </a:r>
+            <a:r>
+              <a:rPr lang="de-DE" sz="2000" b="1" dirty="0" smtClean="0"/>
+              <a:t>Nr.: xxx</a:t>
+            </a:r>
+            <a:r>
+              <a:rPr lang="de-DE" sz="2000" dirty="0" smtClean="0"/>
+              <a:t>, Als Mitarbeiter möchte ich Noten für Teilnehmer eintragen können</a:t>
+            </a:r>
+            <a:br>
+              <a:rPr lang="de-DE" sz="2000" dirty="0" smtClean="0"/>
+            </a:br>
+            <a:r>
+              <a:rPr lang="de-DE" sz="2000" dirty="0" smtClean="0"/>
+              <a:t> </a:t>
+            </a:r>
+            <a:r>
+              <a:rPr lang="de-DE" sz="1600" dirty="0" smtClean="0"/>
+              <a:t>  </a:t>
+            </a:r>
+            <a:endParaRPr lang="de-DE" sz="1600" dirty="0"/>
+          </a:p>
+        </p:txBody>
+      </p:sp>
+      <p:sp>
+        <p:nvSpPr>
+          <p:cNvPr id="6" name="Titel 1"/>
+          <p:cNvSpPr txBox="1">
+            <a:spLocks/>
+          </p:cNvSpPr>
+          <p:nvPr/>
+        </p:nvSpPr>
+        <p:spPr>
+          <a:xfrm>
+            <a:off x="7380312" y="1882133"/>
+            <a:ext cx="1676343" cy="298264"/>
+          </a:xfrm>
+          <a:prstGeom prst="rect">
+            <a:avLst/>
+          </a:prstGeom>
+        </p:spPr>
+        <p:txBody>
+          <a:bodyPr vert="horz" lIns="0" rIns="0" bIns="0" anchor="b">
+            <a:normAutofit fontScale="92500" lnSpcReduction="20000"/>
+          </a:bodyPr>
+          <a:lstStyle>
+            <a:lvl1pPr algn="l" rtl="0" eaLnBrk="1" latinLnBrk="0" hangingPunct="1">
+              <a:spcBef>
+                <a:spcPct val="0"/>
+              </a:spcBef>
+              <a:buNone/>
+              <a:defRPr kumimoji="0" sz="5000" b="0" kern="1200">
+                <a:ln>
+                  <a:noFill/>
+                </a:ln>
+                <a:solidFill>
+                  <a:schemeClr val="tx2"/>
+                </a:solidFill>
+                <a:effectLst/>
+                <a:latin typeface="+mj-lt"/>
+                <a:ea typeface="+mj-ea"/>
+                <a:cs typeface="+mj-cs"/>
+              </a:defRPr>
+            </a:lvl1pPr>
+          </a:lstStyle>
+          <a:p>
+            <a:r>
+              <a:rPr lang="de-DE" sz="2000" b="1" dirty="0" smtClean="0"/>
+              <a:t>&gt; MODEL</a:t>
+            </a:r>
+            <a:endParaRPr lang="de-DE" sz="2000" b="1" dirty="0"/>
+          </a:p>
+        </p:txBody>
+      </p:sp>
+      <p:sp>
+        <p:nvSpPr>
+          <p:cNvPr id="10" name="Titel 1"/>
+          <p:cNvSpPr txBox="1">
+            <a:spLocks/>
+          </p:cNvSpPr>
+          <p:nvPr/>
+        </p:nvSpPr>
+        <p:spPr>
+          <a:xfrm>
+            <a:off x="3419872" y="6453336"/>
+            <a:ext cx="1800200" cy="298264"/>
+          </a:xfrm>
+          <a:prstGeom prst="rect">
+            <a:avLst/>
+          </a:prstGeom>
+        </p:spPr>
+        <p:txBody>
+          <a:bodyPr vert="horz" lIns="0" rIns="0" bIns="0" anchor="b">
+            <a:noAutofit/>
+          </a:bodyPr>
+          <a:lstStyle>
+            <a:lvl1pPr algn="l" rtl="0" eaLnBrk="1" latinLnBrk="0" hangingPunct="1">
+              <a:spcBef>
+                <a:spcPct val="0"/>
+              </a:spcBef>
+              <a:buNone/>
+              <a:defRPr kumimoji="0" sz="5000" b="0" kern="1200">
+                <a:ln>
+                  <a:noFill/>
+                </a:ln>
+                <a:solidFill>
+                  <a:schemeClr val="tx2"/>
+                </a:solidFill>
+                <a:effectLst/>
+                <a:latin typeface="+mj-lt"/>
+                <a:ea typeface="+mj-ea"/>
+                <a:cs typeface="+mj-cs"/>
+              </a:defRPr>
+            </a:lvl1pPr>
+          </a:lstStyle>
+          <a:p>
+            <a:r>
+              <a:rPr lang="de-DE" sz="1600" b="1" dirty="0" smtClean="0"/>
+              <a:t>Damian Wysocki</a:t>
+            </a:r>
+            <a:endParaRPr lang="de-DE" sz="1600" b="1" dirty="0"/>
+          </a:p>
+        </p:txBody>
+      </p:sp>
+      <p:sp>
+        <p:nvSpPr>
           <p:cNvPr id="7" name="Titel 1"/>
           <p:cNvSpPr txBox="1">
             <a:spLocks/>
@@ -15567,7 +15703,7 @@
         </p:nvSpPr>
         <p:spPr>
           <a:xfrm>
-            <a:off x="323528" y="3180172"/>
+            <a:off x="4371730" y="1439971"/>
             <a:ext cx="792088" cy="622196"/>
           </a:xfrm>
           <a:prstGeom prst="rect">
@@ -15607,17 +15743,7 @@
                   </a:schemeClr>
                 </a:solidFill>
               </a:rPr>
-              <a:t>&gt; </a:t>
-            </a:r>
-            <a:r>
-              <a:rPr lang="de-DE" sz="3200" b="1" dirty="0" smtClean="0">
-                <a:solidFill>
-                  <a:schemeClr val="bg2">
-                    <a:lumMod val="50000"/>
-                  </a:schemeClr>
-                </a:solidFill>
-              </a:rPr>
-              <a:t>3</a:t>
+              <a:t>&gt; 3</a:t>
             </a:r>
             <a:endParaRPr lang="de-DE" sz="3200" b="1" dirty="0">
               <a:solidFill>
@@ -15631,7 +15757,7 @@
       </p:sp>
       <p:pic>
         <p:nvPicPr>
-          <p:cNvPr id="4101" name="Picture 5" descr="D:\studium\semester_5\WFPR_Klippel\presentation\model_getVorlesungAllParticipants.PNG"/>
+          <p:cNvPr id="1026" name="Picture 2" descr="D:\studium\semester_5\WFPR_Klippel\presentation\model_getVorlesungAllParticipants.PNG"/>
           <p:cNvPicPr>
             <a:picLocks noChangeAspect="1" noChangeArrowheads="1"/>
           </p:cNvPicPr>
@@ -15652,8 +15778,8 @@
         </p:blipFill>
         <p:spPr bwMode="auto">
           <a:xfrm>
-            <a:off x="4657457" y="2463293"/>
-            <a:ext cx="4418633" cy="3782148"/>
+            <a:off x="4243265" y="2748022"/>
+            <a:ext cx="4634406" cy="3705313"/>
           </a:xfrm>
           <a:prstGeom prst="rect">
             <a:avLst/>
@@ -15722,15 +15848,7 @@
                   <a:srgbClr val="7030A0"/>
                 </a:solidFill>
               </a:rPr>
-              <a:t>&gt; </a:t>
-            </a:r>
-            <a:r>
-              <a:rPr lang="de-DE" sz="3200" b="1" dirty="0" smtClean="0">
-                <a:solidFill>
-                  <a:srgbClr val="7030A0"/>
-                </a:solidFill>
-              </a:rPr>
-              <a:t>4</a:t>
+              <a:t>&gt; 4</a:t>
             </a:r>
             <a:endParaRPr lang="de-DE" sz="3200" b="1" dirty="0">
               <a:solidFill>
@@ -15890,11 +16008,7 @@
           <a:p>
             <a:r>
               <a:rPr lang="de-DE" sz="2000" b="1" dirty="0" smtClean="0"/>
-              <a:t>&gt; </a:t>
-            </a:r>
-            <a:r>
-              <a:rPr lang="de-DE" sz="2000" b="1" dirty="0" smtClean="0"/>
-              <a:t>CONTROLLER</a:t>
+              <a:t>&gt; CONTROLLER</a:t>
             </a:r>
             <a:endParaRPr lang="de-DE" sz="2000" b="1" dirty="0"/>
           </a:p>
@@ -15973,7 +16087,7 @@
         </p:blipFill>
         <p:spPr bwMode="auto">
           <a:xfrm>
-            <a:off x="152003" y="1719653"/>
+            <a:off x="146824" y="1440096"/>
             <a:ext cx="7189290" cy="3951096"/>
           </a:xfrm>
           <a:prstGeom prst="rect">
@@ -15995,6 +16109,216 @@
           </a:fontRef>
         </p:style>
       </p:pic>
+      <p:pic>
+        <p:nvPicPr>
+          <p:cNvPr id="7" name="Picture 2" descr="D:\studium\semester_5\WFPR_Klippel\presentation\noten_auswahl_einzeln.PNG"/>
+          <p:cNvPicPr>
+            <a:picLocks noChangeAspect="1" noChangeArrowheads="1"/>
+          </p:cNvPicPr>
+          <p:nvPr/>
+        </p:nvPicPr>
+        <p:blipFill>
+          <a:blip r:embed="rId3">
+            <a:extLst>
+              <a:ext uri="{28A0092B-C50C-407E-A947-70E740481C1C}">
+                <a14:useLocalDpi xmlns:a14="http://schemas.microsoft.com/office/drawing/2010/main" val="0"/>
+              </a:ext>
+            </a:extLst>
+          </a:blip>
+          <a:srcRect/>
+          <a:stretch>
+            <a:fillRect/>
+          </a:stretch>
+        </p:blipFill>
+        <p:spPr bwMode="auto">
+          <a:xfrm>
+            <a:off x="4572000" y="5017005"/>
+            <a:ext cx="4228852" cy="1461665"/>
+          </a:xfrm>
+          <a:prstGeom prst="rect">
+            <a:avLst/>
+          </a:prstGeom>
+        </p:spPr>
+        <p:style>
+          <a:lnRef idx="1">
+            <a:schemeClr val="accent1"/>
+          </a:lnRef>
+          <a:fillRef idx="3">
+            <a:schemeClr val="accent1"/>
+          </a:fillRef>
+          <a:effectRef idx="2">
+            <a:schemeClr val="accent1"/>
+          </a:effectRef>
+          <a:fontRef idx="minor">
+            <a:schemeClr val="lt1"/>
+          </a:fontRef>
+        </p:style>
+      </p:pic>
+      <p:pic>
+        <p:nvPicPr>
+          <p:cNvPr id="8" name="Picture 3" descr="D:\studium\semester_5\WFPR_Klippel\presentation\noten_auswahl_gesamt.PNG"/>
+          <p:cNvPicPr>
+            <a:picLocks noChangeAspect="1" noChangeArrowheads="1"/>
+          </p:cNvPicPr>
+          <p:nvPr/>
+        </p:nvPicPr>
+        <p:blipFill>
+          <a:blip r:embed="rId4">
+            <a:extLst>
+              <a:ext uri="{28A0092B-C50C-407E-A947-70E740481C1C}">
+                <a14:useLocalDpi xmlns:a14="http://schemas.microsoft.com/office/drawing/2010/main" val="0"/>
+              </a:ext>
+            </a:extLst>
+          </a:blip>
+          <a:srcRect/>
+          <a:stretch>
+            <a:fillRect/>
+          </a:stretch>
+        </p:blipFill>
+        <p:spPr bwMode="auto">
+          <a:xfrm>
+            <a:off x="3059832" y="1440096"/>
+            <a:ext cx="4189556" cy="1589502"/>
+          </a:xfrm>
+          <a:prstGeom prst="rect">
+            <a:avLst/>
+          </a:prstGeom>
+        </p:spPr>
+        <p:style>
+          <a:lnRef idx="1">
+            <a:schemeClr val="accent1"/>
+          </a:lnRef>
+          <a:fillRef idx="3">
+            <a:schemeClr val="accent1"/>
+          </a:fillRef>
+          <a:effectRef idx="2">
+            <a:schemeClr val="accent1"/>
+          </a:effectRef>
+          <a:fontRef idx="minor">
+            <a:schemeClr val="lt1"/>
+          </a:fontRef>
+        </p:style>
+      </p:pic>
+      <p:sp>
+        <p:nvSpPr>
+          <p:cNvPr id="9" name="Titel 1"/>
+          <p:cNvSpPr txBox="1">
+            <a:spLocks/>
+          </p:cNvSpPr>
+          <p:nvPr/>
+        </p:nvSpPr>
+        <p:spPr>
+          <a:xfrm>
+            <a:off x="7708662" y="5080094"/>
+            <a:ext cx="1019642" cy="622196"/>
+          </a:xfrm>
+          <a:prstGeom prst="rect">
+            <a:avLst/>
+          </a:prstGeom>
+        </p:spPr>
+        <p:txBody>
+          <a:bodyPr vert="horz" lIns="0" rIns="0" bIns="0" anchor="b">
+            <a:normAutofit/>
+          </a:bodyPr>
+          <a:lstStyle>
+            <a:lvl1pPr algn="l" rtl="0" eaLnBrk="1" latinLnBrk="0" hangingPunct="1">
+              <a:spcBef>
+                <a:spcPct val="0"/>
+              </a:spcBef>
+              <a:buNone/>
+              <a:defRPr kumimoji="0" sz="5000" b="0" kern="1200">
+                <a:ln>
+                  <a:noFill/>
+                </a:ln>
+                <a:solidFill>
+                  <a:schemeClr val="tx2"/>
+                </a:solidFill>
+                <a:effectLst/>
+                <a:latin typeface="+mj-lt"/>
+                <a:ea typeface="+mj-ea"/>
+                <a:cs typeface="+mj-cs"/>
+              </a:defRPr>
+            </a:lvl1pPr>
+          </a:lstStyle>
+          <a:p>
+            <a:r>
+              <a:rPr lang="de-DE" sz="3200" b="1" dirty="0" smtClean="0">
+                <a:solidFill>
+                  <a:schemeClr val="bg2">
+                    <a:lumMod val="50000"/>
+                  </a:schemeClr>
+                </a:solidFill>
+              </a:rPr>
+              <a:t>&gt; 3</a:t>
+            </a:r>
+            <a:endParaRPr lang="de-DE" sz="3200" b="1" dirty="0">
+              <a:solidFill>
+                <a:schemeClr val="bg2">
+                  <a:lumMod val="50000"/>
+                </a:schemeClr>
+              </a:solidFill>
+            </a:endParaRPr>
+          </a:p>
+        </p:txBody>
+      </p:sp>
+      <p:sp>
+        <p:nvSpPr>
+          <p:cNvPr id="11" name="Titel 1"/>
+          <p:cNvSpPr txBox="1">
+            <a:spLocks/>
+          </p:cNvSpPr>
+          <p:nvPr/>
+        </p:nvSpPr>
+        <p:spPr>
+          <a:xfrm>
+            <a:off x="6156176" y="1762015"/>
+            <a:ext cx="648072" cy="446756"/>
+          </a:xfrm>
+          <a:prstGeom prst="rect">
+            <a:avLst/>
+          </a:prstGeom>
+        </p:spPr>
+        <p:txBody>
+          <a:bodyPr vert="horz" lIns="0" rIns="0" bIns="0" anchor="b">
+            <a:noAutofit/>
+          </a:bodyPr>
+          <a:lstStyle>
+            <a:lvl1pPr algn="l" rtl="0" eaLnBrk="1" latinLnBrk="0" hangingPunct="1">
+              <a:spcBef>
+                <a:spcPct val="0"/>
+              </a:spcBef>
+              <a:buNone/>
+              <a:defRPr kumimoji="0" sz="5000" b="0" kern="1200">
+                <a:ln>
+                  <a:noFill/>
+                </a:ln>
+                <a:solidFill>
+                  <a:schemeClr val="tx2"/>
+                </a:solidFill>
+                <a:effectLst/>
+                <a:latin typeface="+mj-lt"/>
+                <a:ea typeface="+mj-ea"/>
+                <a:cs typeface="+mj-cs"/>
+              </a:defRPr>
+            </a:lvl1pPr>
+          </a:lstStyle>
+          <a:p>
+            <a:r>
+              <a:rPr lang="de-DE" sz="3200" b="1" dirty="0" smtClean="0">
+                <a:solidFill>
+                  <a:srgbClr val="7030A0"/>
+                </a:solidFill>
+              </a:rPr>
+              <a:t>&gt; 4</a:t>
+            </a:r>
+            <a:endParaRPr lang="de-DE" sz="3200" b="1" dirty="0">
+              <a:solidFill>
+                <a:srgbClr val="7030A0"/>
+              </a:solidFill>
+            </a:endParaRPr>
+          </a:p>
+        </p:txBody>
+      </p:sp>
     </p:spTree>
     <p:extLst>
       <p:ext uri="{BB962C8B-B14F-4D97-AF65-F5344CB8AC3E}">
@@ -16145,11 +16469,7 @@
           <a:p>
             <a:r>
               <a:rPr lang="de-DE" sz="2000" b="1" dirty="0" smtClean="0"/>
-              <a:t>&gt; </a:t>
-            </a:r>
-            <a:r>
-              <a:rPr lang="de-DE" sz="2000" b="1" dirty="0" smtClean="0"/>
-              <a:t>MODEL</a:t>
+              <a:t>&gt; MODEL</a:t>
             </a:r>
             <a:endParaRPr lang="de-DE" sz="2000" b="1" dirty="0"/>
           </a:p>
@@ -16250,6 +16570,126 @@
           </a:fontRef>
         </p:style>
       </p:pic>
+      <p:sp>
+        <p:nvSpPr>
+          <p:cNvPr id="7" name="Titel 1"/>
+          <p:cNvSpPr txBox="1">
+            <a:spLocks/>
+          </p:cNvSpPr>
+          <p:nvPr/>
+        </p:nvSpPr>
+        <p:spPr>
+          <a:xfrm>
+            <a:off x="5796136" y="1869299"/>
+            <a:ext cx="648072" cy="534476"/>
+          </a:xfrm>
+          <a:prstGeom prst="rect">
+            <a:avLst/>
+          </a:prstGeom>
+        </p:spPr>
+        <p:txBody>
+          <a:bodyPr vert="horz" lIns="0" rIns="0" bIns="0" anchor="b">
+            <a:normAutofit/>
+          </a:bodyPr>
+          <a:lstStyle>
+            <a:lvl1pPr algn="l" rtl="0" eaLnBrk="1" latinLnBrk="0" hangingPunct="1">
+              <a:spcBef>
+                <a:spcPct val="0"/>
+              </a:spcBef>
+              <a:buNone/>
+              <a:defRPr kumimoji="0" sz="5000" b="0" kern="1200">
+                <a:ln>
+                  <a:noFill/>
+                </a:ln>
+                <a:solidFill>
+                  <a:schemeClr val="tx2"/>
+                </a:solidFill>
+                <a:effectLst/>
+                <a:latin typeface="+mj-lt"/>
+                <a:ea typeface="+mj-ea"/>
+                <a:cs typeface="+mj-cs"/>
+              </a:defRPr>
+            </a:lvl1pPr>
+          </a:lstStyle>
+          <a:p>
+            <a:r>
+              <a:rPr lang="de-DE" sz="3200" b="1" dirty="0" smtClean="0">
+                <a:solidFill>
+                  <a:schemeClr val="bg2">
+                    <a:lumMod val="50000"/>
+                  </a:schemeClr>
+                </a:solidFill>
+              </a:rPr>
+              <a:t>&gt; 3</a:t>
+            </a:r>
+            <a:endParaRPr lang="de-DE" sz="3200" b="1" dirty="0">
+              <a:solidFill>
+                <a:schemeClr val="bg2">
+                  <a:lumMod val="50000"/>
+                </a:schemeClr>
+              </a:solidFill>
+            </a:endParaRPr>
+          </a:p>
+        </p:txBody>
+      </p:sp>
+      <p:sp>
+        <p:nvSpPr>
+          <p:cNvPr id="8" name="Titel 1"/>
+          <p:cNvSpPr txBox="1">
+            <a:spLocks/>
+          </p:cNvSpPr>
+          <p:nvPr/>
+        </p:nvSpPr>
+        <p:spPr>
+          <a:xfrm>
+            <a:off x="5076056" y="1957019"/>
+            <a:ext cx="648072" cy="446756"/>
+          </a:xfrm>
+          <a:prstGeom prst="rect">
+            <a:avLst/>
+          </a:prstGeom>
+        </p:spPr>
+        <p:txBody>
+          <a:bodyPr vert="horz" lIns="0" rIns="0" bIns="0" anchor="b">
+            <a:noAutofit/>
+          </a:bodyPr>
+          <a:lstStyle>
+            <a:lvl1pPr algn="l" rtl="0" eaLnBrk="1" latinLnBrk="0" hangingPunct="1">
+              <a:spcBef>
+                <a:spcPct val="0"/>
+              </a:spcBef>
+              <a:buNone/>
+              <a:defRPr kumimoji="0" sz="5000" b="0" kern="1200">
+                <a:ln>
+                  <a:noFill/>
+                </a:ln>
+                <a:solidFill>
+                  <a:schemeClr val="tx2"/>
+                </a:solidFill>
+                <a:effectLst/>
+                <a:latin typeface="+mj-lt"/>
+                <a:ea typeface="+mj-ea"/>
+                <a:cs typeface="+mj-cs"/>
+              </a:defRPr>
+            </a:lvl1pPr>
+          </a:lstStyle>
+          <a:p>
+            <a:r>
+              <a:rPr lang="de-DE" sz="3200" b="1" dirty="0" smtClean="0">
+                <a:solidFill>
+                  <a:srgbClr val="7030A0"/>
+                </a:solidFill>
+              </a:rPr>
+              <a:t>&gt; 4</a:t>
+            </a:r>
+            <a:endParaRPr lang="de-DE" sz="3200" b="1" dirty="0">
+              <a:solidFill>
+                <a:srgbClr val="7030A0"/>
+              </a:solidFill>
+            </a:endParaRPr>
+          </a:p>
+        </p:txBody>
+      </p:sp>
     </p:spTree>
     <p:extLst>
       <p:ext uri="{BB962C8B-B14F-4D97-AF65-F5344CB8AC3E}">

--- a/Lehrveranstaltungsmanagement_Präsentation.pptx
+++ b/Lehrveranstaltungsmanagement_Präsentation.pptx
@@ -1048,11 +1048,19 @@
         <a:p>
           <a:r>
             <a:rPr lang="de-DE" sz="900" b="1" dirty="0" smtClean="0"/>
-            <a:t>Nr.: xxx</a:t>
+            <a:t>Nr.: </a:t>
+          </a:r>
+          <a:r>
+            <a:rPr lang="de-DE" sz="900" b="1" dirty="0" smtClean="0"/>
+            <a:t>100</a:t>
           </a:r>
           <a:r>
             <a:rPr lang="de-DE" sz="900" dirty="0" smtClean="0"/>
-            <a:t>, Als Student möchte ich mich zur Verwaltung meiner Daten online einloggen können</a:t>
+            <a:t>, </a:t>
+          </a:r>
+          <a:r>
+            <a:rPr lang="de-DE" sz="900" dirty="0" smtClean="0"/>
+            <a:t>Als Student möchte ich mich zur Verwaltung meiner Daten online einloggen können</a:t>
           </a:r>
           <a:endParaRPr lang="de-DE" sz="900" dirty="0"/>
         </a:p>
@@ -1130,7 +1138,15 @@
                 <a:srgbClr val="00B050"/>
               </a:solidFill>
             </a:rPr>
-            <a:t>Nr.: xxx</a:t>
+            <a:t>Nr.: </a:t>
+          </a:r>
+          <a:r>
+            <a:rPr lang="de-DE" sz="900" b="1" i="0" dirty="0" smtClean="0">
+              <a:solidFill>
+                <a:srgbClr val="00B050"/>
+              </a:solidFill>
+            </a:rPr>
+            <a:t>150a</a:t>
           </a:r>
           <a:r>
             <a:rPr lang="de-DE" sz="900" dirty="0" smtClean="0">
@@ -1138,7 +1154,15 @@
                 <a:srgbClr val="00B050"/>
               </a:solidFill>
             </a:rPr>
-            <a:t>, Als Dozent möchte ich Teilnehmerlisten erzeugen können</a:t>
+            <a:t>, </a:t>
+          </a:r>
+          <a:r>
+            <a:rPr lang="de-DE" sz="900" dirty="0" smtClean="0">
+              <a:solidFill>
+                <a:srgbClr val="00B050"/>
+              </a:solidFill>
+            </a:rPr>
+            <a:t>Als Dozent möchte ich Teilnehmerlisten erzeugen können</a:t>
           </a:r>
           <a:endParaRPr lang="de-DE" sz="900" dirty="0">
             <a:solidFill>
@@ -1183,7 +1207,31 @@
                 <a:srgbClr val="00B050"/>
               </a:solidFill>
             </a:rPr>
-            <a:t>Nr.: xxx</a:t>
+            <a:t>Nr</a:t>
+          </a:r>
+          <a:r>
+            <a:rPr lang="de-DE" sz="900" b="1" smtClean="0">
+              <a:solidFill>
+                <a:srgbClr val="00B050"/>
+              </a:solidFill>
+            </a:rPr>
+            <a:t>.: </a:t>
+          </a:r>
+          <a:r>
+            <a:rPr lang="de-DE" sz="900" b="1" smtClean="0">
+              <a:solidFill>
+                <a:srgbClr val="00B050"/>
+              </a:solidFill>
+            </a:rPr>
+            <a:t>300</a:t>
+          </a:r>
+          <a:r>
+            <a:rPr lang="de-DE" sz="900" smtClean="0">
+              <a:solidFill>
+                <a:srgbClr val="00B050"/>
+              </a:solidFill>
+            </a:rPr>
+            <a:t>, </a:t>
           </a:r>
           <a:r>
             <a:rPr lang="de-DE" sz="900" dirty="0" smtClean="0">
@@ -1191,7 +1239,7 @@
                 <a:srgbClr val="00B050"/>
               </a:solidFill>
             </a:rPr>
-            <a:t>, Als Entwickler möchte ich </a:t>
+            <a:t>Als Entwickler möchte ich </a:t>
           </a:r>
           <a:r>
             <a:rPr lang="de-DE" sz="900" dirty="0" err="1" smtClean="0">
@@ -1252,7 +1300,15 @@
                 <a:srgbClr val="00B050"/>
               </a:solidFill>
             </a:rPr>
-            <a:t>Nr.: xxx, </a:t>
+            <a:t>Nr.: </a:t>
+          </a:r>
+          <a:r>
+            <a:rPr lang="de-DE" sz="900" b="1" dirty="0" smtClean="0">
+              <a:solidFill>
+                <a:srgbClr val="00B050"/>
+              </a:solidFill>
+            </a:rPr>
+            <a:t>390, </a:t>
           </a:r>
           <a:r>
             <a:rPr lang="de-DE" sz="900" dirty="0" smtClean="0">
@@ -1305,7 +1361,15 @@
                 <a:srgbClr val="00B050"/>
               </a:solidFill>
             </a:rPr>
-            <a:t>Nr.: xxx</a:t>
+            <a:t>Nr.: </a:t>
+          </a:r>
+          <a:r>
+            <a:rPr lang="de-DE" sz="900" b="1" dirty="0" smtClean="0">
+              <a:solidFill>
+                <a:srgbClr val="00B050"/>
+              </a:solidFill>
+            </a:rPr>
+            <a:t>380</a:t>
           </a:r>
           <a:r>
             <a:rPr lang="de-DE" sz="900" dirty="0" smtClean="0">
@@ -1313,7 +1377,15 @@
                 <a:srgbClr val="00B050"/>
               </a:solidFill>
             </a:rPr>
-            <a:t>, Als Dozent möchte ich Emails an alle Teilnehmer einer Veranstaltung schicken können</a:t>
+            <a:t>, </a:t>
+          </a:r>
+          <a:r>
+            <a:rPr lang="de-DE" sz="900" dirty="0" smtClean="0">
+              <a:solidFill>
+                <a:srgbClr val="00B050"/>
+              </a:solidFill>
+            </a:rPr>
+            <a:t>Als Dozent möchte ich Emails an alle Teilnehmer einer Veranstaltung schicken können</a:t>
           </a:r>
           <a:endParaRPr lang="de-DE" sz="900" dirty="0">
             <a:solidFill>
@@ -1358,7 +1430,23 @@
                 <a:srgbClr val="00B0F0"/>
               </a:solidFill>
             </a:rPr>
-            <a:t>Nr.: xxx, Als Mitarbeiter möchte ich Noten für Teilnehmer eintragen können</a:t>
+            <a:t>Nr.: </a:t>
+          </a:r>
+          <a:r>
+            <a:rPr lang="de-DE" sz="1050" b="1" dirty="0" smtClean="0">
+              <a:solidFill>
+                <a:srgbClr val="00B0F0"/>
+              </a:solidFill>
+            </a:rPr>
+            <a:t>430a, </a:t>
+          </a:r>
+          <a:r>
+            <a:rPr lang="de-DE" sz="1050" b="1" dirty="0" smtClean="0">
+              <a:solidFill>
+                <a:srgbClr val="00B0F0"/>
+              </a:solidFill>
+            </a:rPr>
+            <a:t>Als Mitarbeiter möchte ich Noten für Teilnehmer eintragen können</a:t>
           </a:r>
           <a:endParaRPr lang="de-DE" sz="1050" b="1" dirty="0">
             <a:solidFill>
@@ -1403,7 +1491,23 @@
                 <a:srgbClr val="00B0F0"/>
               </a:solidFill>
             </a:rPr>
-            <a:t>Nr.: xxx, Als Mitarbeiter möchte ich div. Nutzer anlegen können</a:t>
+            <a:t>Nr.: </a:t>
+          </a:r>
+          <a:r>
+            <a:rPr lang="de-DE" sz="1050" b="1" dirty="0" smtClean="0">
+              <a:solidFill>
+                <a:srgbClr val="00B0F0"/>
+              </a:solidFill>
+            </a:rPr>
+            <a:t>550, </a:t>
+          </a:r>
+          <a:r>
+            <a:rPr lang="de-DE" sz="1050" b="1" dirty="0" smtClean="0">
+              <a:solidFill>
+                <a:srgbClr val="00B0F0"/>
+              </a:solidFill>
+            </a:rPr>
+            <a:t>Als Mitarbeiter möchte ich div. Nutzer anlegen können</a:t>
           </a:r>
           <a:endParaRPr lang="de-DE" sz="1050" b="1" dirty="0">
             <a:solidFill>
@@ -3490,11 +3594,19 @@
           </a:pPr>
           <a:r>
             <a:rPr lang="de-DE" sz="900" b="1" kern="1200" dirty="0" smtClean="0"/>
-            <a:t>Nr.: xxx</a:t>
+            <a:t>Nr.: </a:t>
+          </a:r>
+          <a:r>
+            <a:rPr lang="de-DE" sz="900" b="1" kern="1200" dirty="0" smtClean="0"/>
+            <a:t>100</a:t>
           </a:r>
           <a:r>
             <a:rPr lang="de-DE" sz="900" kern="1200" dirty="0" smtClean="0"/>
-            <a:t>, Als Student möchte ich mich zur Verwaltung meiner Daten online einloggen können</a:t>
+            <a:t>, </a:t>
+          </a:r>
+          <a:r>
+            <a:rPr lang="de-DE" sz="900" kern="1200" dirty="0" smtClean="0"/>
+            <a:t>Als Student möchte ich mich zur Verwaltung meiner Daten online einloggen können</a:t>
           </a:r>
           <a:endParaRPr lang="de-DE" sz="900" kern="1200" dirty="0"/>
         </a:p>
@@ -3798,7 +3910,23 @@
                 <a:srgbClr val="00B0F0"/>
               </a:solidFill>
             </a:rPr>
-            <a:t>Nr.: xxx, Als Mitarbeiter möchte ich div. Nutzer anlegen können</a:t>
+            <a:t>Nr.: </a:t>
+          </a:r>
+          <a:r>
+            <a:rPr lang="de-DE" sz="1050" b="1" kern="1200" dirty="0" smtClean="0">
+              <a:solidFill>
+                <a:srgbClr val="00B0F0"/>
+              </a:solidFill>
+            </a:rPr>
+            <a:t>550, </a:t>
+          </a:r>
+          <a:r>
+            <a:rPr lang="de-DE" sz="1050" b="1" kern="1200" dirty="0" smtClean="0">
+              <a:solidFill>
+                <a:srgbClr val="00B0F0"/>
+              </a:solidFill>
+            </a:rPr>
+            <a:t>Als Mitarbeiter möchte ich div. Nutzer anlegen können</a:t>
           </a:r>
           <a:endParaRPr lang="de-DE" sz="1050" b="1" kern="1200" dirty="0">
             <a:solidFill>
@@ -3956,7 +4084,23 @@
                 <a:srgbClr val="00B0F0"/>
               </a:solidFill>
             </a:rPr>
-            <a:t>Nr.: xxx, Als Mitarbeiter möchte ich Noten für Teilnehmer eintragen können</a:t>
+            <a:t>Nr.: </a:t>
+          </a:r>
+          <a:r>
+            <a:rPr lang="de-DE" sz="1050" b="1" kern="1200" dirty="0" smtClean="0">
+              <a:solidFill>
+                <a:srgbClr val="00B0F0"/>
+              </a:solidFill>
+            </a:rPr>
+            <a:t>430a, </a:t>
+          </a:r>
+          <a:r>
+            <a:rPr lang="de-DE" sz="1050" b="1" kern="1200" dirty="0" smtClean="0">
+              <a:solidFill>
+                <a:srgbClr val="00B0F0"/>
+              </a:solidFill>
+            </a:rPr>
+            <a:t>Als Mitarbeiter möchte ich Noten für Teilnehmer eintragen können</a:t>
           </a:r>
           <a:endParaRPr lang="de-DE" sz="1050" b="1" kern="1200" dirty="0">
             <a:solidFill>
@@ -4264,7 +4408,15 @@
                 <a:srgbClr val="00B050"/>
               </a:solidFill>
             </a:rPr>
-            <a:t>Nr.: xxx</a:t>
+            <a:t>Nr.: </a:t>
+          </a:r>
+          <a:r>
+            <a:rPr lang="de-DE" sz="900" b="1" i="0" kern="1200" dirty="0" smtClean="0">
+              <a:solidFill>
+                <a:srgbClr val="00B050"/>
+              </a:solidFill>
+            </a:rPr>
+            <a:t>150a</a:t>
           </a:r>
           <a:r>
             <a:rPr lang="de-DE" sz="900" kern="1200" dirty="0" smtClean="0">
@@ -4272,7 +4424,15 @@
                 <a:srgbClr val="00B050"/>
               </a:solidFill>
             </a:rPr>
-            <a:t>, Als Dozent möchte ich Teilnehmerlisten erzeugen können</a:t>
+            <a:t>, </a:t>
+          </a:r>
+          <a:r>
+            <a:rPr lang="de-DE" sz="900" kern="1200" dirty="0" smtClean="0">
+              <a:solidFill>
+                <a:srgbClr val="00B050"/>
+              </a:solidFill>
+            </a:rPr>
+            <a:t>Als Dozent möchte ich Teilnehmerlisten erzeugen können</a:t>
           </a:r>
           <a:endParaRPr lang="de-DE" sz="900" kern="1200" dirty="0">
             <a:solidFill>
@@ -4430,7 +4590,15 @@
                 <a:srgbClr val="00B050"/>
               </a:solidFill>
             </a:rPr>
-            <a:t>Nr.: xxx, </a:t>
+            <a:t>Nr.: </a:t>
+          </a:r>
+          <a:r>
+            <a:rPr lang="de-DE" sz="900" b="1" kern="1200" dirty="0" smtClean="0">
+              <a:solidFill>
+                <a:srgbClr val="00B050"/>
+              </a:solidFill>
+            </a:rPr>
+            <a:t>390, </a:t>
           </a:r>
           <a:r>
             <a:rPr lang="de-DE" sz="900" kern="1200" dirty="0" smtClean="0">
@@ -4596,7 +4764,15 @@
                 <a:srgbClr val="00B050"/>
               </a:solidFill>
             </a:rPr>
-            <a:t>Nr.: xxx</a:t>
+            <a:t>Nr.: </a:t>
+          </a:r>
+          <a:r>
+            <a:rPr lang="de-DE" sz="900" b="1" kern="1200" dirty="0" smtClean="0">
+              <a:solidFill>
+                <a:srgbClr val="00B050"/>
+              </a:solidFill>
+            </a:rPr>
+            <a:t>380</a:t>
           </a:r>
           <a:r>
             <a:rPr lang="de-DE" sz="900" kern="1200" dirty="0" smtClean="0">
@@ -4604,7 +4780,15 @@
                 <a:srgbClr val="00B050"/>
               </a:solidFill>
             </a:rPr>
-            <a:t>, Als Dozent möchte ich Emails an alle Teilnehmer einer Veranstaltung schicken können</a:t>
+            <a:t>, </a:t>
+          </a:r>
+          <a:r>
+            <a:rPr lang="de-DE" sz="900" kern="1200" dirty="0" smtClean="0">
+              <a:solidFill>
+                <a:srgbClr val="00B050"/>
+              </a:solidFill>
+            </a:rPr>
+            <a:t>Als Dozent möchte ich Emails an alle Teilnehmer einer Veranstaltung schicken können</a:t>
           </a:r>
           <a:endParaRPr lang="de-DE" sz="900" kern="1200" dirty="0">
             <a:solidFill>
@@ -4912,7 +5096,31 @@
                 <a:srgbClr val="00B050"/>
               </a:solidFill>
             </a:rPr>
-            <a:t>Nr.: xxx</a:t>
+            <a:t>Nr</a:t>
+          </a:r>
+          <a:r>
+            <a:rPr lang="de-DE" sz="900" b="1" kern="1200" smtClean="0">
+              <a:solidFill>
+                <a:srgbClr val="00B050"/>
+              </a:solidFill>
+            </a:rPr>
+            <a:t>.: </a:t>
+          </a:r>
+          <a:r>
+            <a:rPr lang="de-DE" sz="900" b="1" kern="1200" smtClean="0">
+              <a:solidFill>
+                <a:srgbClr val="00B050"/>
+              </a:solidFill>
+            </a:rPr>
+            <a:t>300</a:t>
+          </a:r>
+          <a:r>
+            <a:rPr lang="de-DE" sz="900" kern="1200" smtClean="0">
+              <a:solidFill>
+                <a:srgbClr val="00B050"/>
+              </a:solidFill>
+            </a:rPr>
+            <a:t>, </a:t>
           </a:r>
           <a:r>
             <a:rPr lang="de-DE" sz="900" kern="1200" dirty="0" smtClean="0">
@@ -4920,7 +5128,7 @@
                 <a:srgbClr val="00B050"/>
               </a:solidFill>
             </a:rPr>
-            <a:t>, Als Entwickler möchte ich </a:t>
+            <a:t>Als Entwickler möchte ich </a:t>
           </a:r>
           <a:r>
             <a:rPr lang="de-DE" sz="900" kern="1200" dirty="0" err="1" smtClean="0">
@@ -11245,11 +11453,19 @@
             </a:r>
             <a:r>
               <a:rPr lang="de-DE" sz="2000" b="1" dirty="0" smtClean="0"/>
-              <a:t>Nr.: xxx</a:t>
+              <a:t>Nr.: </a:t>
+            </a:r>
+            <a:r>
+              <a:rPr lang="de-DE" sz="2000" b="1" dirty="0"/>
+              <a:t>550</a:t>
             </a:r>
             <a:r>
               <a:rPr lang="de-DE" sz="2000" dirty="0" smtClean="0"/>
-              <a:t>, Als Mitarbeiter möchte ich div. Nutzer anlegen können</a:t>
+              <a:t>, </a:t>
+            </a:r>
+            <a:r>
+              <a:rPr lang="de-DE" sz="2000" dirty="0" smtClean="0"/>
+              <a:t>Als Mitarbeiter möchte ich div. Nutzer anlegen können</a:t>
             </a:r>
             <a:br>
               <a:rPr lang="de-DE" sz="2000" dirty="0" smtClean="0"/>
@@ -11586,11 +11802,19 @@
             </a:r>
             <a:r>
               <a:rPr lang="de-DE" sz="2000" b="1" dirty="0" smtClean="0"/>
-              <a:t>Nr.: xxx</a:t>
+              <a:t>Nr.: </a:t>
+            </a:r>
+            <a:r>
+              <a:rPr lang="de-DE" sz="2000" b="1" dirty="0" smtClean="0"/>
+              <a:t>550</a:t>
             </a:r>
             <a:r>
               <a:rPr lang="de-DE" sz="2000" dirty="0" smtClean="0"/>
-              <a:t>, Als Mitarbeiter möchte ich div. Nutzer anlegen können</a:t>
+              <a:t>, </a:t>
+            </a:r>
+            <a:r>
+              <a:rPr lang="de-DE" sz="2000" dirty="0" smtClean="0"/>
+              <a:t>Als Mitarbeiter möchte ich div. Nutzer anlegen können</a:t>
             </a:r>
             <a:br>
               <a:rPr lang="de-DE" sz="2000" dirty="0" smtClean="0"/>
@@ -11837,11 +12061,19 @@
             </a:r>
             <a:r>
               <a:rPr lang="de-DE" sz="2000" b="1" dirty="0" smtClean="0"/>
-              <a:t>Nr.: xxx</a:t>
+              <a:t>Nr.: </a:t>
+            </a:r>
+            <a:r>
+              <a:rPr lang="de-DE" sz="2000" b="1" dirty="0"/>
+              <a:t>550</a:t>
             </a:r>
             <a:r>
               <a:rPr lang="de-DE" sz="2000" dirty="0" smtClean="0"/>
-              <a:t>, Als Mitarbeiter möchte ich div. Nutzer anlegen können</a:t>
+              <a:t>, </a:t>
+            </a:r>
+            <a:r>
+              <a:rPr lang="de-DE" sz="2000" dirty="0" smtClean="0"/>
+              <a:t>Als Mitarbeiter möchte ich div. Nutzer anlegen können</a:t>
             </a:r>
             <a:br>
               <a:rPr lang="de-DE" sz="2000" dirty="0" smtClean="0"/>
@@ -12173,26 +12405,34 @@
           </a:lstStyle>
           <a:p>
             <a:r>
-              <a:rPr lang="de-DE" sz="2000" smtClean="0"/>
+              <a:rPr lang="de-DE" sz="2000" dirty="0" smtClean="0"/>
               <a:t>User Story  </a:t>
             </a:r>
             <a:r>
-              <a:rPr lang="de-DE" sz="2000" b="1" smtClean="0"/>
-              <a:t>Nr.: xxx</a:t>
-            </a:r>
-            <a:r>
-              <a:rPr lang="de-DE" sz="2000" smtClean="0"/>
-              <a:t>, Als Mitarbeiter möchte ich div. Nutzer anlegen können</a:t>
+              <a:rPr lang="de-DE" sz="2000" b="1" dirty="0" smtClean="0"/>
+              <a:t>Nr.: </a:t>
+            </a:r>
+            <a:r>
+              <a:rPr lang="de-DE" sz="2000" b="1" dirty="0"/>
+              <a:t>550</a:t>
+            </a:r>
+            <a:r>
+              <a:rPr lang="de-DE" sz="2000" dirty="0" smtClean="0"/>
+              <a:t>, </a:t>
+            </a:r>
+            <a:r>
+              <a:rPr lang="de-DE" sz="2000" dirty="0" smtClean="0"/>
+              <a:t>Als Mitarbeiter möchte ich div. Nutzer anlegen können</a:t>
             </a:r>
             <a:br>
-              <a:rPr lang="de-DE" sz="2000" smtClean="0"/>
+              <a:rPr lang="de-DE" sz="2000" dirty="0" smtClean="0"/>
             </a:br>
             <a:r>
-              <a:rPr lang="de-DE" sz="2000" smtClean="0"/>
+              <a:rPr lang="de-DE" sz="2000" dirty="0" smtClean="0"/>
               <a:t> </a:t>
             </a:r>
             <a:r>
-              <a:rPr lang="de-DE" sz="1600" b="1" smtClean="0"/>
+              <a:rPr lang="de-DE" sz="1600" b="1" dirty="0" smtClean="0"/>
               <a:t>  </a:t>
             </a:r>
             <a:endParaRPr lang="de-DE" sz="1600" b="1" dirty="0"/>
@@ -12605,26 +12845,34 @@
           </a:lstStyle>
           <a:p>
             <a:r>
-              <a:rPr lang="de-DE" sz="2000" smtClean="0"/>
+              <a:rPr lang="de-DE" sz="2000" dirty="0" smtClean="0"/>
               <a:t>User Story  </a:t>
             </a:r>
             <a:r>
-              <a:rPr lang="de-DE" sz="2000" b="1" smtClean="0"/>
-              <a:t>Nr.: xxx</a:t>
-            </a:r>
-            <a:r>
-              <a:rPr lang="de-DE" sz="2000" smtClean="0"/>
-              <a:t>, Als Mitarbeiter möchte ich div. Nutzer anlegen können</a:t>
+              <a:rPr lang="de-DE" sz="2000" b="1" dirty="0" smtClean="0"/>
+              <a:t>Nr.: </a:t>
+            </a:r>
+            <a:r>
+              <a:rPr lang="de-DE" sz="2000" b="1" dirty="0"/>
+              <a:t>550</a:t>
+            </a:r>
+            <a:r>
+              <a:rPr lang="de-DE" sz="2000" dirty="0" smtClean="0"/>
+              <a:t>, </a:t>
+            </a:r>
+            <a:r>
+              <a:rPr lang="de-DE" sz="2000" dirty="0" smtClean="0"/>
+              <a:t>Als Mitarbeiter möchte ich div. Nutzer anlegen können</a:t>
             </a:r>
             <a:br>
-              <a:rPr lang="de-DE" sz="2000" smtClean="0"/>
+              <a:rPr lang="de-DE" sz="2000" dirty="0" smtClean="0"/>
             </a:br>
             <a:r>
-              <a:rPr lang="de-DE" sz="2000" smtClean="0"/>
+              <a:rPr lang="de-DE" sz="2000" dirty="0" smtClean="0"/>
               <a:t> </a:t>
             </a:r>
             <a:r>
-              <a:rPr lang="de-DE" sz="1600" b="1" smtClean="0"/>
+              <a:rPr lang="de-DE" sz="1600" b="1" dirty="0" smtClean="0"/>
               <a:t>  </a:t>
             </a:r>
             <a:endParaRPr lang="de-DE" sz="1600" b="1" dirty="0"/>
@@ -12901,26 +13149,34 @@
           </a:lstStyle>
           <a:p>
             <a:r>
-              <a:rPr lang="de-DE" sz="2000" smtClean="0"/>
+              <a:rPr lang="de-DE" sz="2000" dirty="0" smtClean="0"/>
               <a:t>User Story  </a:t>
             </a:r>
             <a:r>
-              <a:rPr lang="de-DE" sz="2000" b="1" smtClean="0"/>
-              <a:t>Nr.: xxx</a:t>
-            </a:r>
-            <a:r>
-              <a:rPr lang="de-DE" sz="2000" smtClean="0"/>
-              <a:t>, Als Mitarbeiter möchte ich div. Nutzer anlegen können</a:t>
+              <a:rPr lang="de-DE" sz="2000" b="1" dirty="0" smtClean="0"/>
+              <a:t>Nr.: </a:t>
+            </a:r>
+            <a:r>
+              <a:rPr lang="de-DE" sz="2000" b="1" dirty="0"/>
+              <a:t>550</a:t>
+            </a:r>
+            <a:r>
+              <a:rPr lang="de-DE" sz="2000" dirty="0" smtClean="0"/>
+              <a:t>, </a:t>
+            </a:r>
+            <a:r>
+              <a:rPr lang="de-DE" sz="2000" dirty="0" smtClean="0"/>
+              <a:t>Als Mitarbeiter möchte ich div. Nutzer anlegen können</a:t>
             </a:r>
             <a:br>
-              <a:rPr lang="de-DE" sz="2000" smtClean="0"/>
+              <a:rPr lang="de-DE" sz="2000" dirty="0" smtClean="0"/>
             </a:br>
             <a:r>
-              <a:rPr lang="de-DE" sz="2000" smtClean="0"/>
+              <a:rPr lang="de-DE" sz="2000" dirty="0" smtClean="0"/>
               <a:t> </a:t>
             </a:r>
             <a:r>
-              <a:rPr lang="de-DE" sz="1600" b="1" smtClean="0"/>
+              <a:rPr lang="de-DE" sz="1600" b="1" dirty="0" smtClean="0"/>
               <a:t>  </a:t>
             </a:r>
             <a:endParaRPr lang="de-DE" sz="1600" b="1" dirty="0"/>
@@ -13215,7 +13471,7 @@
         <p:spPr>
           <a:xfrm>
             <a:off x="179512" y="908720"/>
-            <a:ext cx="8784976" cy="792088"/>
+            <a:ext cx="8856984" cy="792088"/>
           </a:xfrm>
           <a:prstGeom prst="rect">
             <a:avLst/>
@@ -13252,7 +13508,11 @@
             </a:r>
             <a:r>
               <a:rPr lang="de-DE" sz="2000" b="1" dirty="0" smtClean="0"/>
-              <a:t>Nr.: xxx</a:t>
+              <a:t>Nr.: </a:t>
+            </a:r>
+            <a:r>
+              <a:rPr lang="de-DE" sz="2000" b="1" dirty="0" smtClean="0"/>
+              <a:t>430a</a:t>
             </a:r>
             <a:r>
               <a:rPr lang="de-DE" sz="2000" dirty="0" smtClean="0"/>
@@ -13840,75 +14100,6 @@
       </p:pic>
       <p:sp>
         <p:nvSpPr>
-          <p:cNvPr id="5" name="Titel 1"/>
-          <p:cNvSpPr txBox="1">
-            <a:spLocks/>
-          </p:cNvSpPr>
-          <p:nvPr/>
-        </p:nvSpPr>
-        <p:spPr>
-          <a:xfrm>
-            <a:off x="179512" y="908720"/>
-            <a:ext cx="8784976" cy="792088"/>
-          </a:xfrm>
-          <a:prstGeom prst="rect">
-            <a:avLst/>
-          </a:prstGeom>
-        </p:spPr>
-        <p:txBody>
-          <a:bodyPr vert="horz" lIns="0" rIns="0" bIns="0" anchor="b">
-            <a:normAutofit fontScale="92500"/>
-          </a:bodyPr>
-          <a:lstStyle>
-            <a:lvl1pPr algn="l" rtl="0" eaLnBrk="1" latinLnBrk="0" hangingPunct="1">
-              <a:spcBef>
-                <a:spcPct val="0"/>
-              </a:spcBef>
-              <a:buNone/>
-              <a:defRPr kumimoji="0" sz="5000" b="0" kern="1200">
-                <a:ln>
-                  <a:noFill/>
-                </a:ln>
-                <a:solidFill>
-                  <a:schemeClr val="tx2"/>
-                </a:solidFill>
-                <a:effectLst/>
-                <a:latin typeface="+mj-lt"/>
-                <a:ea typeface="+mj-ea"/>
-                <a:cs typeface="+mj-cs"/>
-              </a:defRPr>
-            </a:lvl1pPr>
-          </a:lstStyle>
-          <a:p>
-            <a:r>
-              <a:rPr lang="de-DE" sz="2000" dirty="0" smtClean="0"/>
-              <a:t>User Story  </a:t>
-            </a:r>
-            <a:r>
-              <a:rPr lang="de-DE" sz="2000" b="1" dirty="0" smtClean="0"/>
-              <a:t>Nr.: xxx</a:t>
-            </a:r>
-            <a:r>
-              <a:rPr lang="de-DE" sz="2000" dirty="0" smtClean="0"/>
-              <a:t>, Als Mitarbeiter möchte ich Noten für Teilnehmer eintragen können</a:t>
-            </a:r>
-            <a:br>
-              <a:rPr lang="de-DE" sz="2000" dirty="0" smtClean="0"/>
-            </a:br>
-            <a:r>
-              <a:rPr lang="de-DE" sz="2000" dirty="0" smtClean="0"/>
-              <a:t> </a:t>
-            </a:r>
-            <a:r>
-              <a:rPr lang="de-DE" sz="1600" dirty="0" smtClean="0"/>
-              <a:t>  </a:t>
-            </a:r>
-            <a:endParaRPr lang="de-DE" sz="1600" dirty="0"/>
-          </a:p>
-        </p:txBody>
-      </p:sp>
-      <p:sp>
-        <p:nvSpPr>
           <p:cNvPr id="6" name="Titel 1"/>
           <p:cNvSpPr txBox="1">
             <a:spLocks/>
@@ -14168,6 +14359,83 @@
           </a:p>
         </p:txBody>
       </p:sp>
+      <p:sp>
+        <p:nvSpPr>
+          <p:cNvPr id="11" name="Titel 1"/>
+          <p:cNvSpPr txBox="1">
+            <a:spLocks/>
+          </p:cNvSpPr>
+          <p:nvPr/>
+        </p:nvSpPr>
+        <p:spPr>
+          <a:xfrm>
+            <a:off x="179512" y="908720"/>
+            <a:ext cx="8856984" cy="792088"/>
+          </a:xfrm>
+          <a:prstGeom prst="rect">
+            <a:avLst/>
+          </a:prstGeom>
+        </p:spPr>
+        <p:txBody>
+          <a:bodyPr vert="horz" lIns="0" rIns="0" bIns="0" anchor="b">
+            <a:normAutofit fontScale="92500"/>
+          </a:bodyPr>
+          <a:lstStyle>
+            <a:lvl1pPr algn="l" rtl="0" eaLnBrk="1" latinLnBrk="0" hangingPunct="1">
+              <a:spcBef>
+                <a:spcPct val="0"/>
+              </a:spcBef>
+              <a:buNone/>
+              <a:defRPr kumimoji="0" sz="5000" b="0" kern="1200">
+                <a:ln>
+                  <a:noFill/>
+                </a:ln>
+                <a:solidFill>
+                  <a:schemeClr val="tx2"/>
+                </a:solidFill>
+                <a:effectLst/>
+                <a:latin typeface="+mj-lt"/>
+                <a:ea typeface="+mj-ea"/>
+                <a:cs typeface="+mj-cs"/>
+              </a:defRPr>
+            </a:lvl1pPr>
+          </a:lstStyle>
+          <a:p>
+            <a:r>
+              <a:rPr lang="de-DE" sz="2000" dirty="0" smtClean="0"/>
+              <a:t>User Story  </a:t>
+            </a:r>
+            <a:r>
+              <a:rPr lang="de-DE" sz="2000" b="1" dirty="0" smtClean="0"/>
+              <a:t>Nr.: </a:t>
+            </a:r>
+            <a:r>
+              <a:rPr lang="de-DE" sz="2000" b="1" dirty="0" smtClean="0"/>
+              <a:t>430a</a:t>
+            </a:r>
+            <a:r>
+              <a:rPr lang="de-DE" sz="2000" dirty="0" smtClean="0"/>
+              <a:t>, </a:t>
+            </a:r>
+            <a:r>
+              <a:rPr lang="de-DE" sz="2000" dirty="0" smtClean="0"/>
+              <a:t>Als Mitarbeiter möchte ich Noten für Teilnehmer eintragen können</a:t>
+            </a:r>
+            <a:br>
+              <a:rPr lang="de-DE" sz="2000" dirty="0" smtClean="0"/>
+            </a:br>
+            <a:r>
+              <a:rPr lang="de-DE" sz="2000" dirty="0" smtClean="0"/>
+              <a:t> </a:t>
+            </a:r>
+            <a:r>
+              <a:rPr lang="de-DE" sz="1600" b="1" dirty="0" smtClean="0"/>
+              <a:t>  </a:t>
+            </a:r>
+            <a:endParaRPr lang="de-DE" sz="1600" b="1" dirty="0"/>
+          </a:p>
+        </p:txBody>
+      </p:sp>
     </p:spTree>
     <p:extLst>
       <p:ext uri="{BB962C8B-B14F-4D97-AF65-F5344CB8AC3E}">
@@ -14205,75 +14473,6 @@
           <a:chExt cx="0" cy="0"/>
         </a:xfrm>
       </p:grpSpPr>
-      <p:sp>
-        <p:nvSpPr>
-          <p:cNvPr id="5" name="Titel 1"/>
-          <p:cNvSpPr txBox="1">
-            <a:spLocks/>
-          </p:cNvSpPr>
-          <p:nvPr/>
-        </p:nvSpPr>
-        <p:spPr>
-          <a:xfrm>
-            <a:off x="179512" y="908720"/>
-            <a:ext cx="8784976" cy="792088"/>
-          </a:xfrm>
-          <a:prstGeom prst="rect">
-            <a:avLst/>
-          </a:prstGeom>
-        </p:spPr>
-        <p:txBody>
-          <a:bodyPr vert="horz" lIns="0" rIns="0" bIns="0" anchor="b">
-            <a:normAutofit fontScale="92500"/>
-          </a:bodyPr>
-          <a:lstStyle>
-            <a:lvl1pPr algn="l" rtl="0" eaLnBrk="1" latinLnBrk="0" hangingPunct="1">
-              <a:spcBef>
-                <a:spcPct val="0"/>
-              </a:spcBef>
-              <a:buNone/>
-              <a:defRPr kumimoji="0" sz="5000" b="0" kern="1200">
-                <a:ln>
-                  <a:noFill/>
-                </a:ln>
-                <a:solidFill>
-                  <a:schemeClr val="tx2"/>
-                </a:solidFill>
-                <a:effectLst/>
-                <a:latin typeface="+mj-lt"/>
-                <a:ea typeface="+mj-ea"/>
-                <a:cs typeface="+mj-cs"/>
-              </a:defRPr>
-            </a:lvl1pPr>
-          </a:lstStyle>
-          <a:p>
-            <a:r>
-              <a:rPr lang="de-DE" sz="2000" dirty="0" smtClean="0"/>
-              <a:t>User Story  </a:t>
-            </a:r>
-            <a:r>
-              <a:rPr lang="de-DE" sz="2000" b="1" dirty="0" smtClean="0"/>
-              <a:t>Nr.: xxx</a:t>
-            </a:r>
-            <a:r>
-              <a:rPr lang="de-DE" sz="2000" dirty="0" smtClean="0"/>
-              <a:t>, Als Mitarbeiter möchte ich Noten für Teilnehmer eintragen können</a:t>
-            </a:r>
-            <a:br>
-              <a:rPr lang="de-DE" sz="2000" dirty="0" smtClean="0"/>
-            </a:br>
-            <a:r>
-              <a:rPr lang="de-DE" sz="2000" dirty="0" smtClean="0"/>
-              <a:t> </a:t>
-            </a:r>
-            <a:r>
-              <a:rPr lang="de-DE" sz="1600" dirty="0" smtClean="0"/>
-              <a:t>  </a:t>
-            </a:r>
-            <a:endParaRPr lang="de-DE" sz="1600" dirty="0"/>
-          </a:p>
-        </p:txBody>
-      </p:sp>
       <p:sp>
         <p:nvSpPr>
           <p:cNvPr id="6" name="Titel 1"/>
@@ -14580,6 +14779,83 @@
           </a:p>
         </p:txBody>
       </p:sp>
+      <p:sp>
+        <p:nvSpPr>
+          <p:cNvPr id="11" name="Titel 1"/>
+          <p:cNvSpPr txBox="1">
+            <a:spLocks/>
+          </p:cNvSpPr>
+          <p:nvPr/>
+        </p:nvSpPr>
+        <p:spPr>
+          <a:xfrm>
+            <a:off x="179512" y="908720"/>
+            <a:ext cx="8856984" cy="792088"/>
+          </a:xfrm>
+          <a:prstGeom prst="rect">
+            <a:avLst/>
+          </a:prstGeom>
+        </p:spPr>
+        <p:txBody>
+          <a:bodyPr vert="horz" lIns="0" rIns="0" bIns="0" anchor="b">
+            <a:normAutofit fontScale="92500"/>
+          </a:bodyPr>
+          <a:lstStyle>
+            <a:lvl1pPr algn="l" rtl="0" eaLnBrk="1" latinLnBrk="0" hangingPunct="1">
+              <a:spcBef>
+                <a:spcPct val="0"/>
+              </a:spcBef>
+              <a:buNone/>
+              <a:defRPr kumimoji="0" sz="5000" b="0" kern="1200">
+                <a:ln>
+                  <a:noFill/>
+                </a:ln>
+                <a:solidFill>
+                  <a:schemeClr val="tx2"/>
+                </a:solidFill>
+                <a:effectLst/>
+                <a:latin typeface="+mj-lt"/>
+                <a:ea typeface="+mj-ea"/>
+                <a:cs typeface="+mj-cs"/>
+              </a:defRPr>
+            </a:lvl1pPr>
+          </a:lstStyle>
+          <a:p>
+            <a:r>
+              <a:rPr lang="de-DE" sz="2000" dirty="0" smtClean="0"/>
+              <a:t>User Story  </a:t>
+            </a:r>
+            <a:r>
+              <a:rPr lang="de-DE" sz="2000" b="1" dirty="0" smtClean="0"/>
+              <a:t>Nr.: </a:t>
+            </a:r>
+            <a:r>
+              <a:rPr lang="de-DE" sz="2000" b="1" dirty="0" smtClean="0"/>
+              <a:t>430a</a:t>
+            </a:r>
+            <a:r>
+              <a:rPr lang="de-DE" sz="2000" dirty="0" smtClean="0"/>
+              <a:t>, </a:t>
+            </a:r>
+            <a:r>
+              <a:rPr lang="de-DE" sz="2000" dirty="0" smtClean="0"/>
+              <a:t>Als Mitarbeiter möchte ich Noten für Teilnehmer eintragen können</a:t>
+            </a:r>
+            <a:br>
+              <a:rPr lang="de-DE" sz="2000" dirty="0" smtClean="0"/>
+            </a:br>
+            <a:r>
+              <a:rPr lang="de-DE" sz="2000" dirty="0" smtClean="0"/>
+              <a:t> </a:t>
+            </a:r>
+            <a:r>
+              <a:rPr lang="de-DE" sz="1600" b="1" dirty="0" smtClean="0"/>
+              <a:t>  </a:t>
+            </a:r>
+            <a:endParaRPr lang="de-DE" sz="1600" b="1" dirty="0"/>
+          </a:p>
+        </p:txBody>
+      </p:sp>
     </p:spTree>
     <p:extLst>
       <p:ext uri="{BB962C8B-B14F-4D97-AF65-F5344CB8AC3E}">
@@ -14662,75 +14938,6 @@
           </a:fontRef>
         </p:style>
       </p:pic>
-      <p:sp>
-        <p:nvSpPr>
-          <p:cNvPr id="5" name="Titel 1"/>
-          <p:cNvSpPr txBox="1">
-            <a:spLocks/>
-          </p:cNvSpPr>
-          <p:nvPr/>
-        </p:nvSpPr>
-        <p:spPr>
-          <a:xfrm>
-            <a:off x="179512" y="908720"/>
-            <a:ext cx="8784976" cy="792088"/>
-          </a:xfrm>
-          <a:prstGeom prst="rect">
-            <a:avLst/>
-          </a:prstGeom>
-        </p:spPr>
-        <p:txBody>
-          <a:bodyPr vert="horz" lIns="0" rIns="0" bIns="0" anchor="b">
-            <a:normAutofit fontScale="92500"/>
-          </a:bodyPr>
-          <a:lstStyle>
-            <a:lvl1pPr algn="l" rtl="0" eaLnBrk="1" latinLnBrk="0" hangingPunct="1">
-              <a:spcBef>
-                <a:spcPct val="0"/>
-              </a:spcBef>
-              <a:buNone/>
-              <a:defRPr kumimoji="0" sz="5000" b="0" kern="1200">
-                <a:ln>
-                  <a:noFill/>
-                </a:ln>
-                <a:solidFill>
-                  <a:schemeClr val="tx2"/>
-                </a:solidFill>
-                <a:effectLst/>
-                <a:latin typeface="+mj-lt"/>
-                <a:ea typeface="+mj-ea"/>
-                <a:cs typeface="+mj-cs"/>
-              </a:defRPr>
-            </a:lvl1pPr>
-          </a:lstStyle>
-          <a:p>
-            <a:r>
-              <a:rPr lang="de-DE" sz="2000" dirty="0" smtClean="0"/>
-              <a:t>User Story  </a:t>
-            </a:r>
-            <a:r>
-              <a:rPr lang="de-DE" sz="2000" b="1" dirty="0" smtClean="0"/>
-              <a:t>Nr.: xxx</a:t>
-            </a:r>
-            <a:r>
-              <a:rPr lang="de-DE" sz="2000" dirty="0" smtClean="0"/>
-              <a:t>, Als Mitarbeiter möchte ich Noten für Teilnehmer eintragen können</a:t>
-            </a:r>
-            <a:br>
-              <a:rPr lang="de-DE" sz="2000" dirty="0" smtClean="0"/>
-            </a:br>
-            <a:r>
-              <a:rPr lang="de-DE" sz="2000" dirty="0" smtClean="0"/>
-              <a:t> </a:t>
-            </a:r>
-            <a:r>
-              <a:rPr lang="de-DE" sz="1600" dirty="0" smtClean="0"/>
-              <a:t>  </a:t>
-            </a:r>
-            <a:endParaRPr lang="de-DE" sz="1600" dirty="0"/>
-          </a:p>
-        </p:txBody>
-      </p:sp>
       <p:sp>
         <p:nvSpPr>
           <p:cNvPr id="6" name="Titel 1"/>
@@ -14938,6 +15145,83 @@
           </a:p>
         </p:txBody>
       </p:sp>
+      <p:sp>
+        <p:nvSpPr>
+          <p:cNvPr id="9" name="Titel 1"/>
+          <p:cNvSpPr txBox="1">
+            <a:spLocks/>
+          </p:cNvSpPr>
+          <p:nvPr/>
+        </p:nvSpPr>
+        <p:spPr>
+          <a:xfrm>
+            <a:off x="179512" y="908720"/>
+            <a:ext cx="8856984" cy="792088"/>
+          </a:xfrm>
+          <a:prstGeom prst="rect">
+            <a:avLst/>
+          </a:prstGeom>
+        </p:spPr>
+        <p:txBody>
+          <a:bodyPr vert="horz" lIns="0" rIns="0" bIns="0" anchor="b">
+            <a:normAutofit fontScale="92500"/>
+          </a:bodyPr>
+          <a:lstStyle>
+            <a:lvl1pPr algn="l" rtl="0" eaLnBrk="1" latinLnBrk="0" hangingPunct="1">
+              <a:spcBef>
+                <a:spcPct val="0"/>
+              </a:spcBef>
+              <a:buNone/>
+              <a:defRPr kumimoji="0" sz="5000" b="0" kern="1200">
+                <a:ln>
+                  <a:noFill/>
+                </a:ln>
+                <a:solidFill>
+                  <a:schemeClr val="tx2"/>
+                </a:solidFill>
+                <a:effectLst/>
+                <a:latin typeface="+mj-lt"/>
+                <a:ea typeface="+mj-ea"/>
+                <a:cs typeface="+mj-cs"/>
+              </a:defRPr>
+            </a:lvl1pPr>
+          </a:lstStyle>
+          <a:p>
+            <a:r>
+              <a:rPr lang="de-DE" sz="2000" dirty="0" smtClean="0"/>
+              <a:t>User Story  </a:t>
+            </a:r>
+            <a:r>
+              <a:rPr lang="de-DE" sz="2000" b="1" dirty="0" smtClean="0"/>
+              <a:t>Nr.: </a:t>
+            </a:r>
+            <a:r>
+              <a:rPr lang="de-DE" sz="2000" b="1" dirty="0" smtClean="0"/>
+              <a:t>430a</a:t>
+            </a:r>
+            <a:r>
+              <a:rPr lang="de-DE" sz="2000" dirty="0" smtClean="0"/>
+              <a:t>, </a:t>
+            </a:r>
+            <a:r>
+              <a:rPr lang="de-DE" sz="2000" dirty="0" smtClean="0"/>
+              <a:t>Als Mitarbeiter möchte ich Noten für Teilnehmer eintragen können</a:t>
+            </a:r>
+            <a:br>
+              <a:rPr lang="de-DE" sz="2000" dirty="0" smtClean="0"/>
+            </a:br>
+            <a:r>
+              <a:rPr lang="de-DE" sz="2000" dirty="0" smtClean="0"/>
+              <a:t> </a:t>
+            </a:r>
+            <a:r>
+              <a:rPr lang="de-DE" sz="1600" b="1" dirty="0" smtClean="0"/>
+              <a:t>  </a:t>
+            </a:r>
+            <a:endParaRPr lang="de-DE" sz="1600" b="1" dirty="0"/>
+          </a:p>
+        </p:txBody>
+      </p:sp>
     </p:spTree>
     <p:extLst>
       <p:ext uri="{BB962C8B-B14F-4D97-AF65-F5344CB8AC3E}">
@@ -15170,75 +15454,6 @@
           </a:fontRef>
         </p:style>
       </p:pic>
-      <p:sp>
-        <p:nvSpPr>
-          <p:cNvPr id="5" name="Titel 1"/>
-          <p:cNvSpPr txBox="1">
-            <a:spLocks/>
-          </p:cNvSpPr>
-          <p:nvPr/>
-        </p:nvSpPr>
-        <p:spPr>
-          <a:xfrm>
-            <a:off x="179512" y="908720"/>
-            <a:ext cx="8784976" cy="792088"/>
-          </a:xfrm>
-          <a:prstGeom prst="rect">
-            <a:avLst/>
-          </a:prstGeom>
-        </p:spPr>
-        <p:txBody>
-          <a:bodyPr vert="horz" lIns="0" rIns="0" bIns="0" anchor="b">
-            <a:normAutofit fontScale="92500"/>
-          </a:bodyPr>
-          <a:lstStyle>
-            <a:lvl1pPr algn="l" rtl="0" eaLnBrk="1" latinLnBrk="0" hangingPunct="1">
-              <a:spcBef>
-                <a:spcPct val="0"/>
-              </a:spcBef>
-              <a:buNone/>
-              <a:defRPr kumimoji="0" sz="5000" b="0" kern="1200">
-                <a:ln>
-                  <a:noFill/>
-                </a:ln>
-                <a:solidFill>
-                  <a:schemeClr val="tx2"/>
-                </a:solidFill>
-                <a:effectLst/>
-                <a:latin typeface="+mj-lt"/>
-                <a:ea typeface="+mj-ea"/>
-                <a:cs typeface="+mj-cs"/>
-              </a:defRPr>
-            </a:lvl1pPr>
-          </a:lstStyle>
-          <a:p>
-            <a:r>
-              <a:rPr lang="de-DE" sz="2000" dirty="0" smtClean="0"/>
-              <a:t>User Story  </a:t>
-            </a:r>
-            <a:r>
-              <a:rPr lang="de-DE" sz="2000" b="1" dirty="0" smtClean="0"/>
-              <a:t>Nr.: xxx</a:t>
-            </a:r>
-            <a:r>
-              <a:rPr lang="de-DE" sz="2000" dirty="0" smtClean="0"/>
-              <a:t>, Als Mitarbeiter möchte ich Noten für Teilnehmer eintragen können</a:t>
-            </a:r>
-            <a:br>
-              <a:rPr lang="de-DE" sz="2000" dirty="0" smtClean="0"/>
-            </a:br>
-            <a:r>
-              <a:rPr lang="de-DE" sz="2000" dirty="0" smtClean="0"/>
-              <a:t> </a:t>
-            </a:r>
-            <a:r>
-              <a:rPr lang="de-DE" sz="1600" dirty="0" smtClean="0"/>
-              <a:t>  </a:t>
-            </a:r>
-            <a:endParaRPr lang="de-DE" sz="1600" dirty="0"/>
-          </a:p>
-        </p:txBody>
-      </p:sp>
       <p:sp>
         <p:nvSpPr>
           <p:cNvPr id="6" name="Titel 1"/>
@@ -15442,6 +15657,83 @@
           </a:p>
         </p:txBody>
       </p:sp>
+      <p:sp>
+        <p:nvSpPr>
+          <p:cNvPr id="8" name="Titel 1"/>
+          <p:cNvSpPr txBox="1">
+            <a:spLocks/>
+          </p:cNvSpPr>
+          <p:nvPr/>
+        </p:nvSpPr>
+        <p:spPr>
+          <a:xfrm>
+            <a:off x="179512" y="908720"/>
+            <a:ext cx="8856984" cy="792088"/>
+          </a:xfrm>
+          <a:prstGeom prst="rect">
+            <a:avLst/>
+          </a:prstGeom>
+        </p:spPr>
+        <p:txBody>
+          <a:bodyPr vert="horz" lIns="0" rIns="0" bIns="0" anchor="b">
+            <a:normAutofit fontScale="92500"/>
+          </a:bodyPr>
+          <a:lstStyle>
+            <a:lvl1pPr algn="l" rtl="0" eaLnBrk="1" latinLnBrk="0" hangingPunct="1">
+              <a:spcBef>
+                <a:spcPct val="0"/>
+              </a:spcBef>
+              <a:buNone/>
+              <a:defRPr kumimoji="0" sz="5000" b="0" kern="1200">
+                <a:ln>
+                  <a:noFill/>
+                </a:ln>
+                <a:solidFill>
+                  <a:schemeClr val="tx2"/>
+                </a:solidFill>
+                <a:effectLst/>
+                <a:latin typeface="+mj-lt"/>
+                <a:ea typeface="+mj-ea"/>
+                <a:cs typeface="+mj-cs"/>
+              </a:defRPr>
+            </a:lvl1pPr>
+          </a:lstStyle>
+          <a:p>
+            <a:r>
+              <a:rPr lang="de-DE" sz="2000" dirty="0" smtClean="0"/>
+              <a:t>User Story  </a:t>
+            </a:r>
+            <a:r>
+              <a:rPr lang="de-DE" sz="2000" b="1" dirty="0" smtClean="0"/>
+              <a:t>Nr.: </a:t>
+            </a:r>
+            <a:r>
+              <a:rPr lang="de-DE" sz="2000" b="1" dirty="0" smtClean="0"/>
+              <a:t>430a</a:t>
+            </a:r>
+            <a:r>
+              <a:rPr lang="de-DE" sz="2000" dirty="0" smtClean="0"/>
+              <a:t>, </a:t>
+            </a:r>
+            <a:r>
+              <a:rPr lang="de-DE" sz="2000" dirty="0" smtClean="0"/>
+              <a:t>Als Mitarbeiter möchte ich Noten für Teilnehmer eintragen können</a:t>
+            </a:r>
+            <a:br>
+              <a:rPr lang="de-DE" sz="2000" dirty="0" smtClean="0"/>
+            </a:br>
+            <a:r>
+              <a:rPr lang="de-DE" sz="2000" dirty="0" smtClean="0"/>
+              <a:t> </a:t>
+            </a:r>
+            <a:r>
+              <a:rPr lang="de-DE" sz="1600" b="1" dirty="0" smtClean="0"/>
+              <a:t>  </a:t>
+            </a:r>
+            <a:endParaRPr lang="de-DE" sz="1600" b="1" dirty="0"/>
+          </a:p>
+        </p:txBody>
+      </p:sp>
     </p:spTree>
     <p:extLst>
       <p:ext uri="{BB962C8B-B14F-4D97-AF65-F5344CB8AC3E}">
@@ -15524,75 +15816,6 @@
           </a:fontRef>
         </p:style>
       </p:pic>
-      <p:sp>
-        <p:nvSpPr>
-          <p:cNvPr id="5" name="Titel 1"/>
-          <p:cNvSpPr txBox="1">
-            <a:spLocks/>
-          </p:cNvSpPr>
-          <p:nvPr/>
-        </p:nvSpPr>
-        <p:spPr>
-          <a:xfrm>
-            <a:off x="179512" y="908720"/>
-            <a:ext cx="8784976" cy="792088"/>
-          </a:xfrm>
-          <a:prstGeom prst="rect">
-            <a:avLst/>
-          </a:prstGeom>
-        </p:spPr>
-        <p:txBody>
-          <a:bodyPr vert="horz" lIns="0" rIns="0" bIns="0" anchor="b">
-            <a:normAutofit fontScale="92500"/>
-          </a:bodyPr>
-          <a:lstStyle>
-            <a:lvl1pPr algn="l" rtl="0" eaLnBrk="1" latinLnBrk="0" hangingPunct="1">
-              <a:spcBef>
-                <a:spcPct val="0"/>
-              </a:spcBef>
-              <a:buNone/>
-              <a:defRPr kumimoji="0" sz="5000" b="0" kern="1200">
-                <a:ln>
-                  <a:noFill/>
-                </a:ln>
-                <a:solidFill>
-                  <a:schemeClr val="tx2"/>
-                </a:solidFill>
-                <a:effectLst/>
-                <a:latin typeface="+mj-lt"/>
-                <a:ea typeface="+mj-ea"/>
-                <a:cs typeface="+mj-cs"/>
-              </a:defRPr>
-            </a:lvl1pPr>
-          </a:lstStyle>
-          <a:p>
-            <a:r>
-              <a:rPr lang="de-DE" sz="2000" dirty="0" smtClean="0"/>
-              <a:t>User Story  </a:t>
-            </a:r>
-            <a:r>
-              <a:rPr lang="de-DE" sz="2000" b="1" dirty="0" smtClean="0"/>
-              <a:t>Nr.: xxx</a:t>
-            </a:r>
-            <a:r>
-              <a:rPr lang="de-DE" sz="2000" dirty="0" smtClean="0"/>
-              <a:t>, Als Mitarbeiter möchte ich Noten für Teilnehmer eintragen können</a:t>
-            </a:r>
-            <a:br>
-              <a:rPr lang="de-DE" sz="2000" dirty="0" smtClean="0"/>
-            </a:br>
-            <a:r>
-              <a:rPr lang="de-DE" sz="2000" dirty="0" smtClean="0"/>
-              <a:t> </a:t>
-            </a:r>
-            <a:r>
-              <a:rPr lang="de-DE" sz="1600" dirty="0" smtClean="0"/>
-              <a:t>  </a:t>
-            </a:r>
-            <a:endParaRPr lang="de-DE" sz="1600" dirty="0"/>
-          </a:p>
-        </p:txBody>
-      </p:sp>
       <p:sp>
         <p:nvSpPr>
           <p:cNvPr id="6" name="Titel 1"/>
@@ -15858,6 +16081,83 @@
           </a:p>
         </p:txBody>
       </p:sp>
+      <p:sp>
+        <p:nvSpPr>
+          <p:cNvPr id="9" name="Titel 1"/>
+          <p:cNvSpPr txBox="1">
+            <a:spLocks/>
+          </p:cNvSpPr>
+          <p:nvPr/>
+        </p:nvSpPr>
+        <p:spPr>
+          <a:xfrm>
+            <a:off x="179512" y="908720"/>
+            <a:ext cx="8856984" cy="792088"/>
+          </a:xfrm>
+          <a:prstGeom prst="rect">
+            <a:avLst/>
+          </a:prstGeom>
+        </p:spPr>
+        <p:txBody>
+          <a:bodyPr vert="horz" lIns="0" rIns="0" bIns="0" anchor="b">
+            <a:normAutofit fontScale="92500"/>
+          </a:bodyPr>
+          <a:lstStyle>
+            <a:lvl1pPr algn="l" rtl="0" eaLnBrk="1" latinLnBrk="0" hangingPunct="1">
+              <a:spcBef>
+                <a:spcPct val="0"/>
+              </a:spcBef>
+              <a:buNone/>
+              <a:defRPr kumimoji="0" sz="5000" b="0" kern="1200">
+                <a:ln>
+                  <a:noFill/>
+                </a:ln>
+                <a:solidFill>
+                  <a:schemeClr val="tx2"/>
+                </a:solidFill>
+                <a:effectLst/>
+                <a:latin typeface="+mj-lt"/>
+                <a:ea typeface="+mj-ea"/>
+                <a:cs typeface="+mj-cs"/>
+              </a:defRPr>
+            </a:lvl1pPr>
+          </a:lstStyle>
+          <a:p>
+            <a:r>
+              <a:rPr lang="de-DE" sz="2000" dirty="0" smtClean="0"/>
+              <a:t>User Story  </a:t>
+            </a:r>
+            <a:r>
+              <a:rPr lang="de-DE" sz="2000" b="1" dirty="0" smtClean="0"/>
+              <a:t>Nr.: </a:t>
+            </a:r>
+            <a:r>
+              <a:rPr lang="de-DE" sz="2000" b="1" dirty="0" smtClean="0"/>
+              <a:t>430a</a:t>
+            </a:r>
+            <a:r>
+              <a:rPr lang="de-DE" sz="2000" dirty="0" smtClean="0"/>
+              <a:t>, </a:t>
+            </a:r>
+            <a:r>
+              <a:rPr lang="de-DE" sz="2000" dirty="0" smtClean="0"/>
+              <a:t>Als Mitarbeiter möchte ich Noten für Teilnehmer eintragen können</a:t>
+            </a:r>
+            <a:br>
+              <a:rPr lang="de-DE" sz="2000" dirty="0" smtClean="0"/>
+            </a:br>
+            <a:r>
+              <a:rPr lang="de-DE" sz="2000" dirty="0" smtClean="0"/>
+              <a:t> </a:t>
+            </a:r>
+            <a:r>
+              <a:rPr lang="de-DE" sz="1600" b="1" dirty="0" smtClean="0"/>
+              <a:t>  </a:t>
+            </a:r>
+            <a:endParaRPr lang="de-DE" sz="1600" b="1" dirty="0"/>
+          </a:p>
+        </p:txBody>
+      </p:sp>
     </p:spTree>
     <p:extLst>
       <p:ext uri="{BB962C8B-B14F-4D97-AF65-F5344CB8AC3E}">
@@ -15895,75 +16195,6 @@
           <a:chExt cx="0" cy="0"/>
         </a:xfrm>
       </p:grpSpPr>
-      <p:sp>
-        <p:nvSpPr>
-          <p:cNvPr id="5" name="Titel 1"/>
-          <p:cNvSpPr txBox="1">
-            <a:spLocks/>
-          </p:cNvSpPr>
-          <p:nvPr/>
-        </p:nvSpPr>
-        <p:spPr>
-          <a:xfrm>
-            <a:off x="179512" y="908720"/>
-            <a:ext cx="8784976" cy="792088"/>
-          </a:xfrm>
-          <a:prstGeom prst="rect">
-            <a:avLst/>
-          </a:prstGeom>
-        </p:spPr>
-        <p:txBody>
-          <a:bodyPr vert="horz" lIns="0" rIns="0" bIns="0" anchor="b">
-            <a:normAutofit fontScale="92500"/>
-          </a:bodyPr>
-          <a:lstStyle>
-            <a:lvl1pPr algn="l" rtl="0" eaLnBrk="1" latinLnBrk="0" hangingPunct="1">
-              <a:spcBef>
-                <a:spcPct val="0"/>
-              </a:spcBef>
-              <a:buNone/>
-              <a:defRPr kumimoji="0" sz="5000" b="0" kern="1200">
-                <a:ln>
-                  <a:noFill/>
-                </a:ln>
-                <a:solidFill>
-                  <a:schemeClr val="tx2"/>
-                </a:solidFill>
-                <a:effectLst/>
-                <a:latin typeface="+mj-lt"/>
-                <a:ea typeface="+mj-ea"/>
-                <a:cs typeface="+mj-cs"/>
-              </a:defRPr>
-            </a:lvl1pPr>
-          </a:lstStyle>
-          <a:p>
-            <a:r>
-              <a:rPr lang="de-DE" sz="2000" dirty="0" smtClean="0"/>
-              <a:t>User Story  </a:t>
-            </a:r>
-            <a:r>
-              <a:rPr lang="de-DE" sz="2000" b="1" dirty="0" smtClean="0"/>
-              <a:t>Nr.: xxx</a:t>
-            </a:r>
-            <a:r>
-              <a:rPr lang="de-DE" sz="2000" dirty="0" smtClean="0"/>
-              <a:t>, Als Mitarbeiter möchte ich Noten für Teilnehmer eintragen können</a:t>
-            </a:r>
-            <a:br>
-              <a:rPr lang="de-DE" sz="2000" dirty="0" smtClean="0"/>
-            </a:br>
-            <a:r>
-              <a:rPr lang="de-DE" sz="2000" dirty="0" smtClean="0"/>
-              <a:t> </a:t>
-            </a:r>
-            <a:r>
-              <a:rPr lang="de-DE" sz="1600" dirty="0" smtClean="0"/>
-              <a:t>  </a:t>
-            </a:r>
-            <a:endParaRPr lang="de-DE" sz="1600" dirty="0"/>
-          </a:p>
-        </p:txBody>
-      </p:sp>
       <p:sp>
         <p:nvSpPr>
           <p:cNvPr id="6" name="Titel 1"/>
@@ -16319,6 +16550,83 @@
           </a:p>
         </p:txBody>
       </p:sp>
+      <p:sp>
+        <p:nvSpPr>
+          <p:cNvPr id="12" name="Titel 1"/>
+          <p:cNvSpPr txBox="1">
+            <a:spLocks/>
+          </p:cNvSpPr>
+          <p:nvPr/>
+        </p:nvSpPr>
+        <p:spPr>
+          <a:xfrm>
+            <a:off x="179512" y="908720"/>
+            <a:ext cx="8856984" cy="792088"/>
+          </a:xfrm>
+          <a:prstGeom prst="rect">
+            <a:avLst/>
+          </a:prstGeom>
+        </p:spPr>
+        <p:txBody>
+          <a:bodyPr vert="horz" lIns="0" rIns="0" bIns="0" anchor="b">
+            <a:normAutofit fontScale="92500"/>
+          </a:bodyPr>
+          <a:lstStyle>
+            <a:lvl1pPr algn="l" rtl="0" eaLnBrk="1" latinLnBrk="0" hangingPunct="1">
+              <a:spcBef>
+                <a:spcPct val="0"/>
+              </a:spcBef>
+              <a:buNone/>
+              <a:defRPr kumimoji="0" sz="5000" b="0" kern="1200">
+                <a:ln>
+                  <a:noFill/>
+                </a:ln>
+                <a:solidFill>
+                  <a:schemeClr val="tx2"/>
+                </a:solidFill>
+                <a:effectLst/>
+                <a:latin typeface="+mj-lt"/>
+                <a:ea typeface="+mj-ea"/>
+                <a:cs typeface="+mj-cs"/>
+              </a:defRPr>
+            </a:lvl1pPr>
+          </a:lstStyle>
+          <a:p>
+            <a:r>
+              <a:rPr lang="de-DE" sz="2000" dirty="0" smtClean="0"/>
+              <a:t>User Story  </a:t>
+            </a:r>
+            <a:r>
+              <a:rPr lang="de-DE" sz="2000" b="1" dirty="0" smtClean="0"/>
+              <a:t>Nr.: </a:t>
+            </a:r>
+            <a:r>
+              <a:rPr lang="de-DE" sz="2000" b="1" dirty="0" smtClean="0"/>
+              <a:t>430a</a:t>
+            </a:r>
+            <a:r>
+              <a:rPr lang="de-DE" sz="2000" dirty="0" smtClean="0"/>
+              <a:t>, </a:t>
+            </a:r>
+            <a:r>
+              <a:rPr lang="de-DE" sz="2000" dirty="0" smtClean="0"/>
+              <a:t>Als Mitarbeiter möchte ich Noten für Teilnehmer eintragen können</a:t>
+            </a:r>
+            <a:br>
+              <a:rPr lang="de-DE" sz="2000" dirty="0" smtClean="0"/>
+            </a:br>
+            <a:r>
+              <a:rPr lang="de-DE" sz="2000" dirty="0" smtClean="0"/>
+              <a:t> </a:t>
+            </a:r>
+            <a:r>
+              <a:rPr lang="de-DE" sz="1600" b="1" dirty="0" smtClean="0"/>
+              <a:t>  </a:t>
+            </a:r>
+            <a:endParaRPr lang="de-DE" sz="1600" b="1" dirty="0"/>
+          </a:p>
+        </p:txBody>
+      </p:sp>
     </p:spTree>
     <p:extLst>
       <p:ext uri="{BB962C8B-B14F-4D97-AF65-F5344CB8AC3E}">
@@ -16356,75 +16664,6 @@
           <a:chExt cx="0" cy="0"/>
         </a:xfrm>
       </p:grpSpPr>
-      <p:sp>
-        <p:nvSpPr>
-          <p:cNvPr id="5" name="Titel 1"/>
-          <p:cNvSpPr txBox="1">
-            <a:spLocks/>
-          </p:cNvSpPr>
-          <p:nvPr/>
-        </p:nvSpPr>
-        <p:spPr>
-          <a:xfrm>
-            <a:off x="179512" y="908720"/>
-            <a:ext cx="8784976" cy="792088"/>
-          </a:xfrm>
-          <a:prstGeom prst="rect">
-            <a:avLst/>
-          </a:prstGeom>
-        </p:spPr>
-        <p:txBody>
-          <a:bodyPr vert="horz" lIns="0" rIns="0" bIns="0" anchor="b">
-            <a:normAutofit fontScale="92500"/>
-          </a:bodyPr>
-          <a:lstStyle>
-            <a:lvl1pPr algn="l" rtl="0" eaLnBrk="1" latinLnBrk="0" hangingPunct="1">
-              <a:spcBef>
-                <a:spcPct val="0"/>
-              </a:spcBef>
-              <a:buNone/>
-              <a:defRPr kumimoji="0" sz="5000" b="0" kern="1200">
-                <a:ln>
-                  <a:noFill/>
-                </a:ln>
-                <a:solidFill>
-                  <a:schemeClr val="tx2"/>
-                </a:solidFill>
-                <a:effectLst/>
-                <a:latin typeface="+mj-lt"/>
-                <a:ea typeface="+mj-ea"/>
-                <a:cs typeface="+mj-cs"/>
-              </a:defRPr>
-            </a:lvl1pPr>
-          </a:lstStyle>
-          <a:p>
-            <a:r>
-              <a:rPr lang="de-DE" sz="2000" dirty="0" smtClean="0"/>
-              <a:t>User Story  </a:t>
-            </a:r>
-            <a:r>
-              <a:rPr lang="de-DE" sz="2000" b="1" dirty="0" smtClean="0"/>
-              <a:t>Nr.: xxx</a:t>
-            </a:r>
-            <a:r>
-              <a:rPr lang="de-DE" sz="2000" dirty="0" smtClean="0"/>
-              <a:t>, Als Mitarbeiter möchte ich Noten für Teilnehmer eintragen können</a:t>
-            </a:r>
-            <a:br>
-              <a:rPr lang="de-DE" sz="2000" dirty="0" smtClean="0"/>
-            </a:br>
-            <a:r>
-              <a:rPr lang="de-DE" sz="2000" dirty="0" smtClean="0"/>
-              <a:t> </a:t>
-            </a:r>
-            <a:r>
-              <a:rPr lang="de-DE" sz="1600" dirty="0" smtClean="0"/>
-              <a:t>  </a:t>
-            </a:r>
-            <a:endParaRPr lang="de-DE" sz="1600" dirty="0"/>
-          </a:p>
-        </p:txBody>
-      </p:sp>
       <p:sp>
         <p:nvSpPr>
           <p:cNvPr id="6" name="Titel 1"/>
@@ -16690,6 +16929,83 @@
           </a:p>
         </p:txBody>
       </p:sp>
+      <p:sp>
+        <p:nvSpPr>
+          <p:cNvPr id="9" name="Titel 1"/>
+          <p:cNvSpPr txBox="1">
+            <a:spLocks/>
+          </p:cNvSpPr>
+          <p:nvPr/>
+        </p:nvSpPr>
+        <p:spPr>
+          <a:xfrm>
+            <a:off x="179512" y="908720"/>
+            <a:ext cx="8856984" cy="792088"/>
+          </a:xfrm>
+          <a:prstGeom prst="rect">
+            <a:avLst/>
+          </a:prstGeom>
+        </p:spPr>
+        <p:txBody>
+          <a:bodyPr vert="horz" lIns="0" rIns="0" bIns="0" anchor="b">
+            <a:normAutofit fontScale="92500"/>
+          </a:bodyPr>
+          <a:lstStyle>
+            <a:lvl1pPr algn="l" rtl="0" eaLnBrk="1" latinLnBrk="0" hangingPunct="1">
+              <a:spcBef>
+                <a:spcPct val="0"/>
+              </a:spcBef>
+              <a:buNone/>
+              <a:defRPr kumimoji="0" sz="5000" b="0" kern="1200">
+                <a:ln>
+                  <a:noFill/>
+                </a:ln>
+                <a:solidFill>
+                  <a:schemeClr val="tx2"/>
+                </a:solidFill>
+                <a:effectLst/>
+                <a:latin typeface="+mj-lt"/>
+                <a:ea typeface="+mj-ea"/>
+                <a:cs typeface="+mj-cs"/>
+              </a:defRPr>
+            </a:lvl1pPr>
+          </a:lstStyle>
+          <a:p>
+            <a:r>
+              <a:rPr lang="de-DE" sz="2000" dirty="0" smtClean="0"/>
+              <a:t>User Story  </a:t>
+            </a:r>
+            <a:r>
+              <a:rPr lang="de-DE" sz="2000" b="1" dirty="0" smtClean="0"/>
+              <a:t>Nr.: </a:t>
+            </a:r>
+            <a:r>
+              <a:rPr lang="de-DE" sz="2000" b="1" dirty="0" smtClean="0"/>
+              <a:t>430a</a:t>
+            </a:r>
+            <a:r>
+              <a:rPr lang="de-DE" sz="2000" dirty="0" smtClean="0"/>
+              <a:t>, </a:t>
+            </a:r>
+            <a:r>
+              <a:rPr lang="de-DE" sz="2000" dirty="0" smtClean="0"/>
+              <a:t>Als Mitarbeiter möchte ich Noten für Teilnehmer eintragen können</a:t>
+            </a:r>
+            <a:br>
+              <a:rPr lang="de-DE" sz="2000" dirty="0" smtClean="0"/>
+            </a:br>
+            <a:r>
+              <a:rPr lang="de-DE" sz="2000" dirty="0" smtClean="0"/>
+              <a:t> </a:t>
+            </a:r>
+            <a:r>
+              <a:rPr lang="de-DE" sz="1600" b="1" dirty="0" smtClean="0"/>
+              <a:t>  </a:t>
+            </a:r>
+            <a:endParaRPr lang="de-DE" sz="1600" b="1" dirty="0"/>
+          </a:p>
+        </p:txBody>
+      </p:sp>
     </p:spTree>
     <p:extLst>
       <p:ext uri="{BB962C8B-B14F-4D97-AF65-F5344CB8AC3E}">
@@ -17298,7 +17614,7 @@
           <p:nvPr>
             <p:extLst>
               <p:ext uri="{D42A27DB-BD31-4B8C-83A1-F6EECF244321}">
-                <p14:modId xmlns:p14="http://schemas.microsoft.com/office/powerpoint/2010/main" val="3404543985"/>
+                <p14:modId xmlns:p14="http://schemas.microsoft.com/office/powerpoint/2010/main" val="4199990213"/>
               </p:ext>
             </p:extLst>
           </p:nvPr>
@@ -17643,10 +17959,14 @@
             </a:r>
             <a:r>
               <a:rPr lang="de-DE" sz="2000" b="1" dirty="0"/>
-              <a:t>Nr.: xxx</a:t>
-            </a:r>
-            <a:r>
-              <a:rPr lang="de-DE" sz="2000" dirty="0"/>
+              <a:t>Nr.: </a:t>
+            </a:r>
+            <a:r>
+              <a:rPr lang="de-DE" sz="2000" b="1" dirty="0"/>
+              <a:t>550</a:t>
+            </a:r>
+            <a:r>
+              <a:rPr lang="de-DE" sz="2000" dirty="0" smtClean="0"/>
               <a:t>, </a:t>
             </a:r>
             <a:r>

--- a/Lehrveranstaltungsmanagement_Präsentation.pptx
+++ b/Lehrveranstaltungsmanagement_Präsentation.pptx
@@ -1048,19 +1048,11 @@
         <a:p>
           <a:r>
             <a:rPr lang="de-DE" sz="900" b="1" dirty="0" smtClean="0"/>
-            <a:t>Nr.: </a:t>
-          </a:r>
-          <a:r>
-            <a:rPr lang="de-DE" sz="900" b="1" dirty="0" smtClean="0"/>
-            <a:t>100</a:t>
+            <a:t>Nr.: xxx</a:t>
           </a:r>
           <a:r>
             <a:rPr lang="de-DE" sz="900" dirty="0" smtClean="0"/>
-            <a:t>, </a:t>
-          </a:r>
-          <a:r>
-            <a:rPr lang="de-DE" sz="900" dirty="0" smtClean="0"/>
-            <a:t>Als Student möchte ich mich zur Verwaltung meiner Daten online einloggen können</a:t>
+            <a:t>, Als Student möchte ich mich zur Verwaltung meiner Daten online einloggen können</a:t>
           </a:r>
           <a:endParaRPr lang="de-DE" sz="900" dirty="0"/>
         </a:p>
@@ -1138,15 +1130,7 @@
                 <a:srgbClr val="00B050"/>
               </a:solidFill>
             </a:rPr>
-            <a:t>Nr.: </a:t>
-          </a:r>
-          <a:r>
-            <a:rPr lang="de-DE" sz="900" b="1" i="0" dirty="0" smtClean="0">
-              <a:solidFill>
-                <a:srgbClr val="00B050"/>
-              </a:solidFill>
-            </a:rPr>
-            <a:t>150a</a:t>
+            <a:t>Nr.: xxx</a:t>
           </a:r>
           <a:r>
             <a:rPr lang="de-DE" sz="900" dirty="0" smtClean="0">
@@ -1154,15 +1138,7 @@
                 <a:srgbClr val="00B050"/>
               </a:solidFill>
             </a:rPr>
-            <a:t>, </a:t>
-          </a:r>
-          <a:r>
-            <a:rPr lang="de-DE" sz="900" dirty="0" smtClean="0">
-              <a:solidFill>
-                <a:srgbClr val="00B050"/>
-              </a:solidFill>
-            </a:rPr>
-            <a:t>Als Dozent möchte ich Teilnehmerlisten erzeugen können</a:t>
+            <a:t>, Als Dozent möchte ich Teilnehmerlisten erzeugen können</a:t>
           </a:r>
           <a:endParaRPr lang="de-DE" sz="900" dirty="0">
             <a:solidFill>
@@ -1207,31 +1183,7 @@
                 <a:srgbClr val="00B050"/>
               </a:solidFill>
             </a:rPr>
-            <a:t>Nr</a:t>
-          </a:r>
-          <a:r>
-            <a:rPr lang="de-DE" sz="900" b="1" smtClean="0">
-              <a:solidFill>
-                <a:srgbClr val="00B050"/>
-              </a:solidFill>
-            </a:rPr>
-            <a:t>.: </a:t>
-          </a:r>
-          <a:r>
-            <a:rPr lang="de-DE" sz="900" b="1" smtClean="0">
-              <a:solidFill>
-                <a:srgbClr val="00B050"/>
-              </a:solidFill>
-            </a:rPr>
-            <a:t>300</a:t>
-          </a:r>
-          <a:r>
-            <a:rPr lang="de-DE" sz="900" smtClean="0">
-              <a:solidFill>
-                <a:srgbClr val="00B050"/>
-              </a:solidFill>
-            </a:rPr>
-            <a:t>, </a:t>
+            <a:t>Nr.: xxx</a:t>
           </a:r>
           <a:r>
             <a:rPr lang="de-DE" sz="900" dirty="0" smtClean="0">
@@ -1239,7 +1191,7 @@
                 <a:srgbClr val="00B050"/>
               </a:solidFill>
             </a:rPr>
-            <a:t>Als Entwickler möchte ich </a:t>
+            <a:t>, Als Entwickler möchte ich </a:t>
           </a:r>
           <a:r>
             <a:rPr lang="de-DE" sz="900" dirty="0" err="1" smtClean="0">
@@ -1300,15 +1252,7 @@
                 <a:srgbClr val="00B050"/>
               </a:solidFill>
             </a:rPr>
-            <a:t>Nr.: </a:t>
-          </a:r>
-          <a:r>
-            <a:rPr lang="de-DE" sz="900" b="1" dirty="0" smtClean="0">
-              <a:solidFill>
-                <a:srgbClr val="00B050"/>
-              </a:solidFill>
-            </a:rPr>
-            <a:t>390, </a:t>
+            <a:t>Nr.: xxx, </a:t>
           </a:r>
           <a:r>
             <a:rPr lang="de-DE" sz="900" dirty="0" smtClean="0">
@@ -1361,15 +1305,7 @@
                 <a:srgbClr val="00B050"/>
               </a:solidFill>
             </a:rPr>
-            <a:t>Nr.: </a:t>
-          </a:r>
-          <a:r>
-            <a:rPr lang="de-DE" sz="900" b="1" dirty="0" smtClean="0">
-              <a:solidFill>
-                <a:srgbClr val="00B050"/>
-              </a:solidFill>
-            </a:rPr>
-            <a:t>380</a:t>
+            <a:t>Nr.: xxx</a:t>
           </a:r>
           <a:r>
             <a:rPr lang="de-DE" sz="900" dirty="0" smtClean="0">
@@ -1377,15 +1313,7 @@
                 <a:srgbClr val="00B050"/>
               </a:solidFill>
             </a:rPr>
-            <a:t>, </a:t>
-          </a:r>
-          <a:r>
-            <a:rPr lang="de-DE" sz="900" dirty="0" smtClean="0">
-              <a:solidFill>
-                <a:srgbClr val="00B050"/>
-              </a:solidFill>
-            </a:rPr>
-            <a:t>Als Dozent möchte ich Emails an alle Teilnehmer einer Veranstaltung schicken können</a:t>
+            <a:t>, Als Dozent möchte ich Emails an alle Teilnehmer einer Veranstaltung schicken können</a:t>
           </a:r>
           <a:endParaRPr lang="de-DE" sz="900" dirty="0">
             <a:solidFill>
@@ -1430,23 +1358,7 @@
                 <a:srgbClr val="00B0F0"/>
               </a:solidFill>
             </a:rPr>
-            <a:t>Nr.: </a:t>
-          </a:r>
-          <a:r>
-            <a:rPr lang="de-DE" sz="1050" b="1" dirty="0" smtClean="0">
-              <a:solidFill>
-                <a:srgbClr val="00B0F0"/>
-              </a:solidFill>
-            </a:rPr>
-            <a:t>430a, </a:t>
-          </a:r>
-          <a:r>
-            <a:rPr lang="de-DE" sz="1050" b="1" dirty="0" smtClean="0">
-              <a:solidFill>
-                <a:srgbClr val="00B0F0"/>
-              </a:solidFill>
-            </a:rPr>
-            <a:t>Als Mitarbeiter möchte ich Noten für Teilnehmer eintragen können</a:t>
+            <a:t>Nr.: xxx, Als Mitarbeiter möchte ich Noten für Teilnehmer eintragen können</a:t>
           </a:r>
           <a:endParaRPr lang="de-DE" sz="1050" b="1" dirty="0">
             <a:solidFill>
@@ -1491,23 +1403,7 @@
                 <a:srgbClr val="00B0F0"/>
               </a:solidFill>
             </a:rPr>
-            <a:t>Nr.: </a:t>
-          </a:r>
-          <a:r>
-            <a:rPr lang="de-DE" sz="1050" b="1" dirty="0" smtClean="0">
-              <a:solidFill>
-                <a:srgbClr val="00B0F0"/>
-              </a:solidFill>
-            </a:rPr>
-            <a:t>550, </a:t>
-          </a:r>
-          <a:r>
-            <a:rPr lang="de-DE" sz="1050" b="1" dirty="0" smtClean="0">
-              <a:solidFill>
-                <a:srgbClr val="00B0F0"/>
-              </a:solidFill>
-            </a:rPr>
-            <a:t>Als Mitarbeiter möchte ich div. Nutzer anlegen können</a:t>
+            <a:t>Nr.: xxx, Als Mitarbeiter möchte ich div. Nutzer anlegen können</a:t>
           </a:r>
           <a:endParaRPr lang="de-DE" sz="1050" b="1" dirty="0">
             <a:solidFill>
@@ -3594,19 +3490,11 @@
           </a:pPr>
           <a:r>
             <a:rPr lang="de-DE" sz="900" b="1" kern="1200" dirty="0" smtClean="0"/>
-            <a:t>Nr.: </a:t>
-          </a:r>
-          <a:r>
-            <a:rPr lang="de-DE" sz="900" b="1" kern="1200" dirty="0" smtClean="0"/>
-            <a:t>100</a:t>
+            <a:t>Nr.: xxx</a:t>
           </a:r>
           <a:r>
             <a:rPr lang="de-DE" sz="900" kern="1200" dirty="0" smtClean="0"/>
-            <a:t>, </a:t>
-          </a:r>
-          <a:r>
-            <a:rPr lang="de-DE" sz="900" kern="1200" dirty="0" smtClean="0"/>
-            <a:t>Als Student möchte ich mich zur Verwaltung meiner Daten online einloggen können</a:t>
+            <a:t>, Als Student möchte ich mich zur Verwaltung meiner Daten online einloggen können</a:t>
           </a:r>
           <a:endParaRPr lang="de-DE" sz="900" kern="1200" dirty="0"/>
         </a:p>
@@ -3910,23 +3798,7 @@
                 <a:srgbClr val="00B0F0"/>
               </a:solidFill>
             </a:rPr>
-            <a:t>Nr.: </a:t>
-          </a:r>
-          <a:r>
-            <a:rPr lang="de-DE" sz="1050" b="1" kern="1200" dirty="0" smtClean="0">
-              <a:solidFill>
-                <a:srgbClr val="00B0F0"/>
-              </a:solidFill>
-            </a:rPr>
-            <a:t>550, </a:t>
-          </a:r>
-          <a:r>
-            <a:rPr lang="de-DE" sz="1050" b="1" kern="1200" dirty="0" smtClean="0">
-              <a:solidFill>
-                <a:srgbClr val="00B0F0"/>
-              </a:solidFill>
-            </a:rPr>
-            <a:t>Als Mitarbeiter möchte ich div. Nutzer anlegen können</a:t>
+            <a:t>Nr.: xxx, Als Mitarbeiter möchte ich div. Nutzer anlegen können</a:t>
           </a:r>
           <a:endParaRPr lang="de-DE" sz="1050" b="1" kern="1200" dirty="0">
             <a:solidFill>
@@ -4084,23 +3956,7 @@
                 <a:srgbClr val="00B0F0"/>
               </a:solidFill>
             </a:rPr>
-            <a:t>Nr.: </a:t>
-          </a:r>
-          <a:r>
-            <a:rPr lang="de-DE" sz="1050" b="1" kern="1200" dirty="0" smtClean="0">
-              <a:solidFill>
-                <a:srgbClr val="00B0F0"/>
-              </a:solidFill>
-            </a:rPr>
-            <a:t>430a, </a:t>
-          </a:r>
-          <a:r>
-            <a:rPr lang="de-DE" sz="1050" b="1" kern="1200" dirty="0" smtClean="0">
-              <a:solidFill>
-                <a:srgbClr val="00B0F0"/>
-              </a:solidFill>
-            </a:rPr>
-            <a:t>Als Mitarbeiter möchte ich Noten für Teilnehmer eintragen können</a:t>
+            <a:t>Nr.: xxx, Als Mitarbeiter möchte ich Noten für Teilnehmer eintragen können</a:t>
           </a:r>
           <a:endParaRPr lang="de-DE" sz="1050" b="1" kern="1200" dirty="0">
             <a:solidFill>
@@ -4408,15 +4264,7 @@
                 <a:srgbClr val="00B050"/>
               </a:solidFill>
             </a:rPr>
-            <a:t>Nr.: </a:t>
-          </a:r>
-          <a:r>
-            <a:rPr lang="de-DE" sz="900" b="1" i="0" kern="1200" dirty="0" smtClean="0">
-              <a:solidFill>
-                <a:srgbClr val="00B050"/>
-              </a:solidFill>
-            </a:rPr>
-            <a:t>150a</a:t>
+            <a:t>Nr.: xxx</a:t>
           </a:r>
           <a:r>
             <a:rPr lang="de-DE" sz="900" kern="1200" dirty="0" smtClean="0">
@@ -4424,15 +4272,7 @@
                 <a:srgbClr val="00B050"/>
               </a:solidFill>
             </a:rPr>
-            <a:t>, </a:t>
-          </a:r>
-          <a:r>
-            <a:rPr lang="de-DE" sz="900" kern="1200" dirty="0" smtClean="0">
-              <a:solidFill>
-                <a:srgbClr val="00B050"/>
-              </a:solidFill>
-            </a:rPr>
-            <a:t>Als Dozent möchte ich Teilnehmerlisten erzeugen können</a:t>
+            <a:t>, Als Dozent möchte ich Teilnehmerlisten erzeugen können</a:t>
           </a:r>
           <a:endParaRPr lang="de-DE" sz="900" kern="1200" dirty="0">
             <a:solidFill>
@@ -4590,15 +4430,7 @@
                 <a:srgbClr val="00B050"/>
               </a:solidFill>
             </a:rPr>
-            <a:t>Nr.: </a:t>
-          </a:r>
-          <a:r>
-            <a:rPr lang="de-DE" sz="900" b="1" kern="1200" dirty="0" smtClean="0">
-              <a:solidFill>
-                <a:srgbClr val="00B050"/>
-              </a:solidFill>
-            </a:rPr>
-            <a:t>390, </a:t>
+            <a:t>Nr.: xxx, </a:t>
           </a:r>
           <a:r>
             <a:rPr lang="de-DE" sz="900" kern="1200" dirty="0" smtClean="0">
@@ -4764,15 +4596,7 @@
                 <a:srgbClr val="00B050"/>
               </a:solidFill>
             </a:rPr>
-            <a:t>Nr.: </a:t>
-          </a:r>
-          <a:r>
-            <a:rPr lang="de-DE" sz="900" b="1" kern="1200" dirty="0" smtClean="0">
-              <a:solidFill>
-                <a:srgbClr val="00B050"/>
-              </a:solidFill>
-            </a:rPr>
-            <a:t>380</a:t>
+            <a:t>Nr.: xxx</a:t>
           </a:r>
           <a:r>
             <a:rPr lang="de-DE" sz="900" kern="1200" dirty="0" smtClean="0">
@@ -4780,15 +4604,7 @@
                 <a:srgbClr val="00B050"/>
               </a:solidFill>
             </a:rPr>
-            <a:t>, </a:t>
-          </a:r>
-          <a:r>
-            <a:rPr lang="de-DE" sz="900" kern="1200" dirty="0" smtClean="0">
-              <a:solidFill>
-                <a:srgbClr val="00B050"/>
-              </a:solidFill>
-            </a:rPr>
-            <a:t>Als Dozent möchte ich Emails an alle Teilnehmer einer Veranstaltung schicken können</a:t>
+            <a:t>, Als Dozent möchte ich Emails an alle Teilnehmer einer Veranstaltung schicken können</a:t>
           </a:r>
           <a:endParaRPr lang="de-DE" sz="900" kern="1200" dirty="0">
             <a:solidFill>
@@ -5096,31 +4912,7 @@
                 <a:srgbClr val="00B050"/>
               </a:solidFill>
             </a:rPr>
-            <a:t>Nr</a:t>
-          </a:r>
-          <a:r>
-            <a:rPr lang="de-DE" sz="900" b="1" kern="1200" smtClean="0">
-              <a:solidFill>
-                <a:srgbClr val="00B050"/>
-              </a:solidFill>
-            </a:rPr>
-            <a:t>.: </a:t>
-          </a:r>
-          <a:r>
-            <a:rPr lang="de-DE" sz="900" b="1" kern="1200" smtClean="0">
-              <a:solidFill>
-                <a:srgbClr val="00B050"/>
-              </a:solidFill>
-            </a:rPr>
-            <a:t>300</a:t>
-          </a:r>
-          <a:r>
-            <a:rPr lang="de-DE" sz="900" kern="1200" smtClean="0">
-              <a:solidFill>
-                <a:srgbClr val="00B050"/>
-              </a:solidFill>
-            </a:rPr>
-            <a:t>, </a:t>
+            <a:t>Nr.: xxx</a:t>
           </a:r>
           <a:r>
             <a:rPr lang="de-DE" sz="900" kern="1200" dirty="0" smtClean="0">
@@ -5128,7 +4920,7 @@
                 <a:srgbClr val="00B050"/>
               </a:solidFill>
             </a:rPr>
-            <a:t>Als Entwickler möchte ich </a:t>
+            <a:t>, Als Entwickler möchte ich </a:t>
           </a:r>
           <a:r>
             <a:rPr lang="de-DE" sz="900" kern="1200" dirty="0" err="1" smtClean="0">
@@ -11453,19 +11245,11 @@
             </a:r>
             <a:r>
               <a:rPr lang="de-DE" sz="2000" b="1" dirty="0" smtClean="0"/>
-              <a:t>Nr.: </a:t>
-            </a:r>
-            <a:r>
-              <a:rPr lang="de-DE" sz="2000" b="1" dirty="0"/>
-              <a:t>550</a:t>
+              <a:t>Nr.: xxx</a:t>
             </a:r>
             <a:r>
               <a:rPr lang="de-DE" sz="2000" dirty="0" smtClean="0"/>
-              <a:t>, </a:t>
-            </a:r>
-            <a:r>
-              <a:rPr lang="de-DE" sz="2000" dirty="0" smtClean="0"/>
-              <a:t>Als Mitarbeiter möchte ich div. Nutzer anlegen können</a:t>
+              <a:t>, Als Mitarbeiter möchte ich div. Nutzer anlegen können</a:t>
             </a:r>
             <a:br>
               <a:rPr lang="de-DE" sz="2000" dirty="0" smtClean="0"/>
@@ -11802,19 +11586,11 @@
             </a:r>
             <a:r>
               <a:rPr lang="de-DE" sz="2000" b="1" dirty="0" smtClean="0"/>
-              <a:t>Nr.: </a:t>
-            </a:r>
-            <a:r>
-              <a:rPr lang="de-DE" sz="2000" b="1" dirty="0" smtClean="0"/>
-              <a:t>550</a:t>
+              <a:t>Nr.: xxx</a:t>
             </a:r>
             <a:r>
               <a:rPr lang="de-DE" sz="2000" dirty="0" smtClean="0"/>
-              <a:t>, </a:t>
-            </a:r>
-            <a:r>
-              <a:rPr lang="de-DE" sz="2000" dirty="0" smtClean="0"/>
-              <a:t>Als Mitarbeiter möchte ich div. Nutzer anlegen können</a:t>
+              <a:t>, Als Mitarbeiter möchte ich div. Nutzer anlegen können</a:t>
             </a:r>
             <a:br>
               <a:rPr lang="de-DE" sz="2000" dirty="0" smtClean="0"/>
@@ -12061,19 +11837,11 @@
             </a:r>
             <a:r>
               <a:rPr lang="de-DE" sz="2000" b="1" dirty="0" smtClean="0"/>
-              <a:t>Nr.: </a:t>
-            </a:r>
-            <a:r>
-              <a:rPr lang="de-DE" sz="2000" b="1" dirty="0"/>
-              <a:t>550</a:t>
+              <a:t>Nr.: xxx</a:t>
             </a:r>
             <a:r>
               <a:rPr lang="de-DE" sz="2000" dirty="0" smtClean="0"/>
-              <a:t>, </a:t>
-            </a:r>
-            <a:r>
-              <a:rPr lang="de-DE" sz="2000" dirty="0" smtClean="0"/>
-              <a:t>Als Mitarbeiter möchte ich div. Nutzer anlegen können</a:t>
+              <a:t>, Als Mitarbeiter möchte ich div. Nutzer anlegen können</a:t>
             </a:r>
             <a:br>
               <a:rPr lang="de-DE" sz="2000" dirty="0" smtClean="0"/>
@@ -12405,34 +12173,26 @@
           </a:lstStyle>
           <a:p>
             <a:r>
-              <a:rPr lang="de-DE" sz="2000" dirty="0" smtClean="0"/>
+              <a:rPr lang="de-DE" sz="2000" smtClean="0"/>
               <a:t>User Story  </a:t>
             </a:r>
             <a:r>
-              <a:rPr lang="de-DE" sz="2000" b="1" dirty="0" smtClean="0"/>
-              <a:t>Nr.: </a:t>
-            </a:r>
-            <a:r>
-              <a:rPr lang="de-DE" sz="2000" b="1" dirty="0"/>
-              <a:t>550</a:t>
-            </a:r>
-            <a:r>
-              <a:rPr lang="de-DE" sz="2000" dirty="0" smtClean="0"/>
-              <a:t>, </a:t>
-            </a:r>
-            <a:r>
-              <a:rPr lang="de-DE" sz="2000" dirty="0" smtClean="0"/>
-              <a:t>Als Mitarbeiter möchte ich div. Nutzer anlegen können</a:t>
+              <a:rPr lang="de-DE" sz="2000" b="1" smtClean="0"/>
+              <a:t>Nr.: xxx</a:t>
+            </a:r>
+            <a:r>
+              <a:rPr lang="de-DE" sz="2000" smtClean="0"/>
+              <a:t>, Als Mitarbeiter möchte ich div. Nutzer anlegen können</a:t>
             </a:r>
             <a:br>
-              <a:rPr lang="de-DE" sz="2000" dirty="0" smtClean="0"/>
+              <a:rPr lang="de-DE" sz="2000" smtClean="0"/>
             </a:br>
             <a:r>
-              <a:rPr lang="de-DE" sz="2000" dirty="0" smtClean="0"/>
+              <a:rPr lang="de-DE" sz="2000" smtClean="0"/>
               <a:t> </a:t>
             </a:r>
             <a:r>
-              <a:rPr lang="de-DE" sz="1600" b="1" dirty="0" smtClean="0"/>
+              <a:rPr lang="de-DE" sz="1600" b="1" smtClean="0"/>
               <a:t>  </a:t>
             </a:r>
             <a:endParaRPr lang="de-DE" sz="1600" b="1" dirty="0"/>
@@ -12845,34 +12605,26 @@
           </a:lstStyle>
           <a:p>
             <a:r>
-              <a:rPr lang="de-DE" sz="2000" dirty="0" smtClean="0"/>
+              <a:rPr lang="de-DE" sz="2000" smtClean="0"/>
               <a:t>User Story  </a:t>
             </a:r>
             <a:r>
-              <a:rPr lang="de-DE" sz="2000" b="1" dirty="0" smtClean="0"/>
-              <a:t>Nr.: </a:t>
-            </a:r>
-            <a:r>
-              <a:rPr lang="de-DE" sz="2000" b="1" dirty="0"/>
-              <a:t>550</a:t>
-            </a:r>
-            <a:r>
-              <a:rPr lang="de-DE" sz="2000" dirty="0" smtClean="0"/>
-              <a:t>, </a:t>
-            </a:r>
-            <a:r>
-              <a:rPr lang="de-DE" sz="2000" dirty="0" smtClean="0"/>
-              <a:t>Als Mitarbeiter möchte ich div. Nutzer anlegen können</a:t>
+              <a:rPr lang="de-DE" sz="2000" b="1" smtClean="0"/>
+              <a:t>Nr.: xxx</a:t>
+            </a:r>
+            <a:r>
+              <a:rPr lang="de-DE" sz="2000" smtClean="0"/>
+              <a:t>, Als Mitarbeiter möchte ich div. Nutzer anlegen können</a:t>
             </a:r>
             <a:br>
-              <a:rPr lang="de-DE" sz="2000" dirty="0" smtClean="0"/>
+              <a:rPr lang="de-DE" sz="2000" smtClean="0"/>
             </a:br>
             <a:r>
-              <a:rPr lang="de-DE" sz="2000" dirty="0" smtClean="0"/>
+              <a:rPr lang="de-DE" sz="2000" smtClean="0"/>
               <a:t> </a:t>
             </a:r>
             <a:r>
-              <a:rPr lang="de-DE" sz="1600" b="1" dirty="0" smtClean="0"/>
+              <a:rPr lang="de-DE" sz="1600" b="1" smtClean="0"/>
               <a:t>  </a:t>
             </a:r>
             <a:endParaRPr lang="de-DE" sz="1600" b="1" dirty="0"/>
@@ -13149,34 +12901,26 @@
           </a:lstStyle>
           <a:p>
             <a:r>
-              <a:rPr lang="de-DE" sz="2000" dirty="0" smtClean="0"/>
+              <a:rPr lang="de-DE" sz="2000" smtClean="0"/>
               <a:t>User Story  </a:t>
             </a:r>
             <a:r>
-              <a:rPr lang="de-DE" sz="2000" b="1" dirty="0" smtClean="0"/>
-              <a:t>Nr.: </a:t>
-            </a:r>
-            <a:r>
-              <a:rPr lang="de-DE" sz="2000" b="1" dirty="0"/>
-              <a:t>550</a:t>
-            </a:r>
-            <a:r>
-              <a:rPr lang="de-DE" sz="2000" dirty="0" smtClean="0"/>
-              <a:t>, </a:t>
-            </a:r>
-            <a:r>
-              <a:rPr lang="de-DE" sz="2000" dirty="0" smtClean="0"/>
-              <a:t>Als Mitarbeiter möchte ich div. Nutzer anlegen können</a:t>
+              <a:rPr lang="de-DE" sz="2000" b="1" smtClean="0"/>
+              <a:t>Nr.: xxx</a:t>
+            </a:r>
+            <a:r>
+              <a:rPr lang="de-DE" sz="2000" smtClean="0"/>
+              <a:t>, Als Mitarbeiter möchte ich div. Nutzer anlegen können</a:t>
             </a:r>
             <a:br>
-              <a:rPr lang="de-DE" sz="2000" dirty="0" smtClean="0"/>
+              <a:rPr lang="de-DE" sz="2000" smtClean="0"/>
             </a:br>
             <a:r>
-              <a:rPr lang="de-DE" sz="2000" dirty="0" smtClean="0"/>
+              <a:rPr lang="de-DE" sz="2000" smtClean="0"/>
               <a:t> </a:t>
             </a:r>
             <a:r>
-              <a:rPr lang="de-DE" sz="1600" b="1" dirty="0" smtClean="0"/>
+              <a:rPr lang="de-DE" sz="1600" b="1" smtClean="0"/>
               <a:t>  </a:t>
             </a:r>
             <a:endParaRPr lang="de-DE" sz="1600" b="1" dirty="0"/>
@@ -13471,7 +13215,7 @@
         <p:spPr>
           <a:xfrm>
             <a:off x="179512" y="908720"/>
-            <a:ext cx="8856984" cy="792088"/>
+            <a:ext cx="8784976" cy="792088"/>
           </a:xfrm>
           <a:prstGeom prst="rect">
             <a:avLst/>
@@ -13508,11 +13252,7 @@
             </a:r>
             <a:r>
               <a:rPr lang="de-DE" sz="2000" b="1" dirty="0" smtClean="0"/>
-              <a:t>Nr.: </a:t>
-            </a:r>
-            <a:r>
-              <a:rPr lang="de-DE" sz="2000" b="1" dirty="0" smtClean="0"/>
-              <a:t>430a</a:t>
+              <a:t>Nr.: xxx</a:t>
             </a:r>
             <a:r>
               <a:rPr lang="de-DE" sz="2000" dirty="0" smtClean="0"/>
@@ -14100,6 +13840,75 @@
       </p:pic>
       <p:sp>
         <p:nvSpPr>
+          <p:cNvPr id="5" name="Titel 1"/>
+          <p:cNvSpPr txBox="1">
+            <a:spLocks/>
+          </p:cNvSpPr>
+          <p:nvPr/>
+        </p:nvSpPr>
+        <p:spPr>
+          <a:xfrm>
+            <a:off x="179512" y="908720"/>
+            <a:ext cx="8784976" cy="792088"/>
+          </a:xfrm>
+          <a:prstGeom prst="rect">
+            <a:avLst/>
+          </a:prstGeom>
+        </p:spPr>
+        <p:txBody>
+          <a:bodyPr vert="horz" lIns="0" rIns="0" bIns="0" anchor="b">
+            <a:normAutofit fontScale="92500"/>
+          </a:bodyPr>
+          <a:lstStyle>
+            <a:lvl1pPr algn="l" rtl="0" eaLnBrk="1" latinLnBrk="0" hangingPunct="1">
+              <a:spcBef>
+                <a:spcPct val="0"/>
+              </a:spcBef>
+              <a:buNone/>
+              <a:defRPr kumimoji="0" sz="5000" b="0" kern="1200">
+                <a:ln>
+                  <a:noFill/>
+                </a:ln>
+                <a:solidFill>
+                  <a:schemeClr val="tx2"/>
+                </a:solidFill>
+                <a:effectLst/>
+                <a:latin typeface="+mj-lt"/>
+                <a:ea typeface="+mj-ea"/>
+                <a:cs typeface="+mj-cs"/>
+              </a:defRPr>
+            </a:lvl1pPr>
+          </a:lstStyle>
+          <a:p>
+            <a:r>
+              <a:rPr lang="de-DE" sz="2000" dirty="0" smtClean="0"/>
+              <a:t>User Story  </a:t>
+            </a:r>
+            <a:r>
+              <a:rPr lang="de-DE" sz="2000" b="1" dirty="0" smtClean="0"/>
+              <a:t>Nr.: xxx</a:t>
+            </a:r>
+            <a:r>
+              <a:rPr lang="de-DE" sz="2000" dirty="0" smtClean="0"/>
+              <a:t>, Als Mitarbeiter möchte ich Noten für Teilnehmer eintragen können</a:t>
+            </a:r>
+            <a:br>
+              <a:rPr lang="de-DE" sz="2000" dirty="0" smtClean="0"/>
+            </a:br>
+            <a:r>
+              <a:rPr lang="de-DE" sz="2000" dirty="0" smtClean="0"/>
+              <a:t> </a:t>
+            </a:r>
+            <a:r>
+              <a:rPr lang="de-DE" sz="1600" dirty="0" smtClean="0"/>
+              <a:t>  </a:t>
+            </a:r>
+            <a:endParaRPr lang="de-DE" sz="1600" dirty="0"/>
+          </a:p>
+        </p:txBody>
+      </p:sp>
+      <p:sp>
+        <p:nvSpPr>
           <p:cNvPr id="6" name="Titel 1"/>
           <p:cNvSpPr txBox="1">
             <a:spLocks/>
@@ -14359,83 +14168,6 @@
           </a:p>
         </p:txBody>
       </p:sp>
-      <p:sp>
-        <p:nvSpPr>
-          <p:cNvPr id="11" name="Titel 1"/>
-          <p:cNvSpPr txBox="1">
-            <a:spLocks/>
-          </p:cNvSpPr>
-          <p:nvPr/>
-        </p:nvSpPr>
-        <p:spPr>
-          <a:xfrm>
-            <a:off x="179512" y="908720"/>
-            <a:ext cx="8856984" cy="792088"/>
-          </a:xfrm>
-          <a:prstGeom prst="rect">
-            <a:avLst/>
-          </a:prstGeom>
-        </p:spPr>
-        <p:txBody>
-          <a:bodyPr vert="horz" lIns="0" rIns="0" bIns="0" anchor="b">
-            <a:normAutofit fontScale="92500"/>
-          </a:bodyPr>
-          <a:lstStyle>
-            <a:lvl1pPr algn="l" rtl="0" eaLnBrk="1" latinLnBrk="0" hangingPunct="1">
-              <a:spcBef>
-                <a:spcPct val="0"/>
-              </a:spcBef>
-              <a:buNone/>
-              <a:defRPr kumimoji="0" sz="5000" b="0" kern="1200">
-                <a:ln>
-                  <a:noFill/>
-                </a:ln>
-                <a:solidFill>
-                  <a:schemeClr val="tx2"/>
-                </a:solidFill>
-                <a:effectLst/>
-                <a:latin typeface="+mj-lt"/>
-                <a:ea typeface="+mj-ea"/>
-                <a:cs typeface="+mj-cs"/>
-              </a:defRPr>
-            </a:lvl1pPr>
-          </a:lstStyle>
-          <a:p>
-            <a:r>
-              <a:rPr lang="de-DE" sz="2000" dirty="0" smtClean="0"/>
-              <a:t>User Story  </a:t>
-            </a:r>
-            <a:r>
-              <a:rPr lang="de-DE" sz="2000" b="1" dirty="0" smtClean="0"/>
-              <a:t>Nr.: </a:t>
-            </a:r>
-            <a:r>
-              <a:rPr lang="de-DE" sz="2000" b="1" dirty="0" smtClean="0"/>
-              <a:t>430a</a:t>
-            </a:r>
-            <a:r>
-              <a:rPr lang="de-DE" sz="2000" dirty="0" smtClean="0"/>
-              <a:t>, </a:t>
-            </a:r>
-            <a:r>
-              <a:rPr lang="de-DE" sz="2000" dirty="0" smtClean="0"/>
-              <a:t>Als Mitarbeiter möchte ich Noten für Teilnehmer eintragen können</a:t>
-            </a:r>
-            <a:br>
-              <a:rPr lang="de-DE" sz="2000" dirty="0" smtClean="0"/>
-            </a:br>
-            <a:r>
-              <a:rPr lang="de-DE" sz="2000" dirty="0" smtClean="0"/>
-              <a:t> </a:t>
-            </a:r>
-            <a:r>
-              <a:rPr lang="de-DE" sz="1600" b="1" dirty="0" smtClean="0"/>
-              <a:t>  </a:t>
-            </a:r>
-            <a:endParaRPr lang="de-DE" sz="1600" b="1" dirty="0"/>
-          </a:p>
-        </p:txBody>
-      </p:sp>
     </p:spTree>
     <p:extLst>
       <p:ext uri="{BB962C8B-B14F-4D97-AF65-F5344CB8AC3E}">
@@ -14473,6 +14205,75 @@
           <a:chExt cx="0" cy="0"/>
         </a:xfrm>
       </p:grpSpPr>
+      <p:sp>
+        <p:nvSpPr>
+          <p:cNvPr id="5" name="Titel 1"/>
+          <p:cNvSpPr txBox="1">
+            <a:spLocks/>
+          </p:cNvSpPr>
+          <p:nvPr/>
+        </p:nvSpPr>
+        <p:spPr>
+          <a:xfrm>
+            <a:off x="179512" y="908720"/>
+            <a:ext cx="8784976" cy="792088"/>
+          </a:xfrm>
+          <a:prstGeom prst="rect">
+            <a:avLst/>
+          </a:prstGeom>
+        </p:spPr>
+        <p:txBody>
+          <a:bodyPr vert="horz" lIns="0" rIns="0" bIns="0" anchor="b">
+            <a:normAutofit fontScale="92500"/>
+          </a:bodyPr>
+          <a:lstStyle>
+            <a:lvl1pPr algn="l" rtl="0" eaLnBrk="1" latinLnBrk="0" hangingPunct="1">
+              <a:spcBef>
+                <a:spcPct val="0"/>
+              </a:spcBef>
+              <a:buNone/>
+              <a:defRPr kumimoji="0" sz="5000" b="0" kern="1200">
+                <a:ln>
+                  <a:noFill/>
+                </a:ln>
+                <a:solidFill>
+                  <a:schemeClr val="tx2"/>
+                </a:solidFill>
+                <a:effectLst/>
+                <a:latin typeface="+mj-lt"/>
+                <a:ea typeface="+mj-ea"/>
+                <a:cs typeface="+mj-cs"/>
+              </a:defRPr>
+            </a:lvl1pPr>
+          </a:lstStyle>
+          <a:p>
+            <a:r>
+              <a:rPr lang="de-DE" sz="2000" dirty="0" smtClean="0"/>
+              <a:t>User Story  </a:t>
+            </a:r>
+            <a:r>
+              <a:rPr lang="de-DE" sz="2000" b="1" dirty="0" smtClean="0"/>
+              <a:t>Nr.: xxx</a:t>
+            </a:r>
+            <a:r>
+              <a:rPr lang="de-DE" sz="2000" dirty="0" smtClean="0"/>
+              <a:t>, Als Mitarbeiter möchte ich Noten für Teilnehmer eintragen können</a:t>
+            </a:r>
+            <a:br>
+              <a:rPr lang="de-DE" sz="2000" dirty="0" smtClean="0"/>
+            </a:br>
+            <a:r>
+              <a:rPr lang="de-DE" sz="2000" dirty="0" smtClean="0"/>
+              <a:t> </a:t>
+            </a:r>
+            <a:r>
+              <a:rPr lang="de-DE" sz="1600" dirty="0" smtClean="0"/>
+              <a:t>  </a:t>
+            </a:r>
+            <a:endParaRPr lang="de-DE" sz="1600" dirty="0"/>
+          </a:p>
+        </p:txBody>
+      </p:sp>
       <p:sp>
         <p:nvSpPr>
           <p:cNvPr id="6" name="Titel 1"/>
@@ -14779,83 +14580,6 @@
           </a:p>
         </p:txBody>
       </p:sp>
-      <p:sp>
-        <p:nvSpPr>
-          <p:cNvPr id="11" name="Titel 1"/>
-          <p:cNvSpPr txBox="1">
-            <a:spLocks/>
-          </p:cNvSpPr>
-          <p:nvPr/>
-        </p:nvSpPr>
-        <p:spPr>
-          <a:xfrm>
-            <a:off x="179512" y="908720"/>
-            <a:ext cx="8856984" cy="792088"/>
-          </a:xfrm>
-          <a:prstGeom prst="rect">
-            <a:avLst/>
-          </a:prstGeom>
-        </p:spPr>
-        <p:txBody>
-          <a:bodyPr vert="horz" lIns="0" rIns="0" bIns="0" anchor="b">
-            <a:normAutofit fontScale="92500"/>
-          </a:bodyPr>
-          <a:lstStyle>
-            <a:lvl1pPr algn="l" rtl="0" eaLnBrk="1" latinLnBrk="0" hangingPunct="1">
-              <a:spcBef>
-                <a:spcPct val="0"/>
-              </a:spcBef>
-              <a:buNone/>
-              <a:defRPr kumimoji="0" sz="5000" b="0" kern="1200">
-                <a:ln>
-                  <a:noFill/>
-                </a:ln>
-                <a:solidFill>
-                  <a:schemeClr val="tx2"/>
-                </a:solidFill>
-                <a:effectLst/>
-                <a:latin typeface="+mj-lt"/>
-                <a:ea typeface="+mj-ea"/>
-                <a:cs typeface="+mj-cs"/>
-              </a:defRPr>
-            </a:lvl1pPr>
-          </a:lstStyle>
-          <a:p>
-            <a:r>
-              <a:rPr lang="de-DE" sz="2000" dirty="0" smtClean="0"/>
-              <a:t>User Story  </a:t>
-            </a:r>
-            <a:r>
-              <a:rPr lang="de-DE" sz="2000" b="1" dirty="0" smtClean="0"/>
-              <a:t>Nr.: </a:t>
-            </a:r>
-            <a:r>
-              <a:rPr lang="de-DE" sz="2000" b="1" dirty="0" smtClean="0"/>
-              <a:t>430a</a:t>
-            </a:r>
-            <a:r>
-              <a:rPr lang="de-DE" sz="2000" dirty="0" smtClean="0"/>
-              <a:t>, </a:t>
-            </a:r>
-            <a:r>
-              <a:rPr lang="de-DE" sz="2000" dirty="0" smtClean="0"/>
-              <a:t>Als Mitarbeiter möchte ich Noten für Teilnehmer eintragen können</a:t>
-            </a:r>
-            <a:br>
-              <a:rPr lang="de-DE" sz="2000" dirty="0" smtClean="0"/>
-            </a:br>
-            <a:r>
-              <a:rPr lang="de-DE" sz="2000" dirty="0" smtClean="0"/>
-              <a:t> </a:t>
-            </a:r>
-            <a:r>
-              <a:rPr lang="de-DE" sz="1600" b="1" dirty="0" smtClean="0"/>
-              <a:t>  </a:t>
-            </a:r>
-            <a:endParaRPr lang="de-DE" sz="1600" b="1" dirty="0"/>
-          </a:p>
-        </p:txBody>
-      </p:sp>
     </p:spTree>
     <p:extLst>
       <p:ext uri="{BB962C8B-B14F-4D97-AF65-F5344CB8AC3E}">
@@ -14938,6 +14662,75 @@
           </a:fontRef>
         </p:style>
       </p:pic>
+      <p:sp>
+        <p:nvSpPr>
+          <p:cNvPr id="5" name="Titel 1"/>
+          <p:cNvSpPr txBox="1">
+            <a:spLocks/>
+          </p:cNvSpPr>
+          <p:nvPr/>
+        </p:nvSpPr>
+        <p:spPr>
+          <a:xfrm>
+            <a:off x="179512" y="908720"/>
+            <a:ext cx="8784976" cy="792088"/>
+          </a:xfrm>
+          <a:prstGeom prst="rect">
+            <a:avLst/>
+          </a:prstGeom>
+        </p:spPr>
+        <p:txBody>
+          <a:bodyPr vert="horz" lIns="0" rIns="0" bIns="0" anchor="b">
+            <a:normAutofit fontScale="92500"/>
+          </a:bodyPr>
+          <a:lstStyle>
+            <a:lvl1pPr algn="l" rtl="0" eaLnBrk="1" latinLnBrk="0" hangingPunct="1">
+              <a:spcBef>
+                <a:spcPct val="0"/>
+              </a:spcBef>
+              <a:buNone/>
+              <a:defRPr kumimoji="0" sz="5000" b="0" kern="1200">
+                <a:ln>
+                  <a:noFill/>
+                </a:ln>
+                <a:solidFill>
+                  <a:schemeClr val="tx2"/>
+                </a:solidFill>
+                <a:effectLst/>
+                <a:latin typeface="+mj-lt"/>
+                <a:ea typeface="+mj-ea"/>
+                <a:cs typeface="+mj-cs"/>
+              </a:defRPr>
+            </a:lvl1pPr>
+          </a:lstStyle>
+          <a:p>
+            <a:r>
+              <a:rPr lang="de-DE" sz="2000" dirty="0" smtClean="0"/>
+              <a:t>User Story  </a:t>
+            </a:r>
+            <a:r>
+              <a:rPr lang="de-DE" sz="2000" b="1" dirty="0" smtClean="0"/>
+              <a:t>Nr.: xxx</a:t>
+            </a:r>
+            <a:r>
+              <a:rPr lang="de-DE" sz="2000" dirty="0" smtClean="0"/>
+              <a:t>, Als Mitarbeiter möchte ich Noten für Teilnehmer eintragen können</a:t>
+            </a:r>
+            <a:br>
+              <a:rPr lang="de-DE" sz="2000" dirty="0" smtClean="0"/>
+            </a:br>
+            <a:r>
+              <a:rPr lang="de-DE" sz="2000" dirty="0" smtClean="0"/>
+              <a:t> </a:t>
+            </a:r>
+            <a:r>
+              <a:rPr lang="de-DE" sz="1600" dirty="0" smtClean="0"/>
+              <a:t>  </a:t>
+            </a:r>
+            <a:endParaRPr lang="de-DE" sz="1600" dirty="0"/>
+          </a:p>
+        </p:txBody>
+      </p:sp>
       <p:sp>
         <p:nvSpPr>
           <p:cNvPr id="6" name="Titel 1"/>
@@ -15145,83 +14938,6 @@
           </a:p>
         </p:txBody>
       </p:sp>
-      <p:sp>
-        <p:nvSpPr>
-          <p:cNvPr id="9" name="Titel 1"/>
-          <p:cNvSpPr txBox="1">
-            <a:spLocks/>
-          </p:cNvSpPr>
-          <p:nvPr/>
-        </p:nvSpPr>
-        <p:spPr>
-          <a:xfrm>
-            <a:off x="179512" y="908720"/>
-            <a:ext cx="8856984" cy="792088"/>
-          </a:xfrm>
-          <a:prstGeom prst="rect">
-            <a:avLst/>
-          </a:prstGeom>
-        </p:spPr>
-        <p:txBody>
-          <a:bodyPr vert="horz" lIns="0" rIns="0" bIns="0" anchor="b">
-            <a:normAutofit fontScale="92500"/>
-          </a:bodyPr>
-          <a:lstStyle>
-            <a:lvl1pPr algn="l" rtl="0" eaLnBrk="1" latinLnBrk="0" hangingPunct="1">
-              <a:spcBef>
-                <a:spcPct val="0"/>
-              </a:spcBef>
-              <a:buNone/>
-              <a:defRPr kumimoji="0" sz="5000" b="0" kern="1200">
-                <a:ln>
-                  <a:noFill/>
-                </a:ln>
-                <a:solidFill>
-                  <a:schemeClr val="tx2"/>
-                </a:solidFill>
-                <a:effectLst/>
-                <a:latin typeface="+mj-lt"/>
-                <a:ea typeface="+mj-ea"/>
-                <a:cs typeface="+mj-cs"/>
-              </a:defRPr>
-            </a:lvl1pPr>
-          </a:lstStyle>
-          <a:p>
-            <a:r>
-              <a:rPr lang="de-DE" sz="2000" dirty="0" smtClean="0"/>
-              <a:t>User Story  </a:t>
-            </a:r>
-            <a:r>
-              <a:rPr lang="de-DE" sz="2000" b="1" dirty="0" smtClean="0"/>
-              <a:t>Nr.: </a:t>
-            </a:r>
-            <a:r>
-              <a:rPr lang="de-DE" sz="2000" b="1" dirty="0" smtClean="0"/>
-              <a:t>430a</a:t>
-            </a:r>
-            <a:r>
-              <a:rPr lang="de-DE" sz="2000" dirty="0" smtClean="0"/>
-              <a:t>, </a:t>
-            </a:r>
-            <a:r>
-              <a:rPr lang="de-DE" sz="2000" dirty="0" smtClean="0"/>
-              <a:t>Als Mitarbeiter möchte ich Noten für Teilnehmer eintragen können</a:t>
-            </a:r>
-            <a:br>
-              <a:rPr lang="de-DE" sz="2000" dirty="0" smtClean="0"/>
-            </a:br>
-            <a:r>
-              <a:rPr lang="de-DE" sz="2000" dirty="0" smtClean="0"/>
-              <a:t> </a:t>
-            </a:r>
-            <a:r>
-              <a:rPr lang="de-DE" sz="1600" b="1" dirty="0" smtClean="0"/>
-              <a:t>  </a:t>
-            </a:r>
-            <a:endParaRPr lang="de-DE" sz="1600" b="1" dirty="0"/>
-          </a:p>
-        </p:txBody>
-      </p:sp>
     </p:spTree>
     <p:extLst>
       <p:ext uri="{BB962C8B-B14F-4D97-AF65-F5344CB8AC3E}">
@@ -15454,6 +15170,75 @@
           </a:fontRef>
         </p:style>
       </p:pic>
+      <p:sp>
+        <p:nvSpPr>
+          <p:cNvPr id="5" name="Titel 1"/>
+          <p:cNvSpPr txBox="1">
+            <a:spLocks/>
+          </p:cNvSpPr>
+          <p:nvPr/>
+        </p:nvSpPr>
+        <p:spPr>
+          <a:xfrm>
+            <a:off x="179512" y="908720"/>
+            <a:ext cx="8784976" cy="792088"/>
+          </a:xfrm>
+          <a:prstGeom prst="rect">
+            <a:avLst/>
+          </a:prstGeom>
+        </p:spPr>
+        <p:txBody>
+          <a:bodyPr vert="horz" lIns="0" rIns="0" bIns="0" anchor="b">
+            <a:normAutofit fontScale="92500"/>
+          </a:bodyPr>
+          <a:lstStyle>
+            <a:lvl1pPr algn="l" rtl="0" eaLnBrk="1" latinLnBrk="0" hangingPunct="1">
+              <a:spcBef>
+                <a:spcPct val="0"/>
+              </a:spcBef>
+              <a:buNone/>
+              <a:defRPr kumimoji="0" sz="5000" b="0" kern="1200">
+                <a:ln>
+                  <a:noFill/>
+                </a:ln>
+                <a:solidFill>
+                  <a:schemeClr val="tx2"/>
+                </a:solidFill>
+                <a:effectLst/>
+                <a:latin typeface="+mj-lt"/>
+                <a:ea typeface="+mj-ea"/>
+                <a:cs typeface="+mj-cs"/>
+              </a:defRPr>
+            </a:lvl1pPr>
+          </a:lstStyle>
+          <a:p>
+            <a:r>
+              <a:rPr lang="de-DE" sz="2000" dirty="0" smtClean="0"/>
+              <a:t>User Story  </a:t>
+            </a:r>
+            <a:r>
+              <a:rPr lang="de-DE" sz="2000" b="1" dirty="0" smtClean="0"/>
+              <a:t>Nr.: xxx</a:t>
+            </a:r>
+            <a:r>
+              <a:rPr lang="de-DE" sz="2000" dirty="0" smtClean="0"/>
+              <a:t>, Als Mitarbeiter möchte ich Noten für Teilnehmer eintragen können</a:t>
+            </a:r>
+            <a:br>
+              <a:rPr lang="de-DE" sz="2000" dirty="0" smtClean="0"/>
+            </a:br>
+            <a:r>
+              <a:rPr lang="de-DE" sz="2000" dirty="0" smtClean="0"/>
+              <a:t> </a:t>
+            </a:r>
+            <a:r>
+              <a:rPr lang="de-DE" sz="1600" dirty="0" smtClean="0"/>
+              <a:t>  </a:t>
+            </a:r>
+            <a:endParaRPr lang="de-DE" sz="1600" dirty="0"/>
+          </a:p>
+        </p:txBody>
+      </p:sp>
       <p:sp>
         <p:nvSpPr>
           <p:cNvPr id="6" name="Titel 1"/>
@@ -15657,83 +15442,6 @@
           </a:p>
         </p:txBody>
       </p:sp>
-      <p:sp>
-        <p:nvSpPr>
-          <p:cNvPr id="8" name="Titel 1"/>
-          <p:cNvSpPr txBox="1">
-            <a:spLocks/>
-          </p:cNvSpPr>
-          <p:nvPr/>
-        </p:nvSpPr>
-        <p:spPr>
-          <a:xfrm>
-            <a:off x="179512" y="908720"/>
-            <a:ext cx="8856984" cy="792088"/>
-          </a:xfrm>
-          <a:prstGeom prst="rect">
-            <a:avLst/>
-          </a:prstGeom>
-        </p:spPr>
-        <p:txBody>
-          <a:bodyPr vert="horz" lIns="0" rIns="0" bIns="0" anchor="b">
-            <a:normAutofit fontScale="92500"/>
-          </a:bodyPr>
-          <a:lstStyle>
-            <a:lvl1pPr algn="l" rtl="0" eaLnBrk="1" latinLnBrk="0" hangingPunct="1">
-              <a:spcBef>
-                <a:spcPct val="0"/>
-              </a:spcBef>
-              <a:buNone/>
-              <a:defRPr kumimoji="0" sz="5000" b="0" kern="1200">
-                <a:ln>
-                  <a:noFill/>
-                </a:ln>
-                <a:solidFill>
-                  <a:schemeClr val="tx2"/>
-                </a:solidFill>
-                <a:effectLst/>
-                <a:latin typeface="+mj-lt"/>
-                <a:ea typeface="+mj-ea"/>
-                <a:cs typeface="+mj-cs"/>
-              </a:defRPr>
-            </a:lvl1pPr>
-          </a:lstStyle>
-          <a:p>
-            <a:r>
-              <a:rPr lang="de-DE" sz="2000" dirty="0" smtClean="0"/>
-              <a:t>User Story  </a:t>
-            </a:r>
-            <a:r>
-              <a:rPr lang="de-DE" sz="2000" b="1" dirty="0" smtClean="0"/>
-              <a:t>Nr.: </a:t>
-            </a:r>
-            <a:r>
-              <a:rPr lang="de-DE" sz="2000" b="1" dirty="0" smtClean="0"/>
-              <a:t>430a</a:t>
-            </a:r>
-            <a:r>
-              <a:rPr lang="de-DE" sz="2000" dirty="0" smtClean="0"/>
-              <a:t>, </a:t>
-            </a:r>
-            <a:r>
-              <a:rPr lang="de-DE" sz="2000" dirty="0" smtClean="0"/>
-              <a:t>Als Mitarbeiter möchte ich Noten für Teilnehmer eintragen können</a:t>
-            </a:r>
-            <a:br>
-              <a:rPr lang="de-DE" sz="2000" dirty="0" smtClean="0"/>
-            </a:br>
-            <a:r>
-              <a:rPr lang="de-DE" sz="2000" dirty="0" smtClean="0"/>
-              <a:t> </a:t>
-            </a:r>
-            <a:r>
-              <a:rPr lang="de-DE" sz="1600" b="1" dirty="0" smtClean="0"/>
-              <a:t>  </a:t>
-            </a:r>
-            <a:endParaRPr lang="de-DE" sz="1600" b="1" dirty="0"/>
-          </a:p>
-        </p:txBody>
-      </p:sp>
     </p:spTree>
     <p:extLst>
       <p:ext uri="{BB962C8B-B14F-4D97-AF65-F5344CB8AC3E}">
@@ -15816,6 +15524,75 @@
           </a:fontRef>
         </p:style>
       </p:pic>
+      <p:sp>
+        <p:nvSpPr>
+          <p:cNvPr id="5" name="Titel 1"/>
+          <p:cNvSpPr txBox="1">
+            <a:spLocks/>
+          </p:cNvSpPr>
+          <p:nvPr/>
+        </p:nvSpPr>
+        <p:spPr>
+          <a:xfrm>
+            <a:off x="179512" y="908720"/>
+            <a:ext cx="8784976" cy="792088"/>
+          </a:xfrm>
+          <a:prstGeom prst="rect">
+            <a:avLst/>
+          </a:prstGeom>
+        </p:spPr>
+        <p:txBody>
+          <a:bodyPr vert="horz" lIns="0" rIns="0" bIns="0" anchor="b">
+            <a:normAutofit fontScale="92500"/>
+          </a:bodyPr>
+          <a:lstStyle>
+            <a:lvl1pPr algn="l" rtl="0" eaLnBrk="1" latinLnBrk="0" hangingPunct="1">
+              <a:spcBef>
+                <a:spcPct val="0"/>
+              </a:spcBef>
+              <a:buNone/>
+              <a:defRPr kumimoji="0" sz="5000" b="0" kern="1200">
+                <a:ln>
+                  <a:noFill/>
+                </a:ln>
+                <a:solidFill>
+                  <a:schemeClr val="tx2"/>
+                </a:solidFill>
+                <a:effectLst/>
+                <a:latin typeface="+mj-lt"/>
+                <a:ea typeface="+mj-ea"/>
+                <a:cs typeface="+mj-cs"/>
+              </a:defRPr>
+            </a:lvl1pPr>
+          </a:lstStyle>
+          <a:p>
+            <a:r>
+              <a:rPr lang="de-DE" sz="2000" dirty="0" smtClean="0"/>
+              <a:t>User Story  </a:t>
+            </a:r>
+            <a:r>
+              <a:rPr lang="de-DE" sz="2000" b="1" dirty="0" smtClean="0"/>
+              <a:t>Nr.: xxx</a:t>
+            </a:r>
+            <a:r>
+              <a:rPr lang="de-DE" sz="2000" dirty="0" smtClean="0"/>
+              <a:t>, Als Mitarbeiter möchte ich Noten für Teilnehmer eintragen können</a:t>
+            </a:r>
+            <a:br>
+              <a:rPr lang="de-DE" sz="2000" dirty="0" smtClean="0"/>
+            </a:br>
+            <a:r>
+              <a:rPr lang="de-DE" sz="2000" dirty="0" smtClean="0"/>
+              <a:t> </a:t>
+            </a:r>
+            <a:r>
+              <a:rPr lang="de-DE" sz="1600" dirty="0" smtClean="0"/>
+              <a:t>  </a:t>
+            </a:r>
+            <a:endParaRPr lang="de-DE" sz="1600" dirty="0"/>
+          </a:p>
+        </p:txBody>
+      </p:sp>
       <p:sp>
         <p:nvSpPr>
           <p:cNvPr id="6" name="Titel 1"/>
@@ -16081,83 +15858,6 @@
           </a:p>
         </p:txBody>
       </p:sp>
-      <p:sp>
-        <p:nvSpPr>
-          <p:cNvPr id="9" name="Titel 1"/>
-          <p:cNvSpPr txBox="1">
-            <a:spLocks/>
-          </p:cNvSpPr>
-          <p:nvPr/>
-        </p:nvSpPr>
-        <p:spPr>
-          <a:xfrm>
-            <a:off x="179512" y="908720"/>
-            <a:ext cx="8856984" cy="792088"/>
-          </a:xfrm>
-          <a:prstGeom prst="rect">
-            <a:avLst/>
-          </a:prstGeom>
-        </p:spPr>
-        <p:txBody>
-          <a:bodyPr vert="horz" lIns="0" rIns="0" bIns="0" anchor="b">
-            <a:normAutofit fontScale="92500"/>
-          </a:bodyPr>
-          <a:lstStyle>
-            <a:lvl1pPr algn="l" rtl="0" eaLnBrk="1" latinLnBrk="0" hangingPunct="1">
-              <a:spcBef>
-                <a:spcPct val="0"/>
-              </a:spcBef>
-              <a:buNone/>
-              <a:defRPr kumimoji="0" sz="5000" b="0" kern="1200">
-                <a:ln>
-                  <a:noFill/>
-                </a:ln>
-                <a:solidFill>
-                  <a:schemeClr val="tx2"/>
-                </a:solidFill>
-                <a:effectLst/>
-                <a:latin typeface="+mj-lt"/>
-                <a:ea typeface="+mj-ea"/>
-                <a:cs typeface="+mj-cs"/>
-              </a:defRPr>
-            </a:lvl1pPr>
-          </a:lstStyle>
-          <a:p>
-            <a:r>
-              <a:rPr lang="de-DE" sz="2000" dirty="0" smtClean="0"/>
-              <a:t>User Story  </a:t>
-            </a:r>
-            <a:r>
-              <a:rPr lang="de-DE" sz="2000" b="1" dirty="0" smtClean="0"/>
-              <a:t>Nr.: </a:t>
-            </a:r>
-            <a:r>
-              <a:rPr lang="de-DE" sz="2000" b="1" dirty="0" smtClean="0"/>
-              <a:t>430a</a:t>
-            </a:r>
-            <a:r>
-              <a:rPr lang="de-DE" sz="2000" dirty="0" smtClean="0"/>
-              <a:t>, </a:t>
-            </a:r>
-            <a:r>
-              <a:rPr lang="de-DE" sz="2000" dirty="0" smtClean="0"/>
-              <a:t>Als Mitarbeiter möchte ich Noten für Teilnehmer eintragen können</a:t>
-            </a:r>
-            <a:br>
-              <a:rPr lang="de-DE" sz="2000" dirty="0" smtClean="0"/>
-            </a:br>
-            <a:r>
-              <a:rPr lang="de-DE" sz="2000" dirty="0" smtClean="0"/>
-              <a:t> </a:t>
-            </a:r>
-            <a:r>
-              <a:rPr lang="de-DE" sz="1600" b="1" dirty="0" smtClean="0"/>
-              <a:t>  </a:t>
-            </a:r>
-            <a:endParaRPr lang="de-DE" sz="1600" b="1" dirty="0"/>
-          </a:p>
-        </p:txBody>
-      </p:sp>
     </p:spTree>
     <p:extLst>
       <p:ext uri="{BB962C8B-B14F-4D97-AF65-F5344CB8AC3E}">
@@ -16195,6 +15895,75 @@
           <a:chExt cx="0" cy="0"/>
         </a:xfrm>
       </p:grpSpPr>
+      <p:sp>
+        <p:nvSpPr>
+          <p:cNvPr id="5" name="Titel 1"/>
+          <p:cNvSpPr txBox="1">
+            <a:spLocks/>
+          </p:cNvSpPr>
+          <p:nvPr/>
+        </p:nvSpPr>
+        <p:spPr>
+          <a:xfrm>
+            <a:off x="179512" y="908720"/>
+            <a:ext cx="8784976" cy="792088"/>
+          </a:xfrm>
+          <a:prstGeom prst="rect">
+            <a:avLst/>
+          </a:prstGeom>
+        </p:spPr>
+        <p:txBody>
+          <a:bodyPr vert="horz" lIns="0" rIns="0" bIns="0" anchor="b">
+            <a:normAutofit fontScale="92500"/>
+          </a:bodyPr>
+          <a:lstStyle>
+            <a:lvl1pPr algn="l" rtl="0" eaLnBrk="1" latinLnBrk="0" hangingPunct="1">
+              <a:spcBef>
+                <a:spcPct val="0"/>
+              </a:spcBef>
+              <a:buNone/>
+              <a:defRPr kumimoji="0" sz="5000" b="0" kern="1200">
+                <a:ln>
+                  <a:noFill/>
+                </a:ln>
+                <a:solidFill>
+                  <a:schemeClr val="tx2"/>
+                </a:solidFill>
+                <a:effectLst/>
+                <a:latin typeface="+mj-lt"/>
+                <a:ea typeface="+mj-ea"/>
+                <a:cs typeface="+mj-cs"/>
+              </a:defRPr>
+            </a:lvl1pPr>
+          </a:lstStyle>
+          <a:p>
+            <a:r>
+              <a:rPr lang="de-DE" sz="2000" dirty="0" smtClean="0"/>
+              <a:t>User Story  </a:t>
+            </a:r>
+            <a:r>
+              <a:rPr lang="de-DE" sz="2000" b="1" dirty="0" smtClean="0"/>
+              <a:t>Nr.: xxx</a:t>
+            </a:r>
+            <a:r>
+              <a:rPr lang="de-DE" sz="2000" dirty="0" smtClean="0"/>
+              <a:t>, Als Mitarbeiter möchte ich Noten für Teilnehmer eintragen können</a:t>
+            </a:r>
+            <a:br>
+              <a:rPr lang="de-DE" sz="2000" dirty="0" smtClean="0"/>
+            </a:br>
+            <a:r>
+              <a:rPr lang="de-DE" sz="2000" dirty="0" smtClean="0"/>
+              <a:t> </a:t>
+            </a:r>
+            <a:r>
+              <a:rPr lang="de-DE" sz="1600" dirty="0" smtClean="0"/>
+              <a:t>  </a:t>
+            </a:r>
+            <a:endParaRPr lang="de-DE" sz="1600" dirty="0"/>
+          </a:p>
+        </p:txBody>
+      </p:sp>
       <p:sp>
         <p:nvSpPr>
           <p:cNvPr id="6" name="Titel 1"/>
@@ -16550,83 +16319,6 @@
           </a:p>
         </p:txBody>
       </p:sp>
-      <p:sp>
-        <p:nvSpPr>
-          <p:cNvPr id="12" name="Titel 1"/>
-          <p:cNvSpPr txBox="1">
-            <a:spLocks/>
-          </p:cNvSpPr>
-          <p:nvPr/>
-        </p:nvSpPr>
-        <p:spPr>
-          <a:xfrm>
-            <a:off x="179512" y="908720"/>
-            <a:ext cx="8856984" cy="792088"/>
-          </a:xfrm>
-          <a:prstGeom prst="rect">
-            <a:avLst/>
-          </a:prstGeom>
-        </p:spPr>
-        <p:txBody>
-          <a:bodyPr vert="horz" lIns="0" rIns="0" bIns="0" anchor="b">
-            <a:normAutofit fontScale="92500"/>
-          </a:bodyPr>
-          <a:lstStyle>
-            <a:lvl1pPr algn="l" rtl="0" eaLnBrk="1" latinLnBrk="0" hangingPunct="1">
-              <a:spcBef>
-                <a:spcPct val="0"/>
-              </a:spcBef>
-              <a:buNone/>
-              <a:defRPr kumimoji="0" sz="5000" b="0" kern="1200">
-                <a:ln>
-                  <a:noFill/>
-                </a:ln>
-                <a:solidFill>
-                  <a:schemeClr val="tx2"/>
-                </a:solidFill>
-                <a:effectLst/>
-                <a:latin typeface="+mj-lt"/>
-                <a:ea typeface="+mj-ea"/>
-                <a:cs typeface="+mj-cs"/>
-              </a:defRPr>
-            </a:lvl1pPr>
-          </a:lstStyle>
-          <a:p>
-            <a:r>
-              <a:rPr lang="de-DE" sz="2000" dirty="0" smtClean="0"/>
-              <a:t>User Story  </a:t>
-            </a:r>
-            <a:r>
-              <a:rPr lang="de-DE" sz="2000" b="1" dirty="0" smtClean="0"/>
-              <a:t>Nr.: </a:t>
-            </a:r>
-            <a:r>
-              <a:rPr lang="de-DE" sz="2000" b="1" dirty="0" smtClean="0"/>
-              <a:t>430a</a:t>
-            </a:r>
-            <a:r>
-              <a:rPr lang="de-DE" sz="2000" dirty="0" smtClean="0"/>
-              <a:t>, </a:t>
-            </a:r>
-            <a:r>
-              <a:rPr lang="de-DE" sz="2000" dirty="0" smtClean="0"/>
-              <a:t>Als Mitarbeiter möchte ich Noten für Teilnehmer eintragen können</a:t>
-            </a:r>
-            <a:br>
-              <a:rPr lang="de-DE" sz="2000" dirty="0" smtClean="0"/>
-            </a:br>
-            <a:r>
-              <a:rPr lang="de-DE" sz="2000" dirty="0" smtClean="0"/>
-              <a:t> </a:t>
-            </a:r>
-            <a:r>
-              <a:rPr lang="de-DE" sz="1600" b="1" dirty="0" smtClean="0"/>
-              <a:t>  </a:t>
-            </a:r>
-            <a:endParaRPr lang="de-DE" sz="1600" b="1" dirty="0"/>
-          </a:p>
-        </p:txBody>
-      </p:sp>
     </p:spTree>
     <p:extLst>
       <p:ext uri="{BB962C8B-B14F-4D97-AF65-F5344CB8AC3E}">
@@ -16664,6 +16356,75 @@
           <a:chExt cx="0" cy="0"/>
         </a:xfrm>
       </p:grpSpPr>
+      <p:sp>
+        <p:nvSpPr>
+          <p:cNvPr id="5" name="Titel 1"/>
+          <p:cNvSpPr txBox="1">
+            <a:spLocks/>
+          </p:cNvSpPr>
+          <p:nvPr/>
+        </p:nvSpPr>
+        <p:spPr>
+          <a:xfrm>
+            <a:off x="179512" y="908720"/>
+            <a:ext cx="8784976" cy="792088"/>
+          </a:xfrm>
+          <a:prstGeom prst="rect">
+            <a:avLst/>
+          </a:prstGeom>
+        </p:spPr>
+        <p:txBody>
+          <a:bodyPr vert="horz" lIns="0" rIns="0" bIns="0" anchor="b">
+            <a:normAutofit fontScale="92500"/>
+          </a:bodyPr>
+          <a:lstStyle>
+            <a:lvl1pPr algn="l" rtl="0" eaLnBrk="1" latinLnBrk="0" hangingPunct="1">
+              <a:spcBef>
+                <a:spcPct val="0"/>
+              </a:spcBef>
+              <a:buNone/>
+              <a:defRPr kumimoji="0" sz="5000" b="0" kern="1200">
+                <a:ln>
+                  <a:noFill/>
+                </a:ln>
+                <a:solidFill>
+                  <a:schemeClr val="tx2"/>
+                </a:solidFill>
+                <a:effectLst/>
+                <a:latin typeface="+mj-lt"/>
+                <a:ea typeface="+mj-ea"/>
+                <a:cs typeface="+mj-cs"/>
+              </a:defRPr>
+            </a:lvl1pPr>
+          </a:lstStyle>
+          <a:p>
+            <a:r>
+              <a:rPr lang="de-DE" sz="2000" dirty="0" smtClean="0"/>
+              <a:t>User Story  </a:t>
+            </a:r>
+            <a:r>
+              <a:rPr lang="de-DE" sz="2000" b="1" dirty="0" smtClean="0"/>
+              <a:t>Nr.: xxx</a:t>
+            </a:r>
+            <a:r>
+              <a:rPr lang="de-DE" sz="2000" dirty="0" smtClean="0"/>
+              <a:t>, Als Mitarbeiter möchte ich Noten für Teilnehmer eintragen können</a:t>
+            </a:r>
+            <a:br>
+              <a:rPr lang="de-DE" sz="2000" dirty="0" smtClean="0"/>
+            </a:br>
+            <a:r>
+              <a:rPr lang="de-DE" sz="2000" dirty="0" smtClean="0"/>
+              <a:t> </a:t>
+            </a:r>
+            <a:r>
+              <a:rPr lang="de-DE" sz="1600" dirty="0" smtClean="0"/>
+              <a:t>  </a:t>
+            </a:r>
+            <a:endParaRPr lang="de-DE" sz="1600" dirty="0"/>
+          </a:p>
+        </p:txBody>
+      </p:sp>
       <p:sp>
         <p:nvSpPr>
           <p:cNvPr id="6" name="Titel 1"/>
@@ -16929,83 +16690,6 @@
           </a:p>
         </p:txBody>
       </p:sp>
-      <p:sp>
-        <p:nvSpPr>
-          <p:cNvPr id="9" name="Titel 1"/>
-          <p:cNvSpPr txBox="1">
-            <a:spLocks/>
-          </p:cNvSpPr>
-          <p:nvPr/>
-        </p:nvSpPr>
-        <p:spPr>
-          <a:xfrm>
-            <a:off x="179512" y="908720"/>
-            <a:ext cx="8856984" cy="792088"/>
-          </a:xfrm>
-          <a:prstGeom prst="rect">
-            <a:avLst/>
-          </a:prstGeom>
-        </p:spPr>
-        <p:txBody>
-          <a:bodyPr vert="horz" lIns="0" rIns="0" bIns="0" anchor="b">
-            <a:normAutofit fontScale="92500"/>
-          </a:bodyPr>
-          <a:lstStyle>
-            <a:lvl1pPr algn="l" rtl="0" eaLnBrk="1" latinLnBrk="0" hangingPunct="1">
-              <a:spcBef>
-                <a:spcPct val="0"/>
-              </a:spcBef>
-              <a:buNone/>
-              <a:defRPr kumimoji="0" sz="5000" b="0" kern="1200">
-                <a:ln>
-                  <a:noFill/>
-                </a:ln>
-                <a:solidFill>
-                  <a:schemeClr val="tx2"/>
-                </a:solidFill>
-                <a:effectLst/>
-                <a:latin typeface="+mj-lt"/>
-                <a:ea typeface="+mj-ea"/>
-                <a:cs typeface="+mj-cs"/>
-              </a:defRPr>
-            </a:lvl1pPr>
-          </a:lstStyle>
-          <a:p>
-            <a:r>
-              <a:rPr lang="de-DE" sz="2000" dirty="0" smtClean="0"/>
-              <a:t>User Story  </a:t>
-            </a:r>
-            <a:r>
-              <a:rPr lang="de-DE" sz="2000" b="1" dirty="0" smtClean="0"/>
-              <a:t>Nr.: </a:t>
-            </a:r>
-            <a:r>
-              <a:rPr lang="de-DE" sz="2000" b="1" dirty="0" smtClean="0"/>
-              <a:t>430a</a:t>
-            </a:r>
-            <a:r>
-              <a:rPr lang="de-DE" sz="2000" dirty="0" smtClean="0"/>
-              <a:t>, </a:t>
-            </a:r>
-            <a:r>
-              <a:rPr lang="de-DE" sz="2000" dirty="0" smtClean="0"/>
-              <a:t>Als Mitarbeiter möchte ich Noten für Teilnehmer eintragen können</a:t>
-            </a:r>
-            <a:br>
-              <a:rPr lang="de-DE" sz="2000" dirty="0" smtClean="0"/>
-            </a:br>
-            <a:r>
-              <a:rPr lang="de-DE" sz="2000" dirty="0" smtClean="0"/>
-              <a:t> </a:t>
-            </a:r>
-            <a:r>
-              <a:rPr lang="de-DE" sz="1600" b="1" dirty="0" smtClean="0"/>
-              <a:t>  </a:t>
-            </a:r>
-            <a:endParaRPr lang="de-DE" sz="1600" b="1" dirty="0"/>
-          </a:p>
-        </p:txBody>
-      </p:sp>
     </p:spTree>
     <p:extLst>
       <p:ext uri="{BB962C8B-B14F-4D97-AF65-F5344CB8AC3E}">
@@ -17614,7 +17298,7 @@
           <p:nvPr>
             <p:extLst>
               <p:ext uri="{D42A27DB-BD31-4B8C-83A1-F6EECF244321}">
-                <p14:modId xmlns:p14="http://schemas.microsoft.com/office/powerpoint/2010/main" val="4199990213"/>
+                <p14:modId xmlns:p14="http://schemas.microsoft.com/office/powerpoint/2010/main" val="3404543985"/>
               </p:ext>
             </p:extLst>
           </p:nvPr>
@@ -17959,14 +17643,10 @@
             </a:r>
             <a:r>
               <a:rPr lang="de-DE" sz="2000" b="1" dirty="0"/>
-              <a:t>Nr.: </a:t>
-            </a:r>
-            <a:r>
-              <a:rPr lang="de-DE" sz="2000" b="1" dirty="0"/>
-              <a:t>550</a:t>
-            </a:r>
-            <a:r>
-              <a:rPr lang="de-DE" sz="2000" dirty="0" smtClean="0"/>
+              <a:t>Nr.: xxx</a:t>
+            </a:r>
+            <a:r>
+              <a:rPr lang="de-DE" sz="2000" dirty="0"/>
               <a:t>, </a:t>
             </a:r>
             <a:r>
